--- a/ppt-churn-presentation.pptx
+++ b/ppt-churn-presentation.pptx
@@ -13613,7 +13613,6 @@
               <a:rPr lang="en-US" dirty="0"/>
               <a:t> model achieved an F1-score of 0.79, the highest and closest to 1.0 of all the evaluated models</a:t>
             </a:r>
-            <a:endParaRPr lang="en-US"/>
           </a:p>
           <a:p>
             <a:pPr>
@@ -13625,7 +13624,6 @@
               <a:rPr lang="en-US" dirty="0"/>
               <a:t>Further analysis indicated that the most important features influencing the model are:</a:t>
             </a:r>
-            <a:endParaRPr lang="en-US"/>
           </a:p>
           <a:p>
             <a:pPr lvl="1">
@@ -13637,7 +13635,6 @@
               <a:rPr lang="en-US" b="1" dirty="0"/>
               <a:t>the number of calls the customer made to customer service*</a:t>
             </a:r>
-            <a:endParaRPr lang="en-US" b="1"/>
           </a:p>
           <a:p>
             <a:pPr lvl="1">
@@ -13649,7 +13646,6 @@
               <a:rPr lang="en-US" dirty="0"/>
               <a:t>whether the customer has a voice mail plan</a:t>
             </a:r>
-            <a:endParaRPr lang="en-US"/>
           </a:p>
           <a:p>
             <a:pPr lvl="1">
@@ -13661,7 +13657,6 @@
               <a:rPr lang="en-US" dirty="0"/>
               <a:t>the total number of minutes used per day</a:t>
             </a:r>
-            <a:endParaRPr lang="en-US"/>
           </a:p>
           <a:p>
             <a:pPr lvl="1">
@@ -13673,7 +13668,6 @@
               <a:rPr lang="en-US" b="1" dirty="0"/>
               <a:t>whether the customer has an international plan*</a:t>
             </a:r>
-            <a:endParaRPr lang="en-US" b="1"/>
           </a:p>
           <a:p>
             <a:pPr lvl="1">
@@ -13685,7 +13679,6 @@
               <a:rPr lang="en-US" dirty="0"/>
               <a:t>the total number of international calls made</a:t>
             </a:r>
-            <a:endParaRPr lang="en-US"/>
           </a:p>
           <a:p>
             <a:pPr>
@@ -13697,7 +13690,6 @@
               <a:rPr lang="en-US" dirty="0"/>
               <a:t>Both of these features were also influential in other models evaluated</a:t>
             </a:r>
-            <a:endParaRPr lang="en-US"/>
           </a:p>
         </p:txBody>
       </p:sp>
@@ -14107,7 +14099,7 @@
           <a:lstStyle/>
           <a:p>
             <a:r>
-              <a:rPr lang="en-US">
+              <a:rPr lang="en-US" dirty="0">
                 <a:solidFill>
                   <a:srgbClr val="404040"/>
                 </a:solidFill>
@@ -14118,7 +14110,7 @@
           <a:p>
             <a:pPr lvl="1"/>
             <a:r>
-              <a:rPr lang="en-US">
+              <a:rPr lang="en-US" dirty="0">
                 <a:solidFill>
                   <a:srgbClr val="404040"/>
                 </a:solidFill>
@@ -14129,7 +14121,7 @@
           <a:p>
             <a:pPr lvl="1"/>
             <a:r>
-              <a:rPr lang="en-US">
+              <a:rPr lang="en-US" dirty="0">
                 <a:solidFill>
                   <a:srgbClr val="404040"/>
                 </a:solidFill>
@@ -14139,7 +14131,7 @@
           </a:p>
           <a:p>
             <a:r>
-              <a:rPr lang="en-US">
+              <a:rPr lang="en-US" dirty="0">
                 <a:solidFill>
                   <a:srgbClr val="404040"/>
                 </a:solidFill>
@@ -14149,7 +14141,7 @@
           </a:p>
           <a:p>
             <a:r>
-              <a:rPr lang="en-US">
+              <a:rPr lang="en-US" dirty="0">
                 <a:solidFill>
                   <a:srgbClr val="404040"/>
                 </a:solidFill>

--- a/ppt-churn-presentation.pptx
+++ b/ppt-churn-presentation.pptx
@@ -1789,6 +1789,927 @@
 </file>
 
 <file path=ppt/diagrams/colors3.xml><?xml version="1.0" encoding="utf-8"?>
+<dgm:colorsDef xmlns:dgm="http://schemas.openxmlformats.org/drawingml/2006/diagram" xmlns:a="http://schemas.openxmlformats.org/drawingml/2006/main" uniqueId="urn:microsoft.com/office/officeart/2018/5/colors/Iconchunking_neutralicontext_colorful1">
+  <dgm:title val=""/>
+  <dgm:desc val=""/>
+  <dgm:catLst>
+    <dgm:cat type="colorful" pri="10100"/>
+  </dgm:catLst>
+  <dgm:styleLbl name="node0">
+    <dgm:fillClrLst meth="repeat">
+      <a:schemeClr val="accent1"/>
+    </dgm:fillClrLst>
+    <dgm:linClrLst meth="repeat">
+      <a:schemeClr val="lt1"/>
+    </dgm:linClrLst>
+    <dgm:effectClrLst/>
+    <dgm:txLinClrLst/>
+    <dgm:txFillClrLst/>
+    <dgm:txEffectClrLst/>
+  </dgm:styleLbl>
+  <dgm:styleLbl name="node1">
+    <dgm:fillClrLst meth="repeat">
+      <a:schemeClr val="bg1"/>
+    </dgm:fillClrLst>
+    <dgm:linClrLst meth="repeat">
+      <a:schemeClr val="lt1">
+        <a:alpha val="0"/>
+      </a:schemeClr>
+    </dgm:linClrLst>
+    <dgm:effectClrLst/>
+    <dgm:txLinClrLst/>
+    <dgm:txFillClrLst meth="repeat">
+      <a:schemeClr val="dk1"/>
+    </dgm:txFillClrLst>
+    <dgm:txEffectClrLst/>
+  </dgm:styleLbl>
+  <dgm:styleLbl name="alignNode1">
+    <dgm:fillClrLst meth="repeat">
+      <a:schemeClr val="accent2"/>
+      <a:schemeClr val="accent3"/>
+      <a:schemeClr val="accent4"/>
+      <a:schemeClr val="accent5"/>
+      <a:schemeClr val="accent6"/>
+    </dgm:fillClrLst>
+    <dgm:linClrLst meth="repeat">
+      <a:schemeClr val="accent2"/>
+      <a:schemeClr val="accent3"/>
+      <a:schemeClr val="accent4"/>
+      <a:schemeClr val="accent5"/>
+      <a:schemeClr val="accent6"/>
+    </dgm:linClrLst>
+    <dgm:effectClrLst/>
+    <dgm:txLinClrLst/>
+    <dgm:txFillClrLst/>
+    <dgm:txEffectClrLst/>
+  </dgm:styleLbl>
+  <dgm:styleLbl name="lnNode1">
+    <dgm:fillClrLst meth="repeat">
+      <a:schemeClr val="accent2"/>
+      <a:schemeClr val="accent3"/>
+      <a:schemeClr val="accent4"/>
+      <a:schemeClr val="accent5"/>
+      <a:schemeClr val="accent6"/>
+    </dgm:fillClrLst>
+    <dgm:linClrLst meth="repeat">
+      <a:schemeClr val="lt1"/>
+    </dgm:linClrLst>
+    <dgm:effectClrLst/>
+    <dgm:txLinClrLst/>
+    <dgm:txFillClrLst/>
+    <dgm:txEffectClrLst/>
+  </dgm:styleLbl>
+  <dgm:styleLbl name="vennNode1">
+    <dgm:fillClrLst meth="repeat">
+      <a:schemeClr val="accent2">
+        <a:alpha val="50000"/>
+      </a:schemeClr>
+      <a:schemeClr val="accent3">
+        <a:alpha val="50000"/>
+      </a:schemeClr>
+      <a:schemeClr val="accent4">
+        <a:alpha val="50000"/>
+      </a:schemeClr>
+      <a:schemeClr val="accent5">
+        <a:alpha val="50000"/>
+      </a:schemeClr>
+      <a:schemeClr val="accent6">
+        <a:alpha val="50000"/>
+      </a:schemeClr>
+    </dgm:fillClrLst>
+    <dgm:linClrLst meth="repeat">
+      <a:schemeClr val="lt1"/>
+    </dgm:linClrLst>
+    <dgm:effectClrLst/>
+    <dgm:txLinClrLst/>
+    <dgm:txFillClrLst/>
+    <dgm:txEffectClrLst/>
+  </dgm:styleLbl>
+  <dgm:styleLbl name="node2">
+    <dgm:fillClrLst>
+      <a:schemeClr val="accent2"/>
+    </dgm:fillClrLst>
+    <dgm:linClrLst meth="repeat">
+      <a:schemeClr val="lt1"/>
+    </dgm:linClrLst>
+    <dgm:effectClrLst/>
+    <dgm:txLinClrLst/>
+    <dgm:txFillClrLst/>
+    <dgm:txEffectClrLst/>
+  </dgm:styleLbl>
+  <dgm:styleLbl name="node3">
+    <dgm:fillClrLst>
+      <a:schemeClr val="accent3"/>
+    </dgm:fillClrLst>
+    <dgm:linClrLst meth="repeat">
+      <a:schemeClr val="lt1"/>
+    </dgm:linClrLst>
+    <dgm:effectClrLst/>
+    <dgm:txLinClrLst/>
+    <dgm:txFillClrLst/>
+    <dgm:txEffectClrLst/>
+  </dgm:styleLbl>
+  <dgm:styleLbl name="node4">
+    <dgm:fillClrLst>
+      <a:schemeClr val="accent4"/>
+    </dgm:fillClrLst>
+    <dgm:linClrLst meth="repeat">
+      <a:schemeClr val="lt1"/>
+    </dgm:linClrLst>
+    <dgm:effectClrLst/>
+    <dgm:txLinClrLst/>
+    <dgm:txFillClrLst/>
+    <dgm:txEffectClrLst/>
+  </dgm:styleLbl>
+  <dgm:styleLbl name="fgImgPlace1">
+    <dgm:fillClrLst meth="repeat">
+      <a:schemeClr val="accent2">
+        <a:tint val="50000"/>
+      </a:schemeClr>
+      <a:schemeClr val="accent3">
+        <a:tint val="50000"/>
+      </a:schemeClr>
+      <a:schemeClr val="accent4">
+        <a:tint val="50000"/>
+      </a:schemeClr>
+      <a:schemeClr val="accent5">
+        <a:tint val="50000"/>
+      </a:schemeClr>
+      <a:schemeClr val="accent6">
+        <a:tint val="50000"/>
+      </a:schemeClr>
+    </dgm:fillClrLst>
+    <dgm:linClrLst meth="repeat">
+      <a:schemeClr val="lt1"/>
+    </dgm:linClrLst>
+    <dgm:effectClrLst/>
+    <dgm:txLinClrLst/>
+    <dgm:txFillClrLst meth="repeat">
+      <a:schemeClr val="lt1"/>
+    </dgm:txFillClrLst>
+    <dgm:txEffectClrLst/>
+  </dgm:styleLbl>
+  <dgm:styleLbl name="alignImgPlace1">
+    <dgm:fillClrLst>
+      <a:schemeClr val="accent1">
+        <a:tint val="50000"/>
+      </a:schemeClr>
+      <a:schemeClr val="accent2">
+        <a:tint val="20000"/>
+      </a:schemeClr>
+    </dgm:fillClrLst>
+    <dgm:linClrLst meth="repeat">
+      <a:schemeClr val="lt1"/>
+    </dgm:linClrLst>
+    <dgm:effectClrLst/>
+    <dgm:txLinClrLst/>
+    <dgm:txFillClrLst meth="repeat">
+      <a:schemeClr val="lt1"/>
+    </dgm:txFillClrLst>
+    <dgm:txEffectClrLst/>
+  </dgm:styleLbl>
+  <dgm:styleLbl name="bgImgPlace1">
+    <dgm:fillClrLst>
+      <a:schemeClr val="accent1">
+        <a:tint val="50000"/>
+      </a:schemeClr>
+      <a:schemeClr val="accent2">
+        <a:tint val="20000"/>
+      </a:schemeClr>
+    </dgm:fillClrLst>
+    <dgm:linClrLst meth="repeat">
+      <a:schemeClr val="lt1"/>
+    </dgm:linClrLst>
+    <dgm:effectClrLst/>
+    <dgm:txLinClrLst/>
+    <dgm:txFillClrLst meth="repeat">
+      <a:schemeClr val="lt1"/>
+    </dgm:txFillClrLst>
+    <dgm:txEffectClrLst/>
+  </dgm:styleLbl>
+  <dgm:styleLbl name="sibTrans2D1">
+    <dgm:fillClrLst meth="repeat">
+      <a:schemeClr val="accent2"/>
+      <a:schemeClr val="accent3"/>
+      <a:schemeClr val="accent4"/>
+      <a:schemeClr val="accent5"/>
+      <a:schemeClr val="accent6"/>
+    </dgm:fillClrLst>
+    <dgm:linClrLst meth="cycle">
+      <a:schemeClr val="lt1"/>
+    </dgm:linClrLst>
+    <dgm:effectClrLst/>
+    <dgm:txLinClrLst/>
+    <dgm:txFillClrLst/>
+    <dgm:txEffectClrLst/>
+  </dgm:styleLbl>
+  <dgm:styleLbl name="fgSibTrans2D1">
+    <dgm:fillClrLst meth="repeat">
+      <a:schemeClr val="accent2"/>
+      <a:schemeClr val="accent3"/>
+      <a:schemeClr val="accent4"/>
+      <a:schemeClr val="accent5"/>
+      <a:schemeClr val="accent6"/>
+    </dgm:fillClrLst>
+    <dgm:linClrLst meth="cycle">
+      <a:schemeClr val="lt1"/>
+    </dgm:linClrLst>
+    <dgm:effectClrLst/>
+    <dgm:txLinClrLst/>
+    <dgm:txFillClrLst meth="repeat">
+      <a:schemeClr val="lt1"/>
+    </dgm:txFillClrLst>
+    <dgm:txEffectClrLst/>
+  </dgm:styleLbl>
+  <dgm:styleLbl name="bgSibTrans2D1">
+    <dgm:fillClrLst meth="repeat">
+      <a:schemeClr val="accent2"/>
+      <a:schemeClr val="accent3"/>
+      <a:schemeClr val="accent4"/>
+      <a:schemeClr val="accent5"/>
+      <a:schemeClr val="accent6"/>
+    </dgm:fillClrLst>
+    <dgm:linClrLst meth="cycle">
+      <a:schemeClr val="lt1"/>
+    </dgm:linClrLst>
+    <dgm:effectClrLst/>
+    <dgm:txLinClrLst/>
+    <dgm:txFillClrLst meth="repeat">
+      <a:schemeClr val="lt1"/>
+    </dgm:txFillClrLst>
+    <dgm:txEffectClrLst/>
+  </dgm:styleLbl>
+  <dgm:styleLbl name="sibTrans1D1">
+    <dgm:fillClrLst meth="repeat">
+      <a:schemeClr val="accent2"/>
+      <a:schemeClr val="accent3"/>
+      <a:schemeClr val="accent4"/>
+      <a:schemeClr val="accent5"/>
+      <a:schemeClr val="accent6"/>
+    </dgm:fillClrLst>
+    <dgm:linClrLst meth="repeat">
+      <a:schemeClr val="accent2"/>
+      <a:schemeClr val="accent3"/>
+      <a:schemeClr val="accent4"/>
+      <a:schemeClr val="accent5"/>
+      <a:schemeClr val="accent6"/>
+    </dgm:linClrLst>
+    <dgm:effectClrLst/>
+    <dgm:txLinClrLst/>
+    <dgm:txFillClrLst meth="repeat">
+      <a:schemeClr val="tx1"/>
+    </dgm:txFillClrLst>
+    <dgm:txEffectClrLst/>
+  </dgm:styleLbl>
+  <dgm:styleLbl name="callout">
+    <dgm:fillClrLst meth="repeat">
+      <a:schemeClr val="accent2"/>
+    </dgm:fillClrLst>
+    <dgm:linClrLst meth="repeat">
+      <a:schemeClr val="accent2">
+        <a:tint val="50000"/>
+      </a:schemeClr>
+    </dgm:linClrLst>
+    <dgm:effectClrLst/>
+    <dgm:txLinClrLst/>
+    <dgm:txFillClrLst meth="repeat">
+      <a:schemeClr val="tx1"/>
+    </dgm:txFillClrLst>
+    <dgm:txEffectClrLst/>
+  </dgm:styleLbl>
+  <dgm:styleLbl name="asst0">
+    <dgm:fillClrLst meth="repeat">
+      <a:schemeClr val="accent1"/>
+    </dgm:fillClrLst>
+    <dgm:linClrLst meth="repeat">
+      <a:schemeClr val="lt1"/>
+    </dgm:linClrLst>
+    <dgm:effectClrLst/>
+    <dgm:txLinClrLst/>
+    <dgm:txFillClrLst/>
+    <dgm:txEffectClrLst/>
+  </dgm:styleLbl>
+  <dgm:styleLbl name="asst1">
+    <dgm:fillClrLst meth="repeat">
+      <a:schemeClr val="accent2"/>
+    </dgm:fillClrLst>
+    <dgm:linClrLst meth="repeat">
+      <a:schemeClr val="lt1"/>
+    </dgm:linClrLst>
+    <dgm:effectClrLst/>
+    <dgm:txLinClrLst/>
+    <dgm:txFillClrLst/>
+    <dgm:txEffectClrLst/>
+  </dgm:styleLbl>
+  <dgm:styleLbl name="asst2">
+    <dgm:fillClrLst>
+      <a:schemeClr val="accent3"/>
+    </dgm:fillClrLst>
+    <dgm:linClrLst meth="repeat">
+      <a:schemeClr val="lt1"/>
+    </dgm:linClrLst>
+    <dgm:effectClrLst/>
+    <dgm:txLinClrLst/>
+    <dgm:txFillClrLst/>
+    <dgm:txEffectClrLst/>
+  </dgm:styleLbl>
+  <dgm:styleLbl name="asst3">
+    <dgm:fillClrLst>
+      <a:schemeClr val="accent4"/>
+    </dgm:fillClrLst>
+    <dgm:linClrLst meth="repeat">
+      <a:schemeClr val="lt1"/>
+    </dgm:linClrLst>
+    <dgm:effectClrLst/>
+    <dgm:txLinClrLst/>
+    <dgm:txFillClrLst/>
+    <dgm:txEffectClrLst/>
+  </dgm:styleLbl>
+  <dgm:styleLbl name="asst4">
+    <dgm:fillClrLst>
+      <a:schemeClr val="accent5"/>
+    </dgm:fillClrLst>
+    <dgm:linClrLst meth="repeat">
+      <a:schemeClr val="lt1"/>
+    </dgm:linClrLst>
+    <dgm:effectClrLst/>
+    <dgm:txLinClrLst/>
+    <dgm:txFillClrLst/>
+    <dgm:txEffectClrLst/>
+  </dgm:styleLbl>
+  <dgm:styleLbl name="parChTrans2D1">
+    <dgm:fillClrLst meth="repeat">
+      <a:schemeClr val="accent2"/>
+    </dgm:fillClrLst>
+    <dgm:linClrLst meth="repeat">
+      <a:schemeClr val="lt1"/>
+    </dgm:linClrLst>
+    <dgm:effectClrLst/>
+    <dgm:txLinClrLst/>
+    <dgm:txFillClrLst meth="repeat">
+      <a:schemeClr val="lt1"/>
+    </dgm:txFillClrLst>
+    <dgm:txEffectClrLst/>
+  </dgm:styleLbl>
+  <dgm:styleLbl name="parChTrans2D2">
+    <dgm:fillClrLst meth="repeat">
+      <a:schemeClr val="accent3"/>
+    </dgm:fillClrLst>
+    <dgm:linClrLst meth="repeat">
+      <a:schemeClr val="lt1"/>
+    </dgm:linClrLst>
+    <dgm:effectClrLst/>
+    <dgm:txLinClrLst/>
+    <dgm:txFillClrLst/>
+    <dgm:txEffectClrLst/>
+  </dgm:styleLbl>
+  <dgm:styleLbl name="parChTrans2D3">
+    <dgm:fillClrLst meth="repeat">
+      <a:schemeClr val="accent4"/>
+    </dgm:fillClrLst>
+    <dgm:linClrLst meth="repeat">
+      <a:schemeClr val="lt1"/>
+    </dgm:linClrLst>
+    <dgm:effectClrLst/>
+    <dgm:txLinClrLst/>
+    <dgm:txFillClrLst/>
+    <dgm:txEffectClrLst/>
+  </dgm:styleLbl>
+  <dgm:styleLbl name="parChTrans2D4">
+    <dgm:fillClrLst meth="repeat">
+      <a:schemeClr val="accent5"/>
+    </dgm:fillClrLst>
+    <dgm:linClrLst meth="repeat">
+      <a:schemeClr val="lt1"/>
+    </dgm:linClrLst>
+    <dgm:effectClrLst/>
+    <dgm:txLinClrLst/>
+    <dgm:txFillClrLst meth="repeat">
+      <a:schemeClr val="lt1"/>
+    </dgm:txFillClrLst>
+    <dgm:txEffectClrLst/>
+  </dgm:styleLbl>
+  <dgm:styleLbl name="parChTrans1D1">
+    <dgm:fillClrLst meth="repeat">
+      <a:schemeClr val="accent2"/>
+    </dgm:fillClrLst>
+    <dgm:linClrLst meth="repeat">
+      <a:schemeClr val="accent1"/>
+    </dgm:linClrLst>
+    <dgm:effectClrLst/>
+    <dgm:txLinClrLst/>
+    <dgm:txFillClrLst meth="repeat">
+      <a:schemeClr val="tx1"/>
+    </dgm:txFillClrLst>
+    <dgm:txEffectClrLst/>
+  </dgm:styleLbl>
+  <dgm:styleLbl name="parChTrans1D2">
+    <dgm:fillClrLst meth="repeat">
+      <a:schemeClr val="accent3">
+        <a:tint val="90000"/>
+      </a:schemeClr>
+    </dgm:fillClrLst>
+    <dgm:linClrLst meth="repeat">
+      <a:schemeClr val="accent2"/>
+    </dgm:linClrLst>
+    <dgm:effectClrLst/>
+    <dgm:txLinClrLst/>
+    <dgm:txFillClrLst meth="repeat">
+      <a:schemeClr val="tx1"/>
+    </dgm:txFillClrLst>
+    <dgm:txEffectClrLst/>
+  </dgm:styleLbl>
+  <dgm:styleLbl name="parChTrans1D3">
+    <dgm:fillClrLst meth="repeat">
+      <a:schemeClr val="accent4">
+        <a:tint val="70000"/>
+      </a:schemeClr>
+    </dgm:fillClrLst>
+    <dgm:linClrLst meth="repeat">
+      <a:schemeClr val="accent3"/>
+    </dgm:linClrLst>
+    <dgm:effectClrLst/>
+    <dgm:txLinClrLst/>
+    <dgm:txFillClrLst meth="repeat">
+      <a:schemeClr val="tx1"/>
+    </dgm:txFillClrLst>
+    <dgm:txEffectClrLst/>
+  </dgm:styleLbl>
+  <dgm:styleLbl name="parChTrans1D4">
+    <dgm:fillClrLst meth="repeat">
+      <a:schemeClr val="accent5">
+        <a:tint val="50000"/>
+      </a:schemeClr>
+    </dgm:fillClrLst>
+    <dgm:linClrLst meth="repeat">
+      <a:schemeClr val="accent4"/>
+    </dgm:linClrLst>
+    <dgm:effectClrLst/>
+    <dgm:txLinClrLst/>
+    <dgm:txFillClrLst meth="repeat">
+      <a:schemeClr val="tx1"/>
+    </dgm:txFillClrLst>
+    <dgm:txEffectClrLst/>
+  </dgm:styleLbl>
+  <dgm:styleLbl name="fgAcc1">
+    <dgm:fillClrLst meth="repeat">
+      <a:schemeClr val="lt1">
+        <a:alpha val="90000"/>
+      </a:schemeClr>
+    </dgm:fillClrLst>
+    <dgm:linClrLst meth="repeat">
+      <a:schemeClr val="accent2"/>
+      <a:schemeClr val="accent3"/>
+      <a:schemeClr val="accent4"/>
+      <a:schemeClr val="accent5"/>
+      <a:schemeClr val="accent6"/>
+    </dgm:linClrLst>
+    <dgm:effectClrLst/>
+    <dgm:txLinClrLst/>
+    <dgm:txFillClrLst meth="repeat">
+      <a:schemeClr val="dk1"/>
+    </dgm:txFillClrLst>
+    <dgm:txEffectClrLst/>
+  </dgm:styleLbl>
+  <dgm:styleLbl name="conFgAcc1">
+    <dgm:fillClrLst meth="repeat">
+      <a:schemeClr val="lt1">
+        <a:alpha val="90000"/>
+      </a:schemeClr>
+    </dgm:fillClrLst>
+    <dgm:linClrLst meth="repeat">
+      <a:schemeClr val="accent2"/>
+      <a:schemeClr val="accent3"/>
+      <a:schemeClr val="accent4"/>
+      <a:schemeClr val="accent5"/>
+      <a:schemeClr val="accent6"/>
+    </dgm:linClrLst>
+    <dgm:effectClrLst/>
+    <dgm:txLinClrLst/>
+    <dgm:txFillClrLst meth="repeat">
+      <a:schemeClr val="dk1"/>
+    </dgm:txFillClrLst>
+    <dgm:txEffectClrLst/>
+  </dgm:styleLbl>
+  <dgm:styleLbl name="alignAcc1">
+    <dgm:fillClrLst meth="repeat">
+      <a:schemeClr val="lt1">
+        <a:alpha val="90000"/>
+      </a:schemeClr>
+    </dgm:fillClrLst>
+    <dgm:linClrLst meth="repeat">
+      <a:schemeClr val="accent2"/>
+      <a:schemeClr val="accent3"/>
+      <a:schemeClr val="accent4"/>
+      <a:schemeClr val="accent5"/>
+      <a:schemeClr val="accent6"/>
+    </dgm:linClrLst>
+    <dgm:effectClrLst/>
+    <dgm:txLinClrLst/>
+    <dgm:txFillClrLst meth="repeat">
+      <a:schemeClr val="dk1"/>
+    </dgm:txFillClrLst>
+    <dgm:txEffectClrLst/>
+  </dgm:styleLbl>
+  <dgm:styleLbl name="trAlignAcc1">
+    <dgm:fillClrLst meth="repeat">
+      <a:schemeClr val="lt1">
+        <a:alpha val="40000"/>
+      </a:schemeClr>
+    </dgm:fillClrLst>
+    <dgm:linClrLst meth="repeat">
+      <a:schemeClr val="accent1"/>
+    </dgm:linClrLst>
+    <dgm:effectClrLst/>
+    <dgm:txLinClrLst/>
+    <dgm:txFillClrLst meth="repeat">
+      <a:schemeClr val="dk1"/>
+    </dgm:txFillClrLst>
+    <dgm:txEffectClrLst/>
+  </dgm:styleLbl>
+  <dgm:styleLbl name="bgAcc1">
+    <dgm:fillClrLst meth="repeat">
+      <a:schemeClr val="lt1">
+        <a:alpha val="90000"/>
+      </a:schemeClr>
+    </dgm:fillClrLst>
+    <dgm:linClrLst meth="repeat">
+      <a:schemeClr val="accent2"/>
+      <a:schemeClr val="accent3"/>
+      <a:schemeClr val="accent4"/>
+      <a:schemeClr val="accent5"/>
+      <a:schemeClr val="accent6"/>
+    </dgm:linClrLst>
+    <dgm:effectClrLst/>
+    <dgm:txLinClrLst/>
+    <dgm:txFillClrLst meth="repeat">
+      <a:schemeClr val="dk1"/>
+    </dgm:txFillClrLst>
+    <dgm:txEffectClrLst/>
+  </dgm:styleLbl>
+  <dgm:styleLbl name="solidFgAcc1">
+    <dgm:fillClrLst meth="repeat">
+      <a:schemeClr val="lt1"/>
+    </dgm:fillClrLst>
+    <dgm:linClrLst meth="repeat">
+      <a:schemeClr val="accent2"/>
+      <a:schemeClr val="accent3"/>
+      <a:schemeClr val="accent4"/>
+      <a:schemeClr val="accent5"/>
+      <a:schemeClr val="accent6"/>
+    </dgm:linClrLst>
+    <dgm:effectClrLst/>
+    <dgm:txLinClrLst/>
+    <dgm:txFillClrLst meth="repeat">
+      <a:schemeClr val="dk1"/>
+    </dgm:txFillClrLst>
+    <dgm:txEffectClrLst/>
+  </dgm:styleLbl>
+  <dgm:styleLbl name="solidAlignAcc1">
+    <dgm:fillClrLst meth="repeat">
+      <a:schemeClr val="lt1"/>
+    </dgm:fillClrLst>
+    <dgm:linClrLst meth="repeat">
+      <a:schemeClr val="accent2"/>
+      <a:schemeClr val="accent3"/>
+      <a:schemeClr val="accent4"/>
+      <a:schemeClr val="accent5"/>
+      <a:schemeClr val="accent6"/>
+    </dgm:linClrLst>
+    <dgm:effectClrLst/>
+    <dgm:txLinClrLst/>
+    <dgm:txFillClrLst meth="repeat">
+      <a:schemeClr val="dk1"/>
+    </dgm:txFillClrLst>
+    <dgm:txEffectClrLst/>
+  </dgm:styleLbl>
+  <dgm:styleLbl name="solidBgAcc1">
+    <dgm:fillClrLst meth="repeat">
+      <a:schemeClr val="lt1"/>
+    </dgm:fillClrLst>
+    <dgm:linClrLst meth="repeat">
+      <a:schemeClr val="accent2"/>
+      <a:schemeClr val="accent3"/>
+      <a:schemeClr val="accent4"/>
+      <a:schemeClr val="accent5"/>
+      <a:schemeClr val="accent6"/>
+    </dgm:linClrLst>
+    <dgm:effectClrLst/>
+    <dgm:txLinClrLst/>
+    <dgm:txFillClrLst meth="repeat">
+      <a:schemeClr val="dk1"/>
+    </dgm:txFillClrLst>
+    <dgm:txEffectClrLst/>
+  </dgm:styleLbl>
+  <dgm:styleLbl name="fgAccFollowNode1">
+    <dgm:fillClrLst meth="repeat">
+      <a:schemeClr val="accent2">
+        <a:tint val="40000"/>
+        <a:alpha val="90000"/>
+      </a:schemeClr>
+      <a:schemeClr val="accent3">
+        <a:tint val="40000"/>
+        <a:alpha val="90000"/>
+      </a:schemeClr>
+      <a:schemeClr val="accent4">
+        <a:tint val="40000"/>
+        <a:alpha val="90000"/>
+      </a:schemeClr>
+      <a:schemeClr val="accent5">
+        <a:tint val="40000"/>
+        <a:alpha val="90000"/>
+      </a:schemeClr>
+      <a:schemeClr val="accent6">
+        <a:tint val="40000"/>
+        <a:alpha val="90000"/>
+      </a:schemeClr>
+    </dgm:fillClrLst>
+    <dgm:linClrLst meth="repeat">
+      <a:schemeClr val="accent2">
+        <a:tint val="40000"/>
+        <a:alpha val="90000"/>
+      </a:schemeClr>
+      <a:schemeClr val="accent3">
+        <a:tint val="40000"/>
+        <a:alpha val="90000"/>
+      </a:schemeClr>
+      <a:schemeClr val="accent4">
+        <a:tint val="40000"/>
+        <a:alpha val="90000"/>
+      </a:schemeClr>
+      <a:schemeClr val="accent5">
+        <a:tint val="40000"/>
+        <a:alpha val="90000"/>
+      </a:schemeClr>
+      <a:schemeClr val="accent6">
+        <a:tint val="40000"/>
+        <a:alpha val="90000"/>
+      </a:schemeClr>
+    </dgm:linClrLst>
+    <dgm:effectClrLst/>
+    <dgm:txLinClrLst/>
+    <dgm:txFillClrLst meth="repeat">
+      <a:schemeClr val="dk1"/>
+    </dgm:txFillClrLst>
+    <dgm:txEffectClrLst/>
+  </dgm:styleLbl>
+  <dgm:styleLbl name="alignAccFollowNode1">
+    <dgm:fillClrLst meth="repeat">
+      <a:schemeClr val="accent2">
+        <a:tint val="40000"/>
+        <a:alpha val="90000"/>
+      </a:schemeClr>
+      <a:schemeClr val="accent3">
+        <a:tint val="40000"/>
+        <a:alpha val="90000"/>
+      </a:schemeClr>
+      <a:schemeClr val="accent4">
+        <a:tint val="40000"/>
+        <a:alpha val="90000"/>
+      </a:schemeClr>
+      <a:schemeClr val="accent5">
+        <a:tint val="40000"/>
+        <a:alpha val="90000"/>
+      </a:schemeClr>
+      <a:schemeClr val="accent6">
+        <a:tint val="40000"/>
+        <a:alpha val="90000"/>
+      </a:schemeClr>
+    </dgm:fillClrLst>
+    <dgm:linClrLst meth="repeat">
+      <a:schemeClr val="accent2">
+        <a:tint val="40000"/>
+        <a:alpha val="90000"/>
+      </a:schemeClr>
+      <a:schemeClr val="accent3">
+        <a:tint val="40000"/>
+        <a:alpha val="90000"/>
+      </a:schemeClr>
+      <a:schemeClr val="accent4">
+        <a:tint val="40000"/>
+        <a:alpha val="90000"/>
+      </a:schemeClr>
+      <a:schemeClr val="accent5">
+        <a:tint val="40000"/>
+        <a:alpha val="90000"/>
+      </a:schemeClr>
+      <a:schemeClr val="accent6">
+        <a:tint val="40000"/>
+        <a:alpha val="90000"/>
+      </a:schemeClr>
+    </dgm:linClrLst>
+    <dgm:effectClrLst/>
+    <dgm:txLinClrLst/>
+    <dgm:txFillClrLst meth="repeat">
+      <a:schemeClr val="dk1"/>
+    </dgm:txFillClrLst>
+    <dgm:txEffectClrLst/>
+  </dgm:styleLbl>
+  <dgm:styleLbl name="bgAccFollowNode1">
+    <dgm:fillClrLst meth="repeat">
+      <a:schemeClr val="accent2">
+        <a:tint val="40000"/>
+        <a:alpha val="90000"/>
+      </a:schemeClr>
+      <a:schemeClr val="accent3">
+        <a:tint val="40000"/>
+        <a:alpha val="90000"/>
+      </a:schemeClr>
+      <a:schemeClr val="accent4">
+        <a:tint val="40000"/>
+        <a:alpha val="90000"/>
+      </a:schemeClr>
+      <a:schemeClr val="accent5">
+        <a:tint val="40000"/>
+        <a:alpha val="90000"/>
+      </a:schemeClr>
+      <a:schemeClr val="accent6">
+        <a:tint val="40000"/>
+        <a:alpha val="90000"/>
+      </a:schemeClr>
+    </dgm:fillClrLst>
+    <dgm:linClrLst meth="repeat">
+      <a:schemeClr val="accent2">
+        <a:tint val="40000"/>
+        <a:alpha val="90000"/>
+      </a:schemeClr>
+      <a:schemeClr val="accent3">
+        <a:tint val="40000"/>
+        <a:alpha val="90000"/>
+      </a:schemeClr>
+      <a:schemeClr val="accent4">
+        <a:tint val="40000"/>
+        <a:alpha val="90000"/>
+      </a:schemeClr>
+      <a:schemeClr val="accent5">
+        <a:tint val="40000"/>
+        <a:alpha val="90000"/>
+      </a:schemeClr>
+      <a:schemeClr val="accent6">
+        <a:tint val="40000"/>
+        <a:alpha val="90000"/>
+      </a:schemeClr>
+    </dgm:linClrLst>
+    <dgm:effectClrLst/>
+    <dgm:txLinClrLst/>
+    <dgm:txFillClrLst meth="repeat">
+      <a:schemeClr val="dk1"/>
+    </dgm:txFillClrLst>
+    <dgm:txEffectClrLst/>
+  </dgm:styleLbl>
+  <dgm:styleLbl name="fgAcc0">
+    <dgm:fillClrLst meth="repeat">
+      <a:schemeClr val="lt1">
+        <a:alpha val="90000"/>
+      </a:schemeClr>
+    </dgm:fillClrLst>
+    <dgm:linClrLst>
+      <a:schemeClr val="accent1"/>
+    </dgm:linClrLst>
+    <dgm:effectClrLst/>
+    <dgm:txLinClrLst/>
+    <dgm:txFillClrLst meth="repeat">
+      <a:schemeClr val="dk1"/>
+    </dgm:txFillClrLst>
+    <dgm:txEffectClrLst/>
+  </dgm:styleLbl>
+  <dgm:styleLbl name="fgAcc2">
+    <dgm:fillClrLst meth="repeat">
+      <a:schemeClr val="lt1">
+        <a:alpha val="90000"/>
+      </a:schemeClr>
+    </dgm:fillClrLst>
+    <dgm:linClrLst>
+      <a:schemeClr val="accent2"/>
+    </dgm:linClrLst>
+    <dgm:effectClrLst/>
+    <dgm:txLinClrLst/>
+    <dgm:txFillClrLst meth="repeat">
+      <a:schemeClr val="dk1"/>
+    </dgm:txFillClrLst>
+    <dgm:txEffectClrLst/>
+  </dgm:styleLbl>
+  <dgm:styleLbl name="fgAcc3">
+    <dgm:fillClrLst meth="repeat">
+      <a:schemeClr val="lt1">
+        <a:alpha val="90000"/>
+      </a:schemeClr>
+    </dgm:fillClrLst>
+    <dgm:linClrLst>
+      <a:schemeClr val="accent3"/>
+    </dgm:linClrLst>
+    <dgm:effectClrLst/>
+    <dgm:txLinClrLst/>
+    <dgm:txFillClrLst meth="repeat">
+      <a:schemeClr val="dk1"/>
+    </dgm:txFillClrLst>
+    <dgm:txEffectClrLst/>
+  </dgm:styleLbl>
+  <dgm:styleLbl name="fgAcc4">
+    <dgm:fillClrLst meth="repeat">
+      <a:schemeClr val="lt1">
+        <a:alpha val="90000"/>
+      </a:schemeClr>
+    </dgm:fillClrLst>
+    <dgm:linClrLst>
+      <a:schemeClr val="accent4"/>
+    </dgm:linClrLst>
+    <dgm:effectClrLst/>
+    <dgm:txLinClrLst/>
+    <dgm:txFillClrLst meth="repeat">
+      <a:schemeClr val="dk1"/>
+    </dgm:txFillClrLst>
+    <dgm:txEffectClrLst/>
+  </dgm:styleLbl>
+  <dgm:styleLbl name="bgShp">
+    <dgm:fillClrLst meth="repeat">
+      <a:schemeClr val="accent2"/>
+      <a:schemeClr val="accent3"/>
+      <a:schemeClr val="accent4"/>
+      <a:schemeClr val="accent5"/>
+      <a:schemeClr val="accent6"/>
+    </dgm:fillClrLst>
+    <dgm:linClrLst meth="repeat">
+      <a:schemeClr val="lt1">
+        <a:alpha val="0"/>
+      </a:schemeClr>
+    </dgm:linClrLst>
+    <dgm:effectClrLst/>
+    <dgm:txLinClrLst/>
+    <dgm:txFillClrLst/>
+    <dgm:txEffectClrLst/>
+  </dgm:styleLbl>
+  <dgm:styleLbl name="dkBgShp">
+    <dgm:fillClrLst meth="repeat">
+      <a:schemeClr val="accent2">
+        <a:shade val="90000"/>
+      </a:schemeClr>
+    </dgm:fillClrLst>
+    <dgm:linClrLst meth="repeat">
+      <a:schemeClr val="dk1"/>
+    </dgm:linClrLst>
+    <dgm:effectClrLst/>
+    <dgm:txLinClrLst/>
+    <dgm:txFillClrLst meth="repeat">
+      <a:schemeClr val="lt1"/>
+    </dgm:txFillClrLst>
+    <dgm:txEffectClrLst/>
+  </dgm:styleLbl>
+  <dgm:styleLbl name="trBgShp">
+    <dgm:fillClrLst meth="repeat">
+      <a:schemeClr val="accent1">
+        <a:tint val="50000"/>
+        <a:alpha val="40000"/>
+      </a:schemeClr>
+    </dgm:fillClrLst>
+    <dgm:linClrLst meth="repeat">
+      <a:schemeClr val="accent2"/>
+    </dgm:linClrLst>
+    <dgm:effectClrLst/>
+    <dgm:txLinClrLst/>
+    <dgm:txFillClrLst meth="repeat">
+      <a:schemeClr val="lt1"/>
+    </dgm:txFillClrLst>
+    <dgm:txEffectClrLst/>
+  </dgm:styleLbl>
+  <dgm:styleLbl name="fgShp">
+    <dgm:fillClrLst meth="repeat">
+      <a:schemeClr val="accent2">
+        <a:tint val="40000"/>
+      </a:schemeClr>
+    </dgm:fillClrLst>
+    <dgm:linClrLst meth="repeat">
+      <a:schemeClr val="lt1"/>
+    </dgm:linClrLst>
+    <dgm:effectClrLst/>
+    <dgm:txLinClrLst/>
+    <dgm:txFillClrLst meth="repeat">
+      <a:schemeClr val="dk1"/>
+    </dgm:txFillClrLst>
+    <dgm:txEffectClrLst/>
+  </dgm:styleLbl>
+  <dgm:styleLbl name="revTx">
+    <dgm:fillClrLst meth="repeat">
+      <a:schemeClr val="lt1">
+        <a:alpha val="0"/>
+      </a:schemeClr>
+    </dgm:fillClrLst>
+    <dgm:linClrLst meth="repeat">
+      <a:schemeClr val="dk1">
+        <a:alpha val="0"/>
+      </a:schemeClr>
+    </dgm:linClrLst>
+    <dgm:effectClrLst/>
+    <dgm:txLinClrLst/>
+    <dgm:txFillClrLst meth="repeat">
+      <a:schemeClr val="bg1"/>
+    </dgm:txFillClrLst>
+    <dgm:txEffectClrLst/>
+  </dgm:styleLbl>
+</dgm:colorsDef>
+</file>
+
+<file path=ppt/diagrams/colors4.xml><?xml version="1.0" encoding="utf-8"?>
 <dgm:colorsDef xmlns:dgm="http://schemas.openxmlformats.org/drawingml/2006/diagram" xmlns:a="http://schemas.openxmlformats.org/drawingml/2006/main" uniqueId="urn:microsoft.com/office/officeart/2018/5/colors/Iconchunking_neutralbg_colorful1">
   <dgm:title val=""/>
   <dgm:desc val=""/>
@@ -3343,8 +4264,16 @@
             </a:lnSpc>
           </a:pPr>
           <a:r>
-            <a:rPr lang="en-US"/>
-            <a:t>Data: Includes key performance indicators and data points from SyriaTel related to its customers and their accounts and churn information</a:t>
+            <a:rPr lang="en-US" dirty="0"/>
+            <a:t>Data: Includes 21 features (both categorical and continuous and 3,333 data points from </a:t>
+          </a:r>
+          <a:r>
+            <a:rPr lang="en-US" dirty="0" err="1"/>
+            <a:t>SyriaTel</a:t>
+          </a:r>
+          <a:r>
+            <a:rPr lang="en-US" dirty="0"/>
+            <a:t> related to its customers and their accounts and churn information</a:t>
           </a:r>
         </a:p>
       </dgm:t>
@@ -3564,6 +4493,426 @@
 </file>
 
 <file path=ppt/diagrams/data3.xml><?xml version="1.0" encoding="utf-8"?>
+<dgm:dataModel xmlns:dgm="http://schemas.openxmlformats.org/drawingml/2006/diagram" xmlns:a="http://schemas.openxmlformats.org/drawingml/2006/main">
+  <dgm:ptLst>
+    <dgm:pt modelId="{8BB506D2-7B40-49C1-8AD0-7FB18D28DD8E}" type="doc">
+      <dgm:prSet loTypeId="urn:microsoft.com/office/officeart/2018/2/layout/IconVerticalSolidList" loCatId="icon" qsTypeId="urn:microsoft.com/office/officeart/2005/8/quickstyle/simple1" qsCatId="simple" csTypeId="urn:microsoft.com/office/officeart/2018/5/colors/Iconchunking_neutralicontext_colorful1" csCatId="colorful" phldr="1"/>
+      <dgm:spPr/>
+      <dgm:t>
+        <a:bodyPr/>
+        <a:lstStyle/>
+        <a:p>
+          <a:endParaRPr lang="en-US"/>
+        </a:p>
+      </dgm:t>
+    </dgm:pt>
+    <dgm:pt modelId="{B5429D69-E3C0-4F4A-86D1-1DFFB155388F}">
+      <dgm:prSet/>
+      <dgm:spPr/>
+      <dgm:t>
+        <a:bodyPr/>
+        <a:lstStyle/>
+        <a:p>
+          <a:r>
+            <a:rPr lang="en-US" dirty="0"/>
+            <a:t>Provide a larger dataset with greater number of customer information and dates of data collection (to ascertain timeframes)</a:t>
+          </a:r>
+        </a:p>
+      </dgm:t>
+    </dgm:pt>
+    <dgm:pt modelId="{10197BD4-60DF-4717-9365-7A5EDDDFB58F}" type="parTrans" cxnId="{A87D4A94-92AE-4704-B54F-2920ADDF0FCB}">
+      <dgm:prSet/>
+      <dgm:spPr/>
+      <dgm:t>
+        <a:bodyPr/>
+        <a:lstStyle/>
+        <a:p>
+          <a:endParaRPr lang="en-US"/>
+        </a:p>
+      </dgm:t>
+    </dgm:pt>
+    <dgm:pt modelId="{D1C43A3A-8639-433F-A583-03AB11C10728}" type="sibTrans" cxnId="{A87D4A94-92AE-4704-B54F-2920ADDF0FCB}">
+      <dgm:prSet/>
+      <dgm:spPr/>
+      <dgm:t>
+        <a:bodyPr/>
+        <a:lstStyle/>
+        <a:p>
+          <a:endParaRPr lang="en-US"/>
+        </a:p>
+      </dgm:t>
+    </dgm:pt>
+    <dgm:pt modelId="{B1204D5F-CDCD-4109-9E73-A1D1E43C1362}">
+      <dgm:prSet/>
+      <dgm:spPr/>
+      <dgm:t>
+        <a:bodyPr/>
+        <a:lstStyle/>
+        <a:p>
+          <a:r>
+            <a:rPr lang="en-US" dirty="0"/>
+            <a:t>Further Analysis of Feature Importance: International plans, voice mail plans, calls to customer service</a:t>
+          </a:r>
+        </a:p>
+      </dgm:t>
+    </dgm:pt>
+    <dgm:pt modelId="{A6036757-E2EE-4F89-B3FF-38E328286567}" type="parTrans" cxnId="{B7352633-311A-4E21-9DC0-A4B785993DD5}">
+      <dgm:prSet/>
+      <dgm:spPr/>
+      <dgm:t>
+        <a:bodyPr/>
+        <a:lstStyle/>
+        <a:p>
+          <a:endParaRPr lang="en-US"/>
+        </a:p>
+      </dgm:t>
+    </dgm:pt>
+    <dgm:pt modelId="{973F5F84-A246-4048-85B1-F9BCBBFEC8BC}" type="sibTrans" cxnId="{B7352633-311A-4E21-9DC0-A4B785993DD5}">
+      <dgm:prSet/>
+      <dgm:spPr/>
+      <dgm:t>
+        <a:bodyPr/>
+        <a:lstStyle/>
+        <a:p>
+          <a:endParaRPr lang="en-US"/>
+        </a:p>
+      </dgm:t>
+    </dgm:pt>
+    <dgm:pt modelId="{2B75F521-89C8-4A7D-8785-1CD50FA94726}">
+      <dgm:prSet/>
+      <dgm:spPr/>
+      <dgm:t>
+        <a:bodyPr/>
+        <a:lstStyle/>
+        <a:p>
+          <a:r>
+            <a:rPr lang="en-US"/>
+            <a:t>Evaluate Customer Service: Conduct customer service surveys for more information on why customers are calling</a:t>
+          </a:r>
+        </a:p>
+      </dgm:t>
+    </dgm:pt>
+    <dgm:pt modelId="{B254B498-B09B-495C-B0ED-6226A3F594D4}" type="parTrans" cxnId="{BE540806-A5DC-4062-A49A-CE199E9A3649}">
+      <dgm:prSet/>
+      <dgm:spPr/>
+      <dgm:t>
+        <a:bodyPr/>
+        <a:lstStyle/>
+        <a:p>
+          <a:endParaRPr lang="en-US"/>
+        </a:p>
+      </dgm:t>
+    </dgm:pt>
+    <dgm:pt modelId="{042213FD-27FA-436D-A83D-040F193F5462}" type="sibTrans" cxnId="{BE540806-A5DC-4062-A49A-CE199E9A3649}">
+      <dgm:prSet/>
+      <dgm:spPr/>
+      <dgm:t>
+        <a:bodyPr/>
+        <a:lstStyle/>
+        <a:p>
+          <a:endParaRPr lang="en-US"/>
+        </a:p>
+      </dgm:t>
+    </dgm:pt>
+    <dgm:pt modelId="{4A448784-D077-48B1-B939-104A198C8910}">
+      <dgm:prSet/>
+      <dgm:spPr/>
+      <dgm:t>
+        <a:bodyPr/>
+        <a:lstStyle/>
+        <a:p>
+          <a:r>
+            <a:rPr lang="en-US" dirty="0"/>
+            <a:t>Conduct industry benchmarking to determine how voice mail and international plans compare to competitors</a:t>
+          </a:r>
+        </a:p>
+      </dgm:t>
+    </dgm:pt>
+    <dgm:pt modelId="{C6584B52-263B-4A64-95F7-4E134B5D8893}" type="parTrans" cxnId="{E697FC2C-B37F-405D-B309-D0BF48E10CF2}">
+      <dgm:prSet/>
+      <dgm:spPr/>
+      <dgm:t>
+        <a:bodyPr/>
+        <a:lstStyle/>
+        <a:p>
+          <a:endParaRPr lang="en-US"/>
+        </a:p>
+      </dgm:t>
+    </dgm:pt>
+    <dgm:pt modelId="{3867B8FD-75C6-4CBC-872C-4BEB34149F45}" type="sibTrans" cxnId="{E697FC2C-B37F-405D-B309-D0BF48E10CF2}">
+      <dgm:prSet/>
+      <dgm:spPr/>
+      <dgm:t>
+        <a:bodyPr/>
+        <a:lstStyle/>
+        <a:p>
+          <a:endParaRPr lang="en-US"/>
+        </a:p>
+      </dgm:t>
+    </dgm:pt>
+    <dgm:pt modelId="{9783A143-648E-463E-B615-5B279EB5BAA1}" type="pres">
+      <dgm:prSet presAssocID="{8BB506D2-7B40-49C1-8AD0-7FB18D28DD8E}" presName="root" presStyleCnt="0">
+        <dgm:presLayoutVars>
+          <dgm:dir/>
+          <dgm:resizeHandles val="exact"/>
+        </dgm:presLayoutVars>
+      </dgm:prSet>
+      <dgm:spPr/>
+    </dgm:pt>
+    <dgm:pt modelId="{0EC9C1F4-BF5B-4FEF-8AC3-5786F41F1E1C}" type="pres">
+      <dgm:prSet presAssocID="{B5429D69-E3C0-4F4A-86D1-1DFFB155388F}" presName="compNode" presStyleCnt="0"/>
+      <dgm:spPr/>
+    </dgm:pt>
+    <dgm:pt modelId="{2BB05A69-B13F-4B9A-BD3E-3AA1FFA0FF47}" type="pres">
+      <dgm:prSet presAssocID="{B5429D69-E3C0-4F4A-86D1-1DFFB155388F}" presName="bgRect" presStyleLbl="bgShp" presStyleIdx="0" presStyleCnt="4"/>
+      <dgm:spPr/>
+    </dgm:pt>
+    <dgm:pt modelId="{59CAB73F-4924-475E-AE3D-60D9E9D2484F}" type="pres">
+      <dgm:prSet presAssocID="{B5429D69-E3C0-4F4A-86D1-1DFFB155388F}" presName="iconRect" presStyleLbl="node1" presStyleIdx="0" presStyleCnt="4"/>
+      <dgm:spPr>
+        <a:blipFill>
+          <a:blip xmlns:r="http://schemas.openxmlformats.org/officeDocument/2006/relationships" r:embed="rId1">
+            <a:extLst>
+              <a:ext uri="{28A0092B-C50C-407E-A947-70E740481C1C}">
+                <a14:useLocalDpi xmlns:a14="http://schemas.microsoft.com/office/drawing/2010/main" val="0"/>
+              </a:ext>
+              <a:ext uri="{96DAC541-7B7A-43D3-8B79-37D633B846F1}">
+                <asvg:svgBlip xmlns:asvg="http://schemas.microsoft.com/office/drawing/2016/SVG/main" r:embed="rId2"/>
+              </a:ext>
+            </a:extLst>
+          </a:blip>
+          <a:stretch>
+            <a:fillRect/>
+          </a:stretch>
+        </a:blipFill>
+        <a:ln>
+          <a:noFill/>
+        </a:ln>
+      </dgm:spPr>
+      <dgm:extLst>
+        <a:ext uri="{E40237B7-FDA0-4F09-8148-C483321AD2D9}">
+          <dgm14:cNvPr xmlns:dgm14="http://schemas.microsoft.com/office/drawing/2010/diagram" id="0" name="" descr="Statistics"/>
+        </a:ext>
+      </dgm:extLst>
+    </dgm:pt>
+    <dgm:pt modelId="{8E568936-D968-491B-A2EF-CCFDB3890604}" type="pres">
+      <dgm:prSet presAssocID="{B5429D69-E3C0-4F4A-86D1-1DFFB155388F}" presName="spaceRect" presStyleCnt="0"/>
+      <dgm:spPr/>
+    </dgm:pt>
+    <dgm:pt modelId="{CEA33CF7-6049-4507-82F2-29EE4ACCDD8D}" type="pres">
+      <dgm:prSet presAssocID="{B5429D69-E3C0-4F4A-86D1-1DFFB155388F}" presName="parTx" presStyleLbl="revTx" presStyleIdx="0" presStyleCnt="4">
+        <dgm:presLayoutVars>
+          <dgm:chMax val="0"/>
+          <dgm:chPref val="0"/>
+        </dgm:presLayoutVars>
+      </dgm:prSet>
+      <dgm:spPr/>
+    </dgm:pt>
+    <dgm:pt modelId="{6BBA4239-21B8-41E1-BBFC-3DDBAC52F127}" type="pres">
+      <dgm:prSet presAssocID="{D1C43A3A-8639-433F-A583-03AB11C10728}" presName="sibTrans" presStyleCnt="0"/>
+      <dgm:spPr/>
+    </dgm:pt>
+    <dgm:pt modelId="{15990D56-9560-4936-BC25-10FD3EB408BD}" type="pres">
+      <dgm:prSet presAssocID="{B1204D5F-CDCD-4109-9E73-A1D1E43C1362}" presName="compNode" presStyleCnt="0"/>
+      <dgm:spPr/>
+    </dgm:pt>
+    <dgm:pt modelId="{52BB90E2-0FEA-45C8-80C7-B05B1AB33CA2}" type="pres">
+      <dgm:prSet presAssocID="{B1204D5F-CDCD-4109-9E73-A1D1E43C1362}" presName="bgRect" presStyleLbl="bgShp" presStyleIdx="1" presStyleCnt="4"/>
+      <dgm:spPr/>
+    </dgm:pt>
+    <dgm:pt modelId="{BFB58E21-CDA1-42A3-A357-D2B1A1F20026}" type="pres">
+      <dgm:prSet presAssocID="{B1204D5F-CDCD-4109-9E73-A1D1E43C1362}" presName="iconRect" presStyleLbl="node1" presStyleIdx="1" presStyleCnt="4"/>
+      <dgm:spPr>
+        <a:blipFill>
+          <a:blip xmlns:r="http://schemas.openxmlformats.org/officeDocument/2006/relationships" r:embed="rId3">
+            <a:extLst>
+              <a:ext uri="{28A0092B-C50C-407E-A947-70E740481C1C}">
+                <a14:useLocalDpi xmlns:a14="http://schemas.microsoft.com/office/drawing/2010/main" val="0"/>
+              </a:ext>
+              <a:ext uri="{96DAC541-7B7A-43D3-8B79-37D633B846F1}">
+                <asvg:svgBlip xmlns:asvg="http://schemas.microsoft.com/office/drawing/2016/SVG/main" r:embed="rId4"/>
+              </a:ext>
+            </a:extLst>
+          </a:blip>
+          <a:stretch>
+            <a:fillRect/>
+          </a:stretch>
+        </a:blipFill>
+        <a:ln>
+          <a:noFill/>
+        </a:ln>
+      </dgm:spPr>
+      <dgm:extLst>
+        <a:ext uri="{E40237B7-FDA0-4F09-8148-C483321AD2D9}">
+          <dgm14:cNvPr xmlns:dgm14="http://schemas.microsoft.com/office/drawing/2010/diagram" id="0" name="" descr="Speaker Phone"/>
+        </a:ext>
+      </dgm:extLst>
+    </dgm:pt>
+    <dgm:pt modelId="{DE35A2DC-1F7A-4666-BF52-1E227E2590D3}" type="pres">
+      <dgm:prSet presAssocID="{B1204D5F-CDCD-4109-9E73-A1D1E43C1362}" presName="spaceRect" presStyleCnt="0"/>
+      <dgm:spPr/>
+    </dgm:pt>
+    <dgm:pt modelId="{5C18074B-22C5-4225-A251-2B043982517D}" type="pres">
+      <dgm:prSet presAssocID="{B1204D5F-CDCD-4109-9E73-A1D1E43C1362}" presName="parTx" presStyleLbl="revTx" presStyleIdx="1" presStyleCnt="4">
+        <dgm:presLayoutVars>
+          <dgm:chMax val="0"/>
+          <dgm:chPref val="0"/>
+        </dgm:presLayoutVars>
+      </dgm:prSet>
+      <dgm:spPr/>
+    </dgm:pt>
+    <dgm:pt modelId="{9D2CD272-6779-44F0-842E-BC5CACB86B84}" type="pres">
+      <dgm:prSet presAssocID="{973F5F84-A246-4048-85B1-F9BCBBFEC8BC}" presName="sibTrans" presStyleCnt="0"/>
+      <dgm:spPr/>
+    </dgm:pt>
+    <dgm:pt modelId="{1DAA0D80-FC87-4610-B628-5EAFC808E332}" type="pres">
+      <dgm:prSet presAssocID="{2B75F521-89C8-4A7D-8785-1CD50FA94726}" presName="compNode" presStyleCnt="0"/>
+      <dgm:spPr/>
+    </dgm:pt>
+    <dgm:pt modelId="{7894E543-9983-4A16-9F63-C6F14E02DDDA}" type="pres">
+      <dgm:prSet presAssocID="{2B75F521-89C8-4A7D-8785-1CD50FA94726}" presName="bgRect" presStyleLbl="bgShp" presStyleIdx="2" presStyleCnt="4"/>
+      <dgm:spPr/>
+    </dgm:pt>
+    <dgm:pt modelId="{3D1CCDF8-C0B5-4BE2-A98F-97A36A89F98B}" type="pres">
+      <dgm:prSet presAssocID="{2B75F521-89C8-4A7D-8785-1CD50FA94726}" presName="iconRect" presStyleLbl="node1" presStyleIdx="2" presStyleCnt="4"/>
+      <dgm:spPr>
+        <a:blipFill>
+          <a:blip xmlns:r="http://schemas.openxmlformats.org/officeDocument/2006/relationships" r:embed="rId5">
+            <a:extLst>
+              <a:ext uri="{28A0092B-C50C-407E-A947-70E740481C1C}">
+                <a14:useLocalDpi xmlns:a14="http://schemas.microsoft.com/office/drawing/2010/main" val="0"/>
+              </a:ext>
+              <a:ext uri="{96DAC541-7B7A-43D3-8B79-37D633B846F1}">
+                <asvg:svgBlip xmlns:asvg="http://schemas.microsoft.com/office/drawing/2016/SVG/main" r:embed="rId6"/>
+              </a:ext>
+            </a:extLst>
+          </a:blip>
+          <a:stretch>
+            <a:fillRect/>
+          </a:stretch>
+        </a:blipFill>
+        <a:ln>
+          <a:noFill/>
+        </a:ln>
+      </dgm:spPr>
+      <dgm:extLst>
+        <a:ext uri="{E40237B7-FDA0-4F09-8148-C483321AD2D9}">
+          <dgm14:cNvPr xmlns:dgm14="http://schemas.microsoft.com/office/drawing/2010/diagram" id="0" name="" descr="Call center"/>
+        </a:ext>
+      </dgm:extLst>
+    </dgm:pt>
+    <dgm:pt modelId="{8B509667-AAC3-4971-876F-86A44B1D2CDA}" type="pres">
+      <dgm:prSet presAssocID="{2B75F521-89C8-4A7D-8785-1CD50FA94726}" presName="spaceRect" presStyleCnt="0"/>
+      <dgm:spPr/>
+    </dgm:pt>
+    <dgm:pt modelId="{3B3BAEA6-1E90-4510-BBA2-A5E4D77F71A6}" type="pres">
+      <dgm:prSet presAssocID="{2B75F521-89C8-4A7D-8785-1CD50FA94726}" presName="parTx" presStyleLbl="revTx" presStyleIdx="2" presStyleCnt="4">
+        <dgm:presLayoutVars>
+          <dgm:chMax val="0"/>
+          <dgm:chPref val="0"/>
+        </dgm:presLayoutVars>
+      </dgm:prSet>
+      <dgm:spPr/>
+    </dgm:pt>
+    <dgm:pt modelId="{FE5EB585-B164-42AA-9D14-49C5FA653BB0}" type="pres">
+      <dgm:prSet presAssocID="{042213FD-27FA-436D-A83D-040F193F5462}" presName="sibTrans" presStyleCnt="0"/>
+      <dgm:spPr/>
+    </dgm:pt>
+    <dgm:pt modelId="{0F265AD3-9EAF-4EC7-B1A9-F4E5CFC90066}" type="pres">
+      <dgm:prSet presAssocID="{4A448784-D077-48B1-B939-104A198C8910}" presName="compNode" presStyleCnt="0"/>
+      <dgm:spPr/>
+    </dgm:pt>
+    <dgm:pt modelId="{5E36B89B-0CEB-4433-8CE0-03EE8C360E48}" type="pres">
+      <dgm:prSet presAssocID="{4A448784-D077-48B1-B939-104A198C8910}" presName="bgRect" presStyleLbl="bgShp" presStyleIdx="3" presStyleCnt="4"/>
+      <dgm:spPr/>
+    </dgm:pt>
+    <dgm:pt modelId="{14333AB5-0BCB-44FB-88DD-0C13B282146A}" type="pres">
+      <dgm:prSet presAssocID="{4A448784-D077-48B1-B939-104A198C8910}" presName="iconRect" presStyleLbl="node1" presStyleIdx="3" presStyleCnt="4"/>
+      <dgm:spPr>
+        <a:blipFill>
+          <a:blip xmlns:r="http://schemas.openxmlformats.org/officeDocument/2006/relationships" r:embed="rId7">
+            <a:extLst>
+              <a:ext uri="{28A0092B-C50C-407E-A947-70E740481C1C}">
+                <a14:useLocalDpi xmlns:a14="http://schemas.microsoft.com/office/drawing/2010/main" val="0"/>
+              </a:ext>
+              <a:ext uri="{96DAC541-7B7A-43D3-8B79-37D633B846F1}">
+                <asvg:svgBlip xmlns:asvg="http://schemas.microsoft.com/office/drawing/2016/SVG/main" r:embed="rId8"/>
+              </a:ext>
+            </a:extLst>
+          </a:blip>
+          <a:stretch>
+            <a:fillRect/>
+          </a:stretch>
+        </a:blipFill>
+        <a:ln>
+          <a:noFill/>
+        </a:ln>
+      </dgm:spPr>
+      <dgm:extLst>
+        <a:ext uri="{E40237B7-FDA0-4F09-8148-C483321AD2D9}">
+          <dgm14:cNvPr xmlns:dgm14="http://schemas.microsoft.com/office/drawing/2010/diagram" id="0" name="" descr="Magnifying glass"/>
+        </a:ext>
+      </dgm:extLst>
+    </dgm:pt>
+    <dgm:pt modelId="{526317E9-CB8E-4B18-A04C-15EDD13D66F2}" type="pres">
+      <dgm:prSet presAssocID="{4A448784-D077-48B1-B939-104A198C8910}" presName="spaceRect" presStyleCnt="0"/>
+      <dgm:spPr/>
+    </dgm:pt>
+    <dgm:pt modelId="{F55C334C-E36E-4E97-AAB0-D88D7F4427B5}" type="pres">
+      <dgm:prSet presAssocID="{4A448784-D077-48B1-B939-104A198C8910}" presName="parTx" presStyleLbl="revTx" presStyleIdx="3" presStyleCnt="4">
+        <dgm:presLayoutVars>
+          <dgm:chMax val="0"/>
+          <dgm:chPref val="0"/>
+        </dgm:presLayoutVars>
+      </dgm:prSet>
+      <dgm:spPr/>
+    </dgm:pt>
+  </dgm:ptLst>
+  <dgm:cxnLst>
+    <dgm:cxn modelId="{BE540806-A5DC-4062-A49A-CE199E9A3649}" srcId="{8BB506D2-7B40-49C1-8AD0-7FB18D28DD8E}" destId="{2B75F521-89C8-4A7D-8785-1CD50FA94726}" srcOrd="2" destOrd="0" parTransId="{B254B498-B09B-495C-B0ED-6226A3F594D4}" sibTransId="{042213FD-27FA-436D-A83D-040F193F5462}"/>
+    <dgm:cxn modelId="{E697FC2C-B37F-405D-B309-D0BF48E10CF2}" srcId="{8BB506D2-7B40-49C1-8AD0-7FB18D28DD8E}" destId="{4A448784-D077-48B1-B939-104A198C8910}" srcOrd="3" destOrd="0" parTransId="{C6584B52-263B-4A64-95F7-4E134B5D8893}" sibTransId="{3867B8FD-75C6-4CBC-872C-4BEB34149F45}"/>
+    <dgm:cxn modelId="{B7352633-311A-4E21-9DC0-A4B785993DD5}" srcId="{8BB506D2-7B40-49C1-8AD0-7FB18D28DD8E}" destId="{B1204D5F-CDCD-4109-9E73-A1D1E43C1362}" srcOrd="1" destOrd="0" parTransId="{A6036757-E2EE-4F89-B3FF-38E328286567}" sibTransId="{973F5F84-A246-4048-85B1-F9BCBBFEC8BC}"/>
+    <dgm:cxn modelId="{6F57453A-2161-48C3-A719-90D037F3AE0C}" type="presOf" srcId="{8BB506D2-7B40-49C1-8AD0-7FB18D28DD8E}" destId="{9783A143-648E-463E-B615-5B279EB5BAA1}" srcOrd="0" destOrd="0" presId="urn:microsoft.com/office/officeart/2018/2/layout/IconVerticalSolidList"/>
+    <dgm:cxn modelId="{C10E0E65-DE82-46EE-BA5C-B5FBFD7C568E}" type="presOf" srcId="{B5429D69-E3C0-4F4A-86D1-1DFFB155388F}" destId="{CEA33CF7-6049-4507-82F2-29EE4ACCDD8D}" srcOrd="0" destOrd="0" presId="urn:microsoft.com/office/officeart/2018/2/layout/IconVerticalSolidList"/>
+    <dgm:cxn modelId="{79E6428B-618E-4097-85C1-0384C562EBC2}" type="presOf" srcId="{B1204D5F-CDCD-4109-9E73-A1D1E43C1362}" destId="{5C18074B-22C5-4225-A251-2B043982517D}" srcOrd="0" destOrd="0" presId="urn:microsoft.com/office/officeart/2018/2/layout/IconVerticalSolidList"/>
+    <dgm:cxn modelId="{A87D4A94-92AE-4704-B54F-2920ADDF0FCB}" srcId="{8BB506D2-7B40-49C1-8AD0-7FB18D28DD8E}" destId="{B5429D69-E3C0-4F4A-86D1-1DFFB155388F}" srcOrd="0" destOrd="0" parTransId="{10197BD4-60DF-4717-9365-7A5EDDDFB58F}" sibTransId="{D1C43A3A-8639-433F-A583-03AB11C10728}"/>
+    <dgm:cxn modelId="{C7D6E39D-2039-4A50-8833-58DEC2BEA0DD}" type="presOf" srcId="{4A448784-D077-48B1-B939-104A198C8910}" destId="{F55C334C-E36E-4E97-AAB0-D88D7F4427B5}" srcOrd="0" destOrd="0" presId="urn:microsoft.com/office/officeart/2018/2/layout/IconVerticalSolidList"/>
+    <dgm:cxn modelId="{461412E8-164D-4273-8605-300567886B71}" type="presOf" srcId="{2B75F521-89C8-4A7D-8785-1CD50FA94726}" destId="{3B3BAEA6-1E90-4510-BBA2-A5E4D77F71A6}" srcOrd="0" destOrd="0" presId="urn:microsoft.com/office/officeart/2018/2/layout/IconVerticalSolidList"/>
+    <dgm:cxn modelId="{DA4CBA6C-6754-4E10-B4DF-B8C22AA3D330}" type="presParOf" srcId="{9783A143-648E-463E-B615-5B279EB5BAA1}" destId="{0EC9C1F4-BF5B-4FEF-8AC3-5786F41F1E1C}" srcOrd="0" destOrd="0" presId="urn:microsoft.com/office/officeart/2018/2/layout/IconVerticalSolidList"/>
+    <dgm:cxn modelId="{19EE766B-8431-42E3-A764-7939D5A1591E}" type="presParOf" srcId="{0EC9C1F4-BF5B-4FEF-8AC3-5786F41F1E1C}" destId="{2BB05A69-B13F-4B9A-BD3E-3AA1FFA0FF47}" srcOrd="0" destOrd="0" presId="urn:microsoft.com/office/officeart/2018/2/layout/IconVerticalSolidList"/>
+    <dgm:cxn modelId="{8FA6258D-6CEB-4035-9BAE-59348B02BDFD}" type="presParOf" srcId="{0EC9C1F4-BF5B-4FEF-8AC3-5786F41F1E1C}" destId="{59CAB73F-4924-475E-AE3D-60D9E9D2484F}" srcOrd="1" destOrd="0" presId="urn:microsoft.com/office/officeart/2018/2/layout/IconVerticalSolidList"/>
+    <dgm:cxn modelId="{304E3393-A342-4B72-8A64-62DDBE6934E7}" type="presParOf" srcId="{0EC9C1F4-BF5B-4FEF-8AC3-5786F41F1E1C}" destId="{8E568936-D968-491B-A2EF-CCFDB3890604}" srcOrd="2" destOrd="0" presId="urn:microsoft.com/office/officeart/2018/2/layout/IconVerticalSolidList"/>
+    <dgm:cxn modelId="{D43720EA-1C04-469E-B28E-DE7D8BA17836}" type="presParOf" srcId="{0EC9C1F4-BF5B-4FEF-8AC3-5786F41F1E1C}" destId="{CEA33CF7-6049-4507-82F2-29EE4ACCDD8D}" srcOrd="3" destOrd="0" presId="urn:microsoft.com/office/officeart/2018/2/layout/IconVerticalSolidList"/>
+    <dgm:cxn modelId="{5D0EF218-C8E2-4A09-978D-6F3261BD3C00}" type="presParOf" srcId="{9783A143-648E-463E-B615-5B279EB5BAA1}" destId="{6BBA4239-21B8-41E1-BBFC-3DDBAC52F127}" srcOrd="1" destOrd="0" presId="urn:microsoft.com/office/officeart/2018/2/layout/IconVerticalSolidList"/>
+    <dgm:cxn modelId="{E253B6B5-F0B3-4468-84E0-E4D008FA53A2}" type="presParOf" srcId="{9783A143-648E-463E-B615-5B279EB5BAA1}" destId="{15990D56-9560-4936-BC25-10FD3EB408BD}" srcOrd="2" destOrd="0" presId="urn:microsoft.com/office/officeart/2018/2/layout/IconVerticalSolidList"/>
+    <dgm:cxn modelId="{E831017F-0E1D-4709-A798-ADD2C9D0768A}" type="presParOf" srcId="{15990D56-9560-4936-BC25-10FD3EB408BD}" destId="{52BB90E2-0FEA-45C8-80C7-B05B1AB33CA2}" srcOrd="0" destOrd="0" presId="urn:microsoft.com/office/officeart/2018/2/layout/IconVerticalSolidList"/>
+    <dgm:cxn modelId="{A2ECAC78-11FA-4DF7-80A7-C226FF31DF8F}" type="presParOf" srcId="{15990D56-9560-4936-BC25-10FD3EB408BD}" destId="{BFB58E21-CDA1-42A3-A357-D2B1A1F20026}" srcOrd="1" destOrd="0" presId="urn:microsoft.com/office/officeart/2018/2/layout/IconVerticalSolidList"/>
+    <dgm:cxn modelId="{E0381087-D881-4CE1-80CC-D32F7537CDA2}" type="presParOf" srcId="{15990D56-9560-4936-BC25-10FD3EB408BD}" destId="{DE35A2DC-1F7A-4666-BF52-1E227E2590D3}" srcOrd="2" destOrd="0" presId="urn:microsoft.com/office/officeart/2018/2/layout/IconVerticalSolidList"/>
+    <dgm:cxn modelId="{E7B44B41-31D0-4E35-A6C2-F9C456AA73BA}" type="presParOf" srcId="{15990D56-9560-4936-BC25-10FD3EB408BD}" destId="{5C18074B-22C5-4225-A251-2B043982517D}" srcOrd="3" destOrd="0" presId="urn:microsoft.com/office/officeart/2018/2/layout/IconVerticalSolidList"/>
+    <dgm:cxn modelId="{F4089D8F-1588-4DBE-A4E2-A96D450E8179}" type="presParOf" srcId="{9783A143-648E-463E-B615-5B279EB5BAA1}" destId="{9D2CD272-6779-44F0-842E-BC5CACB86B84}" srcOrd="3" destOrd="0" presId="urn:microsoft.com/office/officeart/2018/2/layout/IconVerticalSolidList"/>
+    <dgm:cxn modelId="{7A75EC92-3D0D-45D1-B3D0-29EF854F2205}" type="presParOf" srcId="{9783A143-648E-463E-B615-5B279EB5BAA1}" destId="{1DAA0D80-FC87-4610-B628-5EAFC808E332}" srcOrd="4" destOrd="0" presId="urn:microsoft.com/office/officeart/2018/2/layout/IconVerticalSolidList"/>
+    <dgm:cxn modelId="{4E8AA72B-0CD8-43A3-9E96-E6390DB4E8F3}" type="presParOf" srcId="{1DAA0D80-FC87-4610-B628-5EAFC808E332}" destId="{7894E543-9983-4A16-9F63-C6F14E02DDDA}" srcOrd="0" destOrd="0" presId="urn:microsoft.com/office/officeart/2018/2/layout/IconVerticalSolidList"/>
+    <dgm:cxn modelId="{09E408D7-6415-4BE8-B4EC-D47588A49216}" type="presParOf" srcId="{1DAA0D80-FC87-4610-B628-5EAFC808E332}" destId="{3D1CCDF8-C0B5-4BE2-A98F-97A36A89F98B}" srcOrd="1" destOrd="0" presId="urn:microsoft.com/office/officeart/2018/2/layout/IconVerticalSolidList"/>
+    <dgm:cxn modelId="{E4D0A97C-38B8-467D-865C-1F074707CC7A}" type="presParOf" srcId="{1DAA0D80-FC87-4610-B628-5EAFC808E332}" destId="{8B509667-AAC3-4971-876F-86A44B1D2CDA}" srcOrd="2" destOrd="0" presId="urn:microsoft.com/office/officeart/2018/2/layout/IconVerticalSolidList"/>
+    <dgm:cxn modelId="{9A18AB57-C9B4-4070-A35A-133024C00417}" type="presParOf" srcId="{1DAA0D80-FC87-4610-B628-5EAFC808E332}" destId="{3B3BAEA6-1E90-4510-BBA2-A5E4D77F71A6}" srcOrd="3" destOrd="0" presId="urn:microsoft.com/office/officeart/2018/2/layout/IconVerticalSolidList"/>
+    <dgm:cxn modelId="{AE2A1F56-0285-40FB-A464-DB89E7562DA0}" type="presParOf" srcId="{9783A143-648E-463E-B615-5B279EB5BAA1}" destId="{FE5EB585-B164-42AA-9D14-49C5FA653BB0}" srcOrd="5" destOrd="0" presId="urn:microsoft.com/office/officeart/2018/2/layout/IconVerticalSolidList"/>
+    <dgm:cxn modelId="{7400BF79-CE93-4FD8-94E4-72426F8ECC77}" type="presParOf" srcId="{9783A143-648E-463E-B615-5B279EB5BAA1}" destId="{0F265AD3-9EAF-4EC7-B1A9-F4E5CFC90066}" srcOrd="6" destOrd="0" presId="urn:microsoft.com/office/officeart/2018/2/layout/IconVerticalSolidList"/>
+    <dgm:cxn modelId="{08BD6D73-FE95-45A1-A776-242085635FFE}" type="presParOf" srcId="{0F265AD3-9EAF-4EC7-B1A9-F4E5CFC90066}" destId="{5E36B89B-0CEB-4433-8CE0-03EE8C360E48}" srcOrd="0" destOrd="0" presId="urn:microsoft.com/office/officeart/2018/2/layout/IconVerticalSolidList"/>
+    <dgm:cxn modelId="{18DA1C4B-368A-4B3E-87AB-27D12DF92FCE}" type="presParOf" srcId="{0F265AD3-9EAF-4EC7-B1A9-F4E5CFC90066}" destId="{14333AB5-0BCB-44FB-88DD-0C13B282146A}" srcOrd="1" destOrd="0" presId="urn:microsoft.com/office/officeart/2018/2/layout/IconVerticalSolidList"/>
+    <dgm:cxn modelId="{1F11A7AB-F011-4AA3-9902-3C7A4D508733}" type="presParOf" srcId="{0F265AD3-9EAF-4EC7-B1A9-F4E5CFC90066}" destId="{526317E9-CB8E-4B18-A04C-15EDD13D66F2}" srcOrd="2" destOrd="0" presId="urn:microsoft.com/office/officeart/2018/2/layout/IconVerticalSolidList"/>
+    <dgm:cxn modelId="{8FEF519B-377B-4FA6-9E61-701BF0A3E6E7}" type="presParOf" srcId="{0F265AD3-9EAF-4EC7-B1A9-F4E5CFC90066}" destId="{F55C334C-E36E-4E97-AAB0-D88D7F4427B5}" srcOrd="3" destOrd="0" presId="urn:microsoft.com/office/officeart/2018/2/layout/IconVerticalSolidList"/>
+  </dgm:cxnLst>
+  <dgm:bg/>
+  <dgm:whole/>
+  <dgm:extLst>
+    <a:ext uri="http://schemas.microsoft.com/office/drawing/2008/diagram">
+      <dsp:dataModelExt xmlns:dsp="http://schemas.microsoft.com/office/drawing/2008/diagram" relId="rId6" minVer="http://schemas.openxmlformats.org/drawingml/2006/diagram"/>
+    </a:ext>
+  </dgm:extLst>
+</dgm:dataModel>
+</file>
+
+<file path=ppt/diagrams/data4.xml><?xml version="1.0" encoding="utf-8"?>
 <dgm:dataModel xmlns:dgm="http://schemas.openxmlformats.org/drawingml/2006/diagram" xmlns:a="http://schemas.openxmlformats.org/drawingml/2006/main">
   <dgm:ptLst>
     <dgm:pt modelId="{A3B98025-758D-460F-94C1-CE21FF61A4B7}" type="doc">
@@ -4568,8 +5917,8 @@
       </dsp:nvSpPr>
       <dsp:spPr>
         <a:xfrm>
-          <a:off x="0" y="378"/>
-          <a:ext cx="7729728" cy="886064"/>
+          <a:off x="0" y="428"/>
+          <a:ext cx="8251010" cy="1001549"/>
         </a:xfrm>
         <a:prstGeom prst="roundRect">
           <a:avLst>
@@ -4610,8 +5959,8 @@
       </dsp:nvSpPr>
       <dsp:spPr>
         <a:xfrm>
-          <a:off x="268034" y="199743"/>
-          <a:ext cx="487335" cy="487335"/>
+          <a:off x="302968" y="225776"/>
+          <a:ext cx="550852" cy="550852"/>
         </a:xfrm>
         <a:prstGeom prst="rect">
           <a:avLst/>
@@ -4666,8 +6015,8 @@
       </dsp:nvSpPr>
       <dsp:spPr>
         <a:xfrm>
-          <a:off x="1023404" y="378"/>
-          <a:ext cx="6706323" cy="886064"/>
+          <a:off x="1156789" y="428"/>
+          <a:ext cx="7094220" cy="1001549"/>
         </a:xfrm>
         <a:prstGeom prst="rect">
           <a:avLst/>
@@ -4691,7 +6040,7 @@
         <a:fontRef idx="minor"/>
       </dsp:style>
       <dsp:txBody>
-        <a:bodyPr spcFirstLastPara="0" vert="horz" wrap="square" lIns="93775" tIns="93775" rIns="93775" bIns="93775" numCol="1" spcCol="1270" anchor="ctr" anchorCtr="0">
+        <a:bodyPr spcFirstLastPara="0" vert="horz" wrap="square" lIns="105997" tIns="105997" rIns="105997" bIns="105997" numCol="1" spcCol="1270" anchor="ctr" anchorCtr="0">
           <a:noAutofit/>
         </a:bodyPr>
         <a:lstStyle/>
@@ -4723,8 +6072,8 @@
         </a:p>
       </dsp:txBody>
       <dsp:txXfrm>
-        <a:off x="1023404" y="378"/>
-        <a:ext cx="6706323" cy="886064"/>
+        <a:off x="1156789" y="428"/>
+        <a:ext cx="7094220" cy="1001549"/>
       </dsp:txXfrm>
     </dsp:sp>
     <dsp:sp modelId="{E9ACDF6A-5445-4A2E-B9ED-18A522267F51}">
@@ -4734,8 +6083,8 @@
       </dsp:nvSpPr>
       <dsp:spPr>
         <a:xfrm>
-          <a:off x="0" y="1107959"/>
-          <a:ext cx="7729728" cy="886064"/>
+          <a:off x="0" y="1252364"/>
+          <a:ext cx="8251010" cy="1001549"/>
         </a:xfrm>
         <a:prstGeom prst="roundRect">
           <a:avLst>
@@ -4776,8 +6125,8 @@
       </dsp:nvSpPr>
       <dsp:spPr>
         <a:xfrm>
-          <a:off x="268034" y="1307323"/>
-          <a:ext cx="487335" cy="487335"/>
+          <a:off x="302968" y="1477712"/>
+          <a:ext cx="550852" cy="550852"/>
         </a:xfrm>
         <a:prstGeom prst="rect">
           <a:avLst/>
@@ -4832,8 +6181,8 @@
       </dsp:nvSpPr>
       <dsp:spPr>
         <a:xfrm>
-          <a:off x="1023404" y="1107959"/>
-          <a:ext cx="6706323" cy="886064"/>
+          <a:off x="1156789" y="1252364"/>
+          <a:ext cx="7094220" cy="1001549"/>
         </a:xfrm>
         <a:prstGeom prst="rect">
           <a:avLst/>
@@ -4857,7 +6206,7 @@
         <a:fontRef idx="minor"/>
       </dsp:style>
       <dsp:txBody>
-        <a:bodyPr spcFirstLastPara="0" vert="horz" wrap="square" lIns="93775" tIns="93775" rIns="93775" bIns="93775" numCol="1" spcCol="1270" anchor="ctr" anchorCtr="0">
+        <a:bodyPr spcFirstLastPara="0" vert="horz" wrap="square" lIns="105997" tIns="105997" rIns="105997" bIns="105997" numCol="1" spcCol="1270" anchor="ctr" anchorCtr="0">
           <a:noAutofit/>
         </a:bodyPr>
         <a:lstStyle/>
@@ -4881,8 +6230,8 @@
         </a:p>
       </dsp:txBody>
       <dsp:txXfrm>
-        <a:off x="1023404" y="1107959"/>
-        <a:ext cx="6706323" cy="886064"/>
+        <a:off x="1156789" y="1252364"/>
+        <a:ext cx="7094220" cy="1001549"/>
       </dsp:txXfrm>
     </dsp:sp>
     <dsp:sp modelId="{BE98336E-7D31-4F80-B2C3-DA2E7B8F765B}">
@@ -4892,8 +6241,8 @@
       </dsp:nvSpPr>
       <dsp:spPr>
         <a:xfrm>
-          <a:off x="0" y="2215539"/>
-          <a:ext cx="7729728" cy="886064"/>
+          <a:off x="0" y="2504300"/>
+          <a:ext cx="8251010" cy="1001549"/>
         </a:xfrm>
         <a:prstGeom prst="roundRect">
           <a:avLst>
@@ -4934,8 +6283,8 @@
       </dsp:nvSpPr>
       <dsp:spPr>
         <a:xfrm>
-          <a:off x="268034" y="2414904"/>
-          <a:ext cx="487335" cy="487335"/>
+          <a:off x="302968" y="2729649"/>
+          <a:ext cx="550852" cy="550852"/>
         </a:xfrm>
         <a:prstGeom prst="rect">
           <a:avLst/>
@@ -4990,8 +6339,8 @@
       </dsp:nvSpPr>
       <dsp:spPr>
         <a:xfrm>
-          <a:off x="1023404" y="2215539"/>
-          <a:ext cx="6706323" cy="886064"/>
+          <a:off x="1156789" y="2504300"/>
+          <a:ext cx="7094220" cy="1001549"/>
         </a:xfrm>
         <a:prstGeom prst="rect">
           <a:avLst/>
@@ -5015,7 +6364,7 @@
         <a:fontRef idx="minor"/>
       </dsp:style>
       <dsp:txBody>
-        <a:bodyPr spcFirstLastPara="0" vert="horz" wrap="square" lIns="93775" tIns="93775" rIns="93775" bIns="93775" numCol="1" spcCol="1270" anchor="ctr" anchorCtr="0">
+        <a:bodyPr spcFirstLastPara="0" vert="horz" wrap="square" lIns="105997" tIns="105997" rIns="105997" bIns="105997" numCol="1" spcCol="1270" anchor="ctr" anchorCtr="0">
           <a:noAutofit/>
         </a:bodyPr>
         <a:lstStyle/>
@@ -5033,14 +6382,22 @@
             <a:buNone/>
           </a:pPr>
           <a:r>
-            <a:rPr lang="en-US" sz="1700" kern="1200"/>
-            <a:t>Data: Includes key performance indicators and data points from SyriaTel related to its customers and their accounts and churn information</a:t>
+            <a:rPr lang="en-US" sz="1700" kern="1200" dirty="0"/>
+            <a:t>Data: Includes 21 features (both categorical and continuous and 3,333 data points from </a:t>
+          </a:r>
+          <a:r>
+            <a:rPr lang="en-US" sz="1700" kern="1200" dirty="0" err="1"/>
+            <a:t>SyriaTel</a:t>
+          </a:r>
+          <a:r>
+            <a:rPr lang="en-US" sz="1700" kern="1200" dirty="0"/>
+            <a:t> related to its customers and their accounts and churn information</a:t>
           </a:r>
         </a:p>
       </dsp:txBody>
       <dsp:txXfrm>
-        <a:off x="1023404" y="2215539"/>
-        <a:ext cx="6706323" cy="886064"/>
+        <a:off x="1156789" y="2504300"/>
+        <a:ext cx="7094220" cy="1001549"/>
       </dsp:txXfrm>
     </dsp:sp>
   </dsp:spTree>
@@ -5048,6 +6405,618 @@
 </file>
 
 <file path=ppt/diagrams/drawing3.xml><?xml version="1.0" encoding="utf-8"?>
+<dsp:drawing xmlns:dgm="http://schemas.openxmlformats.org/drawingml/2006/diagram" xmlns:dsp="http://schemas.microsoft.com/office/drawing/2008/diagram" xmlns:a="http://schemas.openxmlformats.org/drawingml/2006/main">
+  <dsp:spTree>
+    <dsp:nvGrpSpPr>
+      <dsp:cNvPr id="0" name=""/>
+      <dsp:cNvGrpSpPr/>
+    </dsp:nvGrpSpPr>
+    <dsp:grpSpPr/>
+    <dsp:sp modelId="{2BB05A69-B13F-4B9A-BD3E-3AA1FFA0FF47}">
+      <dsp:nvSpPr>
+        <dsp:cNvPr id="0" name=""/>
+        <dsp:cNvSpPr/>
+      </dsp:nvSpPr>
+      <dsp:spPr>
+        <a:xfrm>
+          <a:off x="0" y="2580"/>
+          <a:ext cx="6867335" cy="1308015"/>
+        </a:xfrm>
+        <a:prstGeom prst="roundRect">
+          <a:avLst>
+            <a:gd name="adj" fmla="val 10000"/>
+          </a:avLst>
+        </a:prstGeom>
+        <a:solidFill>
+          <a:schemeClr val="accent2">
+            <a:hueOff val="0"/>
+            <a:satOff val="0"/>
+            <a:lumOff val="0"/>
+            <a:alphaOff val="0"/>
+          </a:schemeClr>
+        </a:solidFill>
+        <a:ln>
+          <a:noFill/>
+        </a:ln>
+        <a:effectLst/>
+      </dsp:spPr>
+      <dsp:style>
+        <a:lnRef idx="0">
+          <a:scrgbClr r="0" g="0" b="0"/>
+        </a:lnRef>
+        <a:fillRef idx="1">
+          <a:scrgbClr r="0" g="0" b="0"/>
+        </a:fillRef>
+        <a:effectRef idx="0">
+          <a:scrgbClr r="0" g="0" b="0"/>
+        </a:effectRef>
+        <a:fontRef idx="minor"/>
+      </dsp:style>
+    </dsp:sp>
+    <dsp:sp modelId="{59CAB73F-4924-475E-AE3D-60D9E9D2484F}">
+      <dsp:nvSpPr>
+        <dsp:cNvPr id="0" name=""/>
+        <dsp:cNvSpPr/>
+      </dsp:nvSpPr>
+      <dsp:spPr>
+        <a:xfrm>
+          <a:off x="395674" y="296884"/>
+          <a:ext cx="719408" cy="719408"/>
+        </a:xfrm>
+        <a:prstGeom prst="rect">
+          <a:avLst/>
+        </a:prstGeom>
+        <a:blipFill>
+          <a:blip xmlns:r="http://schemas.openxmlformats.org/officeDocument/2006/relationships" r:embed="rId1">
+            <a:extLst>
+              <a:ext uri="{28A0092B-C50C-407E-A947-70E740481C1C}">
+                <a14:useLocalDpi xmlns:a14="http://schemas.microsoft.com/office/drawing/2010/main" val="0"/>
+              </a:ext>
+              <a:ext uri="{96DAC541-7B7A-43D3-8B79-37D633B846F1}">
+                <asvg:svgBlip xmlns:asvg="http://schemas.microsoft.com/office/drawing/2016/SVG/main" r:embed="rId2"/>
+              </a:ext>
+            </a:extLst>
+          </a:blip>
+          <a:stretch>
+            <a:fillRect/>
+          </a:stretch>
+        </a:blipFill>
+        <a:ln w="12700" cap="flat" cmpd="sng" algn="ctr">
+          <a:noFill/>
+          <a:prstDash val="solid"/>
+        </a:ln>
+        <a:effectLst/>
+      </dsp:spPr>
+      <dsp:style>
+        <a:lnRef idx="2">
+          <a:scrgbClr r="0" g="0" b="0"/>
+        </a:lnRef>
+        <a:fillRef idx="1">
+          <a:scrgbClr r="0" g="0" b="0"/>
+        </a:fillRef>
+        <a:effectRef idx="0">
+          <a:scrgbClr r="0" g="0" b="0"/>
+        </a:effectRef>
+        <a:fontRef idx="minor">
+          <a:schemeClr val="lt1"/>
+        </a:fontRef>
+      </dsp:style>
+    </dsp:sp>
+    <dsp:sp modelId="{CEA33CF7-6049-4507-82F2-29EE4ACCDD8D}">
+      <dsp:nvSpPr>
+        <dsp:cNvPr id="0" name=""/>
+        <dsp:cNvSpPr/>
+      </dsp:nvSpPr>
+      <dsp:spPr>
+        <a:xfrm>
+          <a:off x="1510758" y="2580"/>
+          <a:ext cx="5356576" cy="1308015"/>
+        </a:xfrm>
+        <a:prstGeom prst="rect">
+          <a:avLst/>
+        </a:prstGeom>
+        <a:noFill/>
+        <a:ln>
+          <a:noFill/>
+        </a:ln>
+        <a:effectLst/>
+      </dsp:spPr>
+      <dsp:style>
+        <a:lnRef idx="0">
+          <a:scrgbClr r="0" g="0" b="0"/>
+        </a:lnRef>
+        <a:fillRef idx="0">
+          <a:scrgbClr r="0" g="0" b="0"/>
+        </a:fillRef>
+        <a:effectRef idx="0">
+          <a:scrgbClr r="0" g="0" b="0"/>
+        </a:effectRef>
+        <a:fontRef idx="minor"/>
+      </dsp:style>
+      <dsp:txBody>
+        <a:bodyPr spcFirstLastPara="0" vert="horz" wrap="square" lIns="138432" tIns="138432" rIns="138432" bIns="138432" numCol="1" spcCol="1270" anchor="ctr" anchorCtr="0">
+          <a:noAutofit/>
+        </a:bodyPr>
+        <a:lstStyle/>
+        <a:p>
+          <a:pPr marL="0" lvl="0" indent="0" algn="l" defTabSz="977900">
+            <a:lnSpc>
+              <a:spcPct val="90000"/>
+            </a:lnSpc>
+            <a:spcBef>
+              <a:spcPct val="0"/>
+            </a:spcBef>
+            <a:spcAft>
+              <a:spcPct val="35000"/>
+            </a:spcAft>
+            <a:buNone/>
+          </a:pPr>
+          <a:r>
+            <a:rPr lang="en-US" sz="2200" kern="1200" dirty="0"/>
+            <a:t>Provide a larger dataset with greater number of customer information and dates of data collection (to ascertain timeframes)</a:t>
+          </a:r>
+        </a:p>
+      </dsp:txBody>
+      <dsp:txXfrm>
+        <a:off x="1510758" y="2580"/>
+        <a:ext cx="5356576" cy="1308015"/>
+      </dsp:txXfrm>
+    </dsp:sp>
+    <dsp:sp modelId="{52BB90E2-0FEA-45C8-80C7-B05B1AB33CA2}">
+      <dsp:nvSpPr>
+        <dsp:cNvPr id="0" name=""/>
+        <dsp:cNvSpPr/>
+      </dsp:nvSpPr>
+      <dsp:spPr>
+        <a:xfrm>
+          <a:off x="0" y="1637600"/>
+          <a:ext cx="6867335" cy="1308015"/>
+        </a:xfrm>
+        <a:prstGeom prst="roundRect">
+          <a:avLst>
+            <a:gd name="adj" fmla="val 10000"/>
+          </a:avLst>
+        </a:prstGeom>
+        <a:solidFill>
+          <a:schemeClr val="accent3">
+            <a:hueOff val="0"/>
+            <a:satOff val="0"/>
+            <a:lumOff val="0"/>
+            <a:alphaOff val="0"/>
+          </a:schemeClr>
+        </a:solidFill>
+        <a:ln>
+          <a:noFill/>
+        </a:ln>
+        <a:effectLst/>
+      </dsp:spPr>
+      <dsp:style>
+        <a:lnRef idx="0">
+          <a:scrgbClr r="0" g="0" b="0"/>
+        </a:lnRef>
+        <a:fillRef idx="1">
+          <a:scrgbClr r="0" g="0" b="0"/>
+        </a:fillRef>
+        <a:effectRef idx="0">
+          <a:scrgbClr r="0" g="0" b="0"/>
+        </a:effectRef>
+        <a:fontRef idx="minor"/>
+      </dsp:style>
+    </dsp:sp>
+    <dsp:sp modelId="{BFB58E21-CDA1-42A3-A357-D2B1A1F20026}">
+      <dsp:nvSpPr>
+        <dsp:cNvPr id="0" name=""/>
+        <dsp:cNvSpPr/>
+      </dsp:nvSpPr>
+      <dsp:spPr>
+        <a:xfrm>
+          <a:off x="395674" y="1931903"/>
+          <a:ext cx="719408" cy="719408"/>
+        </a:xfrm>
+        <a:prstGeom prst="rect">
+          <a:avLst/>
+        </a:prstGeom>
+        <a:blipFill>
+          <a:blip xmlns:r="http://schemas.openxmlformats.org/officeDocument/2006/relationships" r:embed="rId3">
+            <a:extLst>
+              <a:ext uri="{28A0092B-C50C-407E-A947-70E740481C1C}">
+                <a14:useLocalDpi xmlns:a14="http://schemas.microsoft.com/office/drawing/2010/main" val="0"/>
+              </a:ext>
+              <a:ext uri="{96DAC541-7B7A-43D3-8B79-37D633B846F1}">
+                <asvg:svgBlip xmlns:asvg="http://schemas.microsoft.com/office/drawing/2016/SVG/main" r:embed="rId4"/>
+              </a:ext>
+            </a:extLst>
+          </a:blip>
+          <a:stretch>
+            <a:fillRect/>
+          </a:stretch>
+        </a:blipFill>
+        <a:ln w="12700" cap="flat" cmpd="sng" algn="ctr">
+          <a:noFill/>
+          <a:prstDash val="solid"/>
+        </a:ln>
+        <a:effectLst/>
+      </dsp:spPr>
+      <dsp:style>
+        <a:lnRef idx="2">
+          <a:scrgbClr r="0" g="0" b="0"/>
+        </a:lnRef>
+        <a:fillRef idx="1">
+          <a:scrgbClr r="0" g="0" b="0"/>
+        </a:fillRef>
+        <a:effectRef idx="0">
+          <a:scrgbClr r="0" g="0" b="0"/>
+        </a:effectRef>
+        <a:fontRef idx="minor">
+          <a:schemeClr val="lt1"/>
+        </a:fontRef>
+      </dsp:style>
+    </dsp:sp>
+    <dsp:sp modelId="{5C18074B-22C5-4225-A251-2B043982517D}">
+      <dsp:nvSpPr>
+        <dsp:cNvPr id="0" name=""/>
+        <dsp:cNvSpPr/>
+      </dsp:nvSpPr>
+      <dsp:spPr>
+        <a:xfrm>
+          <a:off x="1510758" y="1637600"/>
+          <a:ext cx="5356576" cy="1308015"/>
+        </a:xfrm>
+        <a:prstGeom prst="rect">
+          <a:avLst/>
+        </a:prstGeom>
+        <a:noFill/>
+        <a:ln>
+          <a:noFill/>
+        </a:ln>
+        <a:effectLst/>
+      </dsp:spPr>
+      <dsp:style>
+        <a:lnRef idx="0">
+          <a:scrgbClr r="0" g="0" b="0"/>
+        </a:lnRef>
+        <a:fillRef idx="0">
+          <a:scrgbClr r="0" g="0" b="0"/>
+        </a:fillRef>
+        <a:effectRef idx="0">
+          <a:scrgbClr r="0" g="0" b="0"/>
+        </a:effectRef>
+        <a:fontRef idx="minor"/>
+      </dsp:style>
+      <dsp:txBody>
+        <a:bodyPr spcFirstLastPara="0" vert="horz" wrap="square" lIns="138432" tIns="138432" rIns="138432" bIns="138432" numCol="1" spcCol="1270" anchor="ctr" anchorCtr="0">
+          <a:noAutofit/>
+        </a:bodyPr>
+        <a:lstStyle/>
+        <a:p>
+          <a:pPr marL="0" lvl="0" indent="0" algn="l" defTabSz="977900">
+            <a:lnSpc>
+              <a:spcPct val="90000"/>
+            </a:lnSpc>
+            <a:spcBef>
+              <a:spcPct val="0"/>
+            </a:spcBef>
+            <a:spcAft>
+              <a:spcPct val="35000"/>
+            </a:spcAft>
+            <a:buNone/>
+          </a:pPr>
+          <a:r>
+            <a:rPr lang="en-US" sz="2200" kern="1200" dirty="0"/>
+            <a:t>Further Analysis of Feature Importance: International plans, voice mail plans, calls to customer service</a:t>
+          </a:r>
+        </a:p>
+      </dsp:txBody>
+      <dsp:txXfrm>
+        <a:off x="1510758" y="1637600"/>
+        <a:ext cx="5356576" cy="1308015"/>
+      </dsp:txXfrm>
+    </dsp:sp>
+    <dsp:sp modelId="{7894E543-9983-4A16-9F63-C6F14E02DDDA}">
+      <dsp:nvSpPr>
+        <dsp:cNvPr id="0" name=""/>
+        <dsp:cNvSpPr/>
+      </dsp:nvSpPr>
+      <dsp:spPr>
+        <a:xfrm>
+          <a:off x="0" y="3272619"/>
+          <a:ext cx="6867335" cy="1308015"/>
+        </a:xfrm>
+        <a:prstGeom prst="roundRect">
+          <a:avLst>
+            <a:gd name="adj" fmla="val 10000"/>
+          </a:avLst>
+        </a:prstGeom>
+        <a:solidFill>
+          <a:schemeClr val="accent4">
+            <a:hueOff val="0"/>
+            <a:satOff val="0"/>
+            <a:lumOff val="0"/>
+            <a:alphaOff val="0"/>
+          </a:schemeClr>
+        </a:solidFill>
+        <a:ln>
+          <a:noFill/>
+        </a:ln>
+        <a:effectLst/>
+      </dsp:spPr>
+      <dsp:style>
+        <a:lnRef idx="0">
+          <a:scrgbClr r="0" g="0" b="0"/>
+        </a:lnRef>
+        <a:fillRef idx="1">
+          <a:scrgbClr r="0" g="0" b="0"/>
+        </a:fillRef>
+        <a:effectRef idx="0">
+          <a:scrgbClr r="0" g="0" b="0"/>
+        </a:effectRef>
+        <a:fontRef idx="minor"/>
+      </dsp:style>
+    </dsp:sp>
+    <dsp:sp modelId="{3D1CCDF8-C0B5-4BE2-A98F-97A36A89F98B}">
+      <dsp:nvSpPr>
+        <dsp:cNvPr id="0" name=""/>
+        <dsp:cNvSpPr/>
+      </dsp:nvSpPr>
+      <dsp:spPr>
+        <a:xfrm>
+          <a:off x="395674" y="3566923"/>
+          <a:ext cx="719408" cy="719408"/>
+        </a:xfrm>
+        <a:prstGeom prst="rect">
+          <a:avLst/>
+        </a:prstGeom>
+        <a:blipFill>
+          <a:blip xmlns:r="http://schemas.openxmlformats.org/officeDocument/2006/relationships" r:embed="rId5">
+            <a:extLst>
+              <a:ext uri="{28A0092B-C50C-407E-A947-70E740481C1C}">
+                <a14:useLocalDpi xmlns:a14="http://schemas.microsoft.com/office/drawing/2010/main" val="0"/>
+              </a:ext>
+              <a:ext uri="{96DAC541-7B7A-43D3-8B79-37D633B846F1}">
+                <asvg:svgBlip xmlns:asvg="http://schemas.microsoft.com/office/drawing/2016/SVG/main" r:embed="rId6"/>
+              </a:ext>
+            </a:extLst>
+          </a:blip>
+          <a:stretch>
+            <a:fillRect/>
+          </a:stretch>
+        </a:blipFill>
+        <a:ln w="12700" cap="flat" cmpd="sng" algn="ctr">
+          <a:noFill/>
+          <a:prstDash val="solid"/>
+        </a:ln>
+        <a:effectLst/>
+      </dsp:spPr>
+      <dsp:style>
+        <a:lnRef idx="2">
+          <a:scrgbClr r="0" g="0" b="0"/>
+        </a:lnRef>
+        <a:fillRef idx="1">
+          <a:scrgbClr r="0" g="0" b="0"/>
+        </a:fillRef>
+        <a:effectRef idx="0">
+          <a:scrgbClr r="0" g="0" b="0"/>
+        </a:effectRef>
+        <a:fontRef idx="minor">
+          <a:schemeClr val="lt1"/>
+        </a:fontRef>
+      </dsp:style>
+    </dsp:sp>
+    <dsp:sp modelId="{3B3BAEA6-1E90-4510-BBA2-A5E4D77F71A6}">
+      <dsp:nvSpPr>
+        <dsp:cNvPr id="0" name=""/>
+        <dsp:cNvSpPr/>
+      </dsp:nvSpPr>
+      <dsp:spPr>
+        <a:xfrm>
+          <a:off x="1510758" y="3272619"/>
+          <a:ext cx="5356576" cy="1308015"/>
+        </a:xfrm>
+        <a:prstGeom prst="rect">
+          <a:avLst/>
+        </a:prstGeom>
+        <a:noFill/>
+        <a:ln>
+          <a:noFill/>
+        </a:ln>
+        <a:effectLst/>
+      </dsp:spPr>
+      <dsp:style>
+        <a:lnRef idx="0">
+          <a:scrgbClr r="0" g="0" b="0"/>
+        </a:lnRef>
+        <a:fillRef idx="0">
+          <a:scrgbClr r="0" g="0" b="0"/>
+        </a:fillRef>
+        <a:effectRef idx="0">
+          <a:scrgbClr r="0" g="0" b="0"/>
+        </a:effectRef>
+        <a:fontRef idx="minor"/>
+      </dsp:style>
+      <dsp:txBody>
+        <a:bodyPr spcFirstLastPara="0" vert="horz" wrap="square" lIns="138432" tIns="138432" rIns="138432" bIns="138432" numCol="1" spcCol="1270" anchor="ctr" anchorCtr="0">
+          <a:noAutofit/>
+        </a:bodyPr>
+        <a:lstStyle/>
+        <a:p>
+          <a:pPr marL="0" lvl="0" indent="0" algn="l" defTabSz="977900">
+            <a:lnSpc>
+              <a:spcPct val="90000"/>
+            </a:lnSpc>
+            <a:spcBef>
+              <a:spcPct val="0"/>
+            </a:spcBef>
+            <a:spcAft>
+              <a:spcPct val="35000"/>
+            </a:spcAft>
+            <a:buNone/>
+          </a:pPr>
+          <a:r>
+            <a:rPr lang="en-US" sz="2200" kern="1200"/>
+            <a:t>Evaluate Customer Service: Conduct customer service surveys for more information on why customers are calling</a:t>
+          </a:r>
+        </a:p>
+      </dsp:txBody>
+      <dsp:txXfrm>
+        <a:off x="1510758" y="3272619"/>
+        <a:ext cx="5356576" cy="1308015"/>
+      </dsp:txXfrm>
+    </dsp:sp>
+    <dsp:sp modelId="{5E36B89B-0CEB-4433-8CE0-03EE8C360E48}">
+      <dsp:nvSpPr>
+        <dsp:cNvPr id="0" name=""/>
+        <dsp:cNvSpPr/>
+      </dsp:nvSpPr>
+      <dsp:spPr>
+        <a:xfrm>
+          <a:off x="0" y="4907639"/>
+          <a:ext cx="6867335" cy="1308015"/>
+        </a:xfrm>
+        <a:prstGeom prst="roundRect">
+          <a:avLst>
+            <a:gd name="adj" fmla="val 10000"/>
+          </a:avLst>
+        </a:prstGeom>
+        <a:solidFill>
+          <a:schemeClr val="accent5">
+            <a:hueOff val="0"/>
+            <a:satOff val="0"/>
+            <a:lumOff val="0"/>
+            <a:alphaOff val="0"/>
+          </a:schemeClr>
+        </a:solidFill>
+        <a:ln>
+          <a:noFill/>
+        </a:ln>
+        <a:effectLst/>
+      </dsp:spPr>
+      <dsp:style>
+        <a:lnRef idx="0">
+          <a:scrgbClr r="0" g="0" b="0"/>
+        </a:lnRef>
+        <a:fillRef idx="1">
+          <a:scrgbClr r="0" g="0" b="0"/>
+        </a:fillRef>
+        <a:effectRef idx="0">
+          <a:scrgbClr r="0" g="0" b="0"/>
+        </a:effectRef>
+        <a:fontRef idx="minor"/>
+      </dsp:style>
+    </dsp:sp>
+    <dsp:sp modelId="{14333AB5-0BCB-44FB-88DD-0C13B282146A}">
+      <dsp:nvSpPr>
+        <dsp:cNvPr id="0" name=""/>
+        <dsp:cNvSpPr/>
+      </dsp:nvSpPr>
+      <dsp:spPr>
+        <a:xfrm>
+          <a:off x="395674" y="5201943"/>
+          <a:ext cx="719408" cy="719408"/>
+        </a:xfrm>
+        <a:prstGeom prst="rect">
+          <a:avLst/>
+        </a:prstGeom>
+        <a:blipFill>
+          <a:blip xmlns:r="http://schemas.openxmlformats.org/officeDocument/2006/relationships" r:embed="rId7">
+            <a:extLst>
+              <a:ext uri="{28A0092B-C50C-407E-A947-70E740481C1C}">
+                <a14:useLocalDpi xmlns:a14="http://schemas.microsoft.com/office/drawing/2010/main" val="0"/>
+              </a:ext>
+              <a:ext uri="{96DAC541-7B7A-43D3-8B79-37D633B846F1}">
+                <asvg:svgBlip xmlns:asvg="http://schemas.microsoft.com/office/drawing/2016/SVG/main" r:embed="rId8"/>
+              </a:ext>
+            </a:extLst>
+          </a:blip>
+          <a:stretch>
+            <a:fillRect/>
+          </a:stretch>
+        </a:blipFill>
+        <a:ln w="12700" cap="flat" cmpd="sng" algn="ctr">
+          <a:noFill/>
+          <a:prstDash val="solid"/>
+        </a:ln>
+        <a:effectLst/>
+      </dsp:spPr>
+      <dsp:style>
+        <a:lnRef idx="2">
+          <a:scrgbClr r="0" g="0" b="0"/>
+        </a:lnRef>
+        <a:fillRef idx="1">
+          <a:scrgbClr r="0" g="0" b="0"/>
+        </a:fillRef>
+        <a:effectRef idx="0">
+          <a:scrgbClr r="0" g="0" b="0"/>
+        </a:effectRef>
+        <a:fontRef idx="minor">
+          <a:schemeClr val="lt1"/>
+        </a:fontRef>
+      </dsp:style>
+    </dsp:sp>
+    <dsp:sp modelId="{F55C334C-E36E-4E97-AAB0-D88D7F4427B5}">
+      <dsp:nvSpPr>
+        <dsp:cNvPr id="0" name=""/>
+        <dsp:cNvSpPr/>
+      </dsp:nvSpPr>
+      <dsp:spPr>
+        <a:xfrm>
+          <a:off x="1510758" y="4907639"/>
+          <a:ext cx="5356576" cy="1308015"/>
+        </a:xfrm>
+        <a:prstGeom prst="rect">
+          <a:avLst/>
+        </a:prstGeom>
+        <a:noFill/>
+        <a:ln>
+          <a:noFill/>
+        </a:ln>
+        <a:effectLst/>
+      </dsp:spPr>
+      <dsp:style>
+        <a:lnRef idx="0">
+          <a:scrgbClr r="0" g="0" b="0"/>
+        </a:lnRef>
+        <a:fillRef idx="0">
+          <a:scrgbClr r="0" g="0" b="0"/>
+        </a:fillRef>
+        <a:effectRef idx="0">
+          <a:scrgbClr r="0" g="0" b="0"/>
+        </a:effectRef>
+        <a:fontRef idx="minor"/>
+      </dsp:style>
+      <dsp:txBody>
+        <a:bodyPr spcFirstLastPara="0" vert="horz" wrap="square" lIns="138432" tIns="138432" rIns="138432" bIns="138432" numCol="1" spcCol="1270" anchor="ctr" anchorCtr="0">
+          <a:noAutofit/>
+        </a:bodyPr>
+        <a:lstStyle/>
+        <a:p>
+          <a:pPr marL="0" lvl="0" indent="0" algn="l" defTabSz="977900">
+            <a:lnSpc>
+              <a:spcPct val="90000"/>
+            </a:lnSpc>
+            <a:spcBef>
+              <a:spcPct val="0"/>
+            </a:spcBef>
+            <a:spcAft>
+              <a:spcPct val="35000"/>
+            </a:spcAft>
+            <a:buNone/>
+          </a:pPr>
+          <a:r>
+            <a:rPr lang="en-US" sz="2200" kern="1200" dirty="0"/>
+            <a:t>Conduct industry benchmarking to determine how voice mail and international plans compare to competitors</a:t>
+          </a:r>
+        </a:p>
+      </dsp:txBody>
+      <dsp:txXfrm>
+        <a:off x="1510758" y="4907639"/>
+        <a:ext cx="5356576" cy="1308015"/>
+      </dsp:txXfrm>
+    </dsp:sp>
+  </dsp:spTree>
+</dsp:drawing>
+</file>
+
+<file path=ppt/diagrams/drawing4.xml><?xml version="1.0" encoding="utf-8"?>
 <dsp:drawing xmlns:dgm="http://schemas.openxmlformats.org/drawingml/2006/diagram" xmlns:dsp="http://schemas.microsoft.com/office/drawing/2008/diagram" xmlns:a="http://schemas.openxmlformats.org/drawingml/2006/main">
   <dsp:spTree>
     <dsp:nvGrpSpPr>
@@ -5873,6 +7842,300 @@
 </file>
 
 <file path=ppt/diagrams/layout3.xml><?xml version="1.0" encoding="utf-8"?>
+<dgm:layoutDef xmlns:dgm="http://schemas.openxmlformats.org/drawingml/2006/diagram" xmlns:a="http://schemas.openxmlformats.org/drawingml/2006/main" uniqueId="urn:microsoft.com/office/officeart/2018/2/layout/IconVerticalSolidList">
+  <dgm:title val="Icon Vertical Solid List"/>
+  <dgm:desc val="Use to show a series of visuals from top to bottom with Level 1 or Level 1 and Level 2 text grouped in a shape. Works best with icons or small pictures with lengthier descriptions."/>
+  <dgm:catLst>
+    <dgm:cat type="icon" pri="500"/>
+  </dgm:catLst>
+  <dgm:sampData useDef="1">
+    <dgm:dataModel>
+      <dgm:ptLst/>
+      <dgm:bg/>
+      <dgm:whole/>
+    </dgm:dataModel>
+  </dgm:sampData>
+  <dgm:styleData useDef="1">
+    <dgm:dataModel>
+      <dgm:ptLst/>
+      <dgm:bg/>
+      <dgm:whole/>
+    </dgm:dataModel>
+  </dgm:styleData>
+  <dgm:clrData useDef="1">
+    <dgm:dataModel>
+      <dgm:ptLst/>
+      <dgm:bg/>
+      <dgm:whole/>
+    </dgm:dataModel>
+  </dgm:clrData>
+  <dgm:layoutNode name="root">
+    <dgm:varLst>
+      <dgm:dir/>
+      <dgm:resizeHandles val="exact"/>
+    </dgm:varLst>
+    <dgm:choose name="Name0">
+      <dgm:if name="Name1" axis="self" func="var" arg="dir" op="equ" val="norm">
+        <dgm:alg type="lin">
+          <dgm:param type="linDir" val="fromT"/>
+          <dgm:param type="nodeHorzAlign" val="l"/>
+        </dgm:alg>
+      </dgm:if>
+      <dgm:else name="Name2">
+        <dgm:alg type="lin">
+          <dgm:param type="linDir" val="fromT"/>
+          <dgm:param type="nodeHorzAlign" val="r"/>
+        </dgm:alg>
+      </dgm:else>
+    </dgm:choose>
+    <dgm:shape xmlns:r="http://schemas.openxmlformats.org/officeDocument/2006/relationships" r:blip="">
+      <dgm:adjLst/>
+    </dgm:shape>
+    <dgm:presOf/>
+    <dgm:choose name="Name3">
+      <dgm:if name="Name4" axis="ch" ptType="node" func="cnt" op="lte" val="3">
+        <dgm:constrLst>
+          <dgm:constr type="h" for="ch" forName="compNode" refType="h" fact="0.3"/>
+          <dgm:constr type="w" for="ch" forName="compNode" refType="w"/>
+          <dgm:constr type="h" for="ch" forName="sibTrans" refType="h" refFor="ch" refForName="compNode" fact="0.25"/>
+          <dgm:constr type="primFontSz" for="des" forName="parTx" val="25"/>
+          <dgm:constr type="primFontSz" for="des" forName="desTx" refType="primFontSz" refFor="des" refForName="parTx" op="lte" fact="0.75"/>
+          <dgm:constr type="h" for="des" forName="compNode" op="equ"/>
+          <dgm:constr type="h" for="des" forName="bgRect" op="equ"/>
+          <dgm:constr type="h" for="des" forName="iconRect" op="equ"/>
+          <dgm:constr type="w" for="des" forName="iconRect" op="equ"/>
+          <dgm:constr type="h" for="des" forName="spaceRect" op="equ"/>
+          <dgm:constr type="h" for="des" forName="parTx" op="equ"/>
+          <dgm:constr type="h" for="des" forName="desTx" op="equ"/>
+        </dgm:constrLst>
+      </dgm:if>
+      <dgm:if name="Name5" axis="ch" ptType="node" func="cnt" op="lte" val="4">
+        <dgm:constrLst>
+          <dgm:constr type="h" for="ch" forName="compNode" refType="h" fact="0.3"/>
+          <dgm:constr type="w" for="ch" forName="compNode" refType="w"/>
+          <dgm:constr type="h" for="ch" forName="sibTrans" refType="h" refFor="ch" refForName="compNode" fact="0.25"/>
+          <dgm:constr type="primFontSz" for="des" forName="parTx" val="22"/>
+          <dgm:constr type="primFontSz" for="des" forName="desTx" refType="primFontSz" refFor="des" refForName="parTx" op="lte" fact="0.75"/>
+          <dgm:constr type="h" for="des" forName="compNode" op="equ"/>
+          <dgm:constr type="h" for="des" forName="bgRect" op="equ"/>
+          <dgm:constr type="h" for="des" forName="iconRect" op="equ"/>
+          <dgm:constr type="w" for="des" forName="iconRect" op="equ"/>
+          <dgm:constr type="h" for="des" forName="spaceRect" op="equ"/>
+          <dgm:constr type="h" for="des" forName="parTx" op="equ"/>
+          <dgm:constr type="h" for="des" forName="desTx" op="equ"/>
+        </dgm:constrLst>
+      </dgm:if>
+      <dgm:if name="Name6" axis="ch" ptType="node" func="cnt" op="lte" val="6">
+        <dgm:constrLst>
+          <dgm:constr type="h" for="ch" forName="compNode" refType="h" fact="0.3"/>
+          <dgm:constr type="w" for="ch" forName="compNode" refType="w"/>
+          <dgm:constr type="h" for="ch" forName="sibTrans" refType="h" refFor="ch" refForName="compNode" fact="0.25"/>
+          <dgm:constr type="primFontSz" for="des" forName="parTx" val="19"/>
+          <dgm:constr type="primFontSz" for="des" forName="desTx" refType="primFontSz" refFor="des" refForName="parTx" op="lte" fact="0.75"/>
+          <dgm:constr type="h" for="des" forName="compNode" op="equ"/>
+          <dgm:constr type="h" for="des" forName="bgRect" op="equ"/>
+          <dgm:constr type="h" for="des" forName="iconRect" op="equ"/>
+          <dgm:constr type="w" for="des" forName="iconRect" op="equ"/>
+          <dgm:constr type="h" for="des" forName="spaceRect" op="equ"/>
+          <dgm:constr type="h" for="des" forName="parTx" op="equ"/>
+          <dgm:constr type="h" for="des" forName="desTx" op="equ"/>
+        </dgm:constrLst>
+      </dgm:if>
+      <dgm:else name="Name7">
+        <dgm:constrLst>
+          <dgm:constr type="h" for="ch" forName="compNode" refType="h" fact="0.3"/>
+          <dgm:constr type="w" for="ch" forName="compNode" refType="w"/>
+          <dgm:constr type="h" for="ch" forName="sibTrans" refType="h" refFor="ch" refForName="compNode" fact="0.25"/>
+          <dgm:constr type="primFontSz" for="des" forName="parTx" val="16"/>
+          <dgm:constr type="primFontSz" for="des" forName="desTx" refType="primFontSz" refFor="des" refForName="parTx" op="lte" fact="0.75"/>
+          <dgm:constr type="h" for="des" forName="compNode" op="equ"/>
+          <dgm:constr type="h" for="des" forName="bgRect" op="equ"/>
+          <dgm:constr type="h" for="des" forName="iconRect" op="equ"/>
+          <dgm:constr type="w" for="des" forName="iconRect" op="equ"/>
+          <dgm:constr type="h" for="des" forName="spaceRect" op="equ"/>
+          <dgm:constr type="h" for="des" forName="parTx" op="equ"/>
+          <dgm:constr type="h" for="des" forName="desTx" op="equ"/>
+        </dgm:constrLst>
+      </dgm:else>
+    </dgm:choose>
+    <dgm:ruleLst>
+      <dgm:rule type="h" for="ch" forName="compNode" val="0" fact="NaN" max="NaN"/>
+    </dgm:ruleLst>
+    <dgm:forEach name="Name8" axis="ch" ptType="node">
+      <dgm:layoutNode name="compNode">
+        <dgm:alg type="composite"/>
+        <dgm:shape xmlns:r="http://schemas.openxmlformats.org/officeDocument/2006/relationships" r:blip="">
+          <dgm:adjLst/>
+        </dgm:shape>
+        <dgm:presOf axis="self"/>
+        <dgm:choose name="Name9">
+          <dgm:if name="Name10" axis="ch" ptType="node" func="cnt" op="gte" val="1">
+            <dgm:constrLst>
+              <dgm:constr type="w" for="ch" forName="bgRect" refType="w"/>
+              <dgm:constr type="h" for="ch" forName="bgRect" refType="h"/>
+              <dgm:constr type="l" for="ch" forName="bgRect"/>
+              <dgm:constr type="t" for="ch" forName="bgRect"/>
+              <dgm:constr type="h" for="ch" forName="iconRect" refType="h" fact="0.55"/>
+              <dgm:constr type="w" for="ch" forName="iconRect" refType="h" refFor="ch" refForName="iconRect"/>
+              <dgm:constr type="l" for="ch" forName="iconRect" refType="h" refFor="ch" refForName="iconRect" fact="0.55"/>
+              <dgm:constr type="ctrY" for="ch" forName="iconRect" refType="ctrY" refFor="ch" refForName="bgRect"/>
+              <dgm:constr type="w" for="ch" forName="spaceRect" refType="l" refFor="ch" refForName="iconRect"/>
+              <dgm:constr type="h" for="ch" forName="spaceRect" refType="h"/>
+              <dgm:constr type="l" for="ch" forName="spaceRect" refType="r" refFor="ch" refForName="iconRect"/>
+              <dgm:constr type="t" for="ch" forName="spaceRect"/>
+              <dgm:constr type="w" for="ch" forName="parTx" refType="w" fact="0.45"/>
+              <dgm:constr type="h" for="ch" forName="parTx" refType="h"/>
+              <dgm:constr type="l" for="ch" forName="parTx" refType="r" refFor="ch" refForName="spaceRect"/>
+              <dgm:constr type="t" for="ch" forName="parTx"/>
+              <dgm:constr type="h" for="ch" forName="desTx" refType="h"/>
+              <dgm:constr type="l" for="ch" forName="desTx" refType="r" refFor="ch" refForName="parTx"/>
+              <dgm:constr type="t" for="ch" forName="desTx"/>
+            </dgm:constrLst>
+          </dgm:if>
+          <dgm:else name="Name11">
+            <dgm:constrLst>
+              <dgm:constr type="w" for="ch" forName="bgRect" refType="w"/>
+              <dgm:constr type="h" for="ch" forName="bgRect" refType="h"/>
+              <dgm:constr type="l" for="ch" forName="bgRect"/>
+              <dgm:constr type="t" for="ch" forName="bgRect"/>
+              <dgm:constr type="h" for="ch" forName="iconRect" refType="h" fact="0.55"/>
+              <dgm:constr type="w" for="ch" forName="iconRect" refType="h" refFor="ch" refForName="iconRect"/>
+              <dgm:constr type="l" for="ch" forName="iconRect" refType="h" refFor="ch" refForName="iconRect" fact="0.55"/>
+              <dgm:constr type="ctrY" for="ch" forName="iconRect" refType="ctrY" refFor="ch" refForName="bgRect"/>
+              <dgm:constr type="w" for="ch" forName="spaceRect" refType="l" refFor="ch" refForName="iconRect"/>
+              <dgm:constr type="h" for="ch" forName="spaceRect" refType="h"/>
+              <dgm:constr type="l" for="ch" forName="spaceRect" refType="r" refFor="ch" refForName="iconRect"/>
+              <dgm:constr type="t" for="ch" forName="spaceRect"/>
+              <dgm:constr type="h" for="ch" forName="parTx" refType="h"/>
+              <dgm:constr type="l" for="ch" forName="parTx" refType="r" refFor="ch" refForName="spaceRect"/>
+              <dgm:constr type="t" for="ch" forName="parTx"/>
+            </dgm:constrLst>
+          </dgm:else>
+        </dgm:choose>
+        <dgm:ruleLst>
+          <dgm:rule type="h" val="INF" fact="NaN" max="NaN"/>
+        </dgm:ruleLst>
+        <dgm:layoutNode name="bgRect" styleLbl="bgShp">
+          <dgm:alg type="sp"/>
+          <dgm:shape xmlns:r="http://schemas.openxmlformats.org/officeDocument/2006/relationships" type="roundRect" r:blip="">
+            <dgm:adjLst>
+              <dgm:adj idx="1" val="0.1"/>
+            </dgm:adjLst>
+          </dgm:shape>
+          <dgm:presOf/>
+          <dgm:constrLst/>
+          <dgm:ruleLst/>
+        </dgm:layoutNode>
+        <dgm:layoutNode name="iconRect" styleLbl="node1">
+          <dgm:alg type="sp"/>
+          <dgm:shape xmlns:r="http://schemas.openxmlformats.org/officeDocument/2006/relationships" type="rect" r:blip="" blipPhldr="1">
+            <dgm:adjLst/>
+          </dgm:shape>
+          <dgm:presOf/>
+          <dgm:constrLst/>
+          <dgm:ruleLst/>
+        </dgm:layoutNode>
+        <dgm:layoutNode name="spaceRect">
+          <dgm:alg type="sp"/>
+          <dgm:shape xmlns:r="http://schemas.openxmlformats.org/officeDocument/2006/relationships" r:blip="">
+            <dgm:adjLst/>
+          </dgm:shape>
+          <dgm:presOf/>
+          <dgm:constrLst/>
+          <dgm:ruleLst/>
+        </dgm:layoutNode>
+        <dgm:layoutNode name="parTx" styleLbl="revTx">
+          <dgm:varLst>
+            <dgm:chMax val="0"/>
+            <dgm:chPref val="0"/>
+          </dgm:varLst>
+          <dgm:alg type="tx">
+            <dgm:param type="txAnchorVert" val="mid"/>
+            <dgm:param type="parTxLTRAlign" val="l"/>
+            <dgm:param type="shpTxLTRAlignCh" val="l"/>
+            <dgm:param type="parTxRTLAlign" val="r"/>
+            <dgm:param type="shpTxRTLAlignCh" val="r"/>
+          </dgm:alg>
+          <dgm:shape xmlns:r="http://schemas.openxmlformats.org/officeDocument/2006/relationships" type="rect" r:blip="">
+            <dgm:adjLst/>
+          </dgm:shape>
+          <dgm:presOf axis="self" ptType="node"/>
+          <dgm:constrLst>
+            <dgm:constr type="lMarg" refType="h" fact="0.3"/>
+            <dgm:constr type="rMarg" refType="h" fact="0.3"/>
+            <dgm:constr type="tMarg" refType="h" fact="0.3"/>
+            <dgm:constr type="bMarg" refType="h" fact="0.3"/>
+          </dgm:constrLst>
+          <dgm:ruleLst>
+            <dgm:rule type="primFontSz" val="14" fact="NaN" max="NaN"/>
+            <dgm:rule type="h" val="INF" fact="NaN" max="NaN"/>
+          </dgm:ruleLst>
+        </dgm:layoutNode>
+        <dgm:choose name="Name12">
+          <dgm:if name="Name13" axis="ch" ptType="node" func="cnt" op="gte" val="1">
+            <dgm:layoutNode name="desTx" styleLbl="revTx">
+              <dgm:varLst/>
+              <dgm:alg type="tx">
+                <dgm:param type="txAnchorVertCh" val="mid"/>
+                <dgm:param type="parTxLTRAlign" val="l"/>
+                <dgm:param type="shpTxLTRAlignCh" val="l"/>
+                <dgm:param type="parTxRTLAlign" val="r"/>
+                <dgm:param type="shpTxRTLAlignCh" val="r"/>
+                <dgm:param type="stBulletLvl" val="0"/>
+              </dgm:alg>
+              <dgm:shape xmlns:r="http://schemas.openxmlformats.org/officeDocument/2006/relationships" type="rect" r:blip="">
+                <dgm:adjLst/>
+              </dgm:shape>
+              <dgm:presOf axis="des" ptType="node"/>
+              <dgm:constrLst>
+                <dgm:constr type="primFontSz" val="18"/>
+                <dgm:constr type="secFontSz" refType="primFontSz"/>
+                <dgm:constr type="lMarg" refType="h" fact="0.3"/>
+                <dgm:constr type="rMarg" refType="h" fact="0.3"/>
+                <dgm:constr type="tMarg" refType="h" fact="0.3"/>
+                <dgm:constr type="bMarg" refType="h" fact="0.3"/>
+              </dgm:constrLst>
+              <dgm:ruleLst>
+                <dgm:rule type="primFontSz" val="11" fact="NaN" max="NaN"/>
+              </dgm:ruleLst>
+            </dgm:layoutNode>
+          </dgm:if>
+          <dgm:else name="Name14"/>
+        </dgm:choose>
+      </dgm:layoutNode>
+      <dgm:forEach name="Name15" axis="followSib" ptType="sibTrans" cnt="1">
+        <dgm:layoutNode name="sibTrans">
+          <dgm:alg type="sp"/>
+          <dgm:shape xmlns:r="http://schemas.openxmlformats.org/officeDocument/2006/relationships" r:blip="">
+            <dgm:adjLst/>
+          </dgm:shape>
+          <dgm:presOf axis="self"/>
+          <dgm:constrLst/>
+          <dgm:ruleLst/>
+        </dgm:layoutNode>
+      </dgm:forEach>
+    </dgm:forEach>
+  </dgm:layoutNode>
+  <dgm:extLst>
+    <a:ext uri="{68A01E43-0DF5-4B5B-8FA6-DAF915123BFB}">
+      <dgm1612:lstStyle xmlns:dgm1612="http://schemas.microsoft.com/office/drawing/2016/12/diagram">
+        <a:lvl1pPr>
+          <a:lnSpc>
+            <a:spcPct val="100000"/>
+          </a:lnSpc>
+        </a:lvl1pPr>
+        <a:lvl2pPr>
+          <a:lnSpc>
+            <a:spcPct val="100000"/>
+          </a:lnSpc>
+        </a:lvl2pPr>
+      </dgm1612:lstStyle>
+    </a:ext>
+  </dgm:extLst>
+</dgm:layoutDef>
+</file>
+
+<file path=ppt/diagrams/layout4.xml><?xml version="1.0" encoding="utf-8"?>
 <dgm:layoutDef xmlns:dgm="http://schemas.openxmlformats.org/drawingml/2006/diagram" xmlns:a="http://schemas.openxmlformats.org/drawingml/2006/main" uniqueId="urn:microsoft.com/office/officeart/2018/2/layout/IconLabelList">
   <dgm:title val="Icon Label List"/>
   <dgm:desc val="Use to show non-sequential or grouped chunks of information accompanied by a related visuals. Works best with icons or small pictures with short text captions."/>
@@ -9164,6 +11427,1040 @@
 </dgm:styleDef>
 </file>
 
+<file path=ppt/diagrams/quickStyle4.xml><?xml version="1.0" encoding="utf-8"?>
+<dgm:styleDef xmlns:dgm="http://schemas.openxmlformats.org/drawingml/2006/diagram" xmlns:a="http://schemas.openxmlformats.org/drawingml/2006/main" uniqueId="urn:microsoft.com/office/officeart/2005/8/quickstyle/simple1">
+  <dgm:title val=""/>
+  <dgm:desc val=""/>
+  <dgm:catLst>
+    <dgm:cat type="simple" pri="10100"/>
+  </dgm:catLst>
+  <dgm:scene3d>
+    <a:camera prst="orthographicFront"/>
+    <a:lightRig rig="threePt" dir="t"/>
+  </dgm:scene3d>
+  <dgm:styleLbl name="node0">
+    <dgm:scene3d>
+      <a:camera prst="orthographicFront"/>
+      <a:lightRig rig="threePt" dir="t"/>
+    </dgm:scene3d>
+    <dgm:sp3d/>
+    <dgm:txPr/>
+    <dgm:style>
+      <a:lnRef idx="2">
+        <a:scrgbClr r="0" g="0" b="0"/>
+      </a:lnRef>
+      <a:fillRef idx="1">
+        <a:scrgbClr r="0" g="0" b="0"/>
+      </a:fillRef>
+      <a:effectRef idx="0">
+        <a:scrgbClr r="0" g="0" b="0"/>
+      </a:effectRef>
+      <a:fontRef idx="minor">
+        <a:schemeClr val="lt1"/>
+      </a:fontRef>
+    </dgm:style>
+  </dgm:styleLbl>
+  <dgm:styleLbl name="lnNode1">
+    <dgm:scene3d>
+      <a:camera prst="orthographicFront"/>
+      <a:lightRig rig="threePt" dir="t"/>
+    </dgm:scene3d>
+    <dgm:sp3d/>
+    <dgm:txPr/>
+    <dgm:style>
+      <a:lnRef idx="2">
+        <a:scrgbClr r="0" g="0" b="0"/>
+      </a:lnRef>
+      <a:fillRef idx="1">
+        <a:scrgbClr r="0" g="0" b="0"/>
+      </a:fillRef>
+      <a:effectRef idx="0">
+        <a:scrgbClr r="0" g="0" b="0"/>
+      </a:effectRef>
+      <a:fontRef idx="minor">
+        <a:schemeClr val="lt1"/>
+      </a:fontRef>
+    </dgm:style>
+  </dgm:styleLbl>
+  <dgm:styleLbl name="vennNode1">
+    <dgm:scene3d>
+      <a:camera prst="orthographicFront"/>
+      <a:lightRig rig="threePt" dir="t"/>
+    </dgm:scene3d>
+    <dgm:sp3d/>
+    <dgm:txPr/>
+    <dgm:style>
+      <a:lnRef idx="2">
+        <a:scrgbClr r="0" g="0" b="0"/>
+      </a:lnRef>
+      <a:fillRef idx="1">
+        <a:scrgbClr r="0" g="0" b="0"/>
+      </a:fillRef>
+      <a:effectRef idx="0">
+        <a:scrgbClr r="0" g="0" b="0"/>
+      </a:effectRef>
+      <a:fontRef idx="minor">
+        <a:schemeClr val="tx1"/>
+      </a:fontRef>
+    </dgm:style>
+  </dgm:styleLbl>
+  <dgm:styleLbl name="alignNode1">
+    <dgm:scene3d>
+      <a:camera prst="orthographicFront"/>
+      <a:lightRig rig="threePt" dir="t"/>
+    </dgm:scene3d>
+    <dgm:sp3d/>
+    <dgm:txPr/>
+    <dgm:style>
+      <a:lnRef idx="2">
+        <a:scrgbClr r="0" g="0" b="0"/>
+      </a:lnRef>
+      <a:fillRef idx="1">
+        <a:scrgbClr r="0" g="0" b="0"/>
+      </a:fillRef>
+      <a:effectRef idx="0">
+        <a:scrgbClr r="0" g="0" b="0"/>
+      </a:effectRef>
+      <a:fontRef idx="minor">
+        <a:schemeClr val="lt1"/>
+      </a:fontRef>
+    </dgm:style>
+  </dgm:styleLbl>
+  <dgm:styleLbl name="node1">
+    <dgm:scene3d>
+      <a:camera prst="orthographicFront"/>
+      <a:lightRig rig="threePt" dir="t"/>
+    </dgm:scene3d>
+    <dgm:sp3d/>
+    <dgm:txPr/>
+    <dgm:style>
+      <a:lnRef idx="2">
+        <a:scrgbClr r="0" g="0" b="0"/>
+      </a:lnRef>
+      <a:fillRef idx="1">
+        <a:scrgbClr r="0" g="0" b="0"/>
+      </a:fillRef>
+      <a:effectRef idx="0">
+        <a:scrgbClr r="0" g="0" b="0"/>
+      </a:effectRef>
+      <a:fontRef idx="minor">
+        <a:schemeClr val="lt1"/>
+      </a:fontRef>
+    </dgm:style>
+  </dgm:styleLbl>
+  <dgm:styleLbl name="node2">
+    <dgm:scene3d>
+      <a:camera prst="orthographicFront"/>
+      <a:lightRig rig="threePt" dir="t"/>
+    </dgm:scene3d>
+    <dgm:sp3d/>
+    <dgm:txPr/>
+    <dgm:style>
+      <a:lnRef idx="2">
+        <a:scrgbClr r="0" g="0" b="0"/>
+      </a:lnRef>
+      <a:fillRef idx="1">
+        <a:scrgbClr r="0" g="0" b="0"/>
+      </a:fillRef>
+      <a:effectRef idx="0">
+        <a:scrgbClr r="0" g="0" b="0"/>
+      </a:effectRef>
+      <a:fontRef idx="minor">
+        <a:schemeClr val="lt1"/>
+      </a:fontRef>
+    </dgm:style>
+  </dgm:styleLbl>
+  <dgm:styleLbl name="node3">
+    <dgm:scene3d>
+      <a:camera prst="orthographicFront"/>
+      <a:lightRig rig="threePt" dir="t"/>
+    </dgm:scene3d>
+    <dgm:sp3d/>
+    <dgm:txPr/>
+    <dgm:style>
+      <a:lnRef idx="2">
+        <a:scrgbClr r="0" g="0" b="0"/>
+      </a:lnRef>
+      <a:fillRef idx="1">
+        <a:scrgbClr r="0" g="0" b="0"/>
+      </a:fillRef>
+      <a:effectRef idx="0">
+        <a:scrgbClr r="0" g="0" b="0"/>
+      </a:effectRef>
+      <a:fontRef idx="minor">
+        <a:schemeClr val="lt1"/>
+      </a:fontRef>
+    </dgm:style>
+  </dgm:styleLbl>
+  <dgm:styleLbl name="node4">
+    <dgm:scene3d>
+      <a:camera prst="orthographicFront"/>
+      <a:lightRig rig="threePt" dir="t"/>
+    </dgm:scene3d>
+    <dgm:sp3d/>
+    <dgm:txPr/>
+    <dgm:style>
+      <a:lnRef idx="2">
+        <a:scrgbClr r="0" g="0" b="0"/>
+      </a:lnRef>
+      <a:fillRef idx="1">
+        <a:scrgbClr r="0" g="0" b="0"/>
+      </a:fillRef>
+      <a:effectRef idx="0">
+        <a:scrgbClr r="0" g="0" b="0"/>
+      </a:effectRef>
+      <a:fontRef idx="minor">
+        <a:schemeClr val="lt1"/>
+      </a:fontRef>
+    </dgm:style>
+  </dgm:styleLbl>
+  <dgm:styleLbl name="fgImgPlace1">
+    <dgm:scene3d>
+      <a:camera prst="orthographicFront"/>
+      <a:lightRig rig="threePt" dir="t"/>
+    </dgm:scene3d>
+    <dgm:sp3d/>
+    <dgm:txPr/>
+    <dgm:style>
+      <a:lnRef idx="2">
+        <a:scrgbClr r="0" g="0" b="0"/>
+      </a:lnRef>
+      <a:fillRef idx="1">
+        <a:scrgbClr r="0" g="0" b="0"/>
+      </a:fillRef>
+      <a:effectRef idx="0">
+        <a:scrgbClr r="0" g="0" b="0"/>
+      </a:effectRef>
+      <a:fontRef idx="minor"/>
+    </dgm:style>
+  </dgm:styleLbl>
+  <dgm:styleLbl name="alignImgPlace1">
+    <dgm:scene3d>
+      <a:camera prst="orthographicFront"/>
+      <a:lightRig rig="threePt" dir="t"/>
+    </dgm:scene3d>
+    <dgm:sp3d/>
+    <dgm:txPr/>
+    <dgm:style>
+      <a:lnRef idx="2">
+        <a:scrgbClr r="0" g="0" b="0"/>
+      </a:lnRef>
+      <a:fillRef idx="1">
+        <a:scrgbClr r="0" g="0" b="0"/>
+      </a:fillRef>
+      <a:effectRef idx="0">
+        <a:scrgbClr r="0" g="0" b="0"/>
+      </a:effectRef>
+      <a:fontRef idx="minor"/>
+    </dgm:style>
+  </dgm:styleLbl>
+  <dgm:styleLbl name="bgImgPlace1">
+    <dgm:scene3d>
+      <a:camera prst="orthographicFront"/>
+      <a:lightRig rig="threePt" dir="t"/>
+    </dgm:scene3d>
+    <dgm:sp3d/>
+    <dgm:txPr/>
+    <dgm:style>
+      <a:lnRef idx="2">
+        <a:scrgbClr r="0" g="0" b="0"/>
+      </a:lnRef>
+      <a:fillRef idx="1">
+        <a:scrgbClr r="0" g="0" b="0"/>
+      </a:fillRef>
+      <a:effectRef idx="0">
+        <a:scrgbClr r="0" g="0" b="0"/>
+      </a:effectRef>
+      <a:fontRef idx="minor"/>
+    </dgm:style>
+  </dgm:styleLbl>
+  <dgm:styleLbl name="sibTrans2D1">
+    <dgm:scene3d>
+      <a:camera prst="orthographicFront"/>
+      <a:lightRig rig="threePt" dir="t"/>
+    </dgm:scene3d>
+    <dgm:sp3d/>
+    <dgm:txPr/>
+    <dgm:style>
+      <a:lnRef idx="0">
+        <a:scrgbClr r="0" g="0" b="0"/>
+      </a:lnRef>
+      <a:fillRef idx="1">
+        <a:scrgbClr r="0" g="0" b="0"/>
+      </a:fillRef>
+      <a:effectRef idx="0">
+        <a:scrgbClr r="0" g="0" b="0"/>
+      </a:effectRef>
+      <a:fontRef idx="minor">
+        <a:schemeClr val="lt1"/>
+      </a:fontRef>
+    </dgm:style>
+  </dgm:styleLbl>
+  <dgm:styleLbl name="fgSibTrans2D1">
+    <dgm:scene3d>
+      <a:camera prst="orthographicFront"/>
+      <a:lightRig rig="threePt" dir="t"/>
+    </dgm:scene3d>
+    <dgm:sp3d/>
+    <dgm:txPr/>
+    <dgm:style>
+      <a:lnRef idx="0">
+        <a:scrgbClr r="0" g="0" b="0"/>
+      </a:lnRef>
+      <a:fillRef idx="1">
+        <a:scrgbClr r="0" g="0" b="0"/>
+      </a:fillRef>
+      <a:effectRef idx="0">
+        <a:scrgbClr r="0" g="0" b="0"/>
+      </a:effectRef>
+      <a:fontRef idx="minor">
+        <a:schemeClr val="lt1"/>
+      </a:fontRef>
+    </dgm:style>
+  </dgm:styleLbl>
+  <dgm:styleLbl name="bgSibTrans2D1">
+    <dgm:scene3d>
+      <a:camera prst="orthographicFront"/>
+      <a:lightRig rig="threePt" dir="t"/>
+    </dgm:scene3d>
+    <dgm:sp3d/>
+    <dgm:txPr/>
+    <dgm:style>
+      <a:lnRef idx="0">
+        <a:scrgbClr r="0" g="0" b="0"/>
+      </a:lnRef>
+      <a:fillRef idx="1">
+        <a:scrgbClr r="0" g="0" b="0"/>
+      </a:fillRef>
+      <a:effectRef idx="0">
+        <a:scrgbClr r="0" g="0" b="0"/>
+      </a:effectRef>
+      <a:fontRef idx="minor">
+        <a:schemeClr val="lt1"/>
+      </a:fontRef>
+    </dgm:style>
+  </dgm:styleLbl>
+  <dgm:styleLbl name="sibTrans1D1">
+    <dgm:scene3d>
+      <a:camera prst="orthographicFront"/>
+      <a:lightRig rig="threePt" dir="t"/>
+    </dgm:scene3d>
+    <dgm:sp3d/>
+    <dgm:txPr/>
+    <dgm:style>
+      <a:lnRef idx="1">
+        <a:scrgbClr r="0" g="0" b="0"/>
+      </a:lnRef>
+      <a:fillRef idx="0">
+        <a:scrgbClr r="0" g="0" b="0"/>
+      </a:fillRef>
+      <a:effectRef idx="0">
+        <a:scrgbClr r="0" g="0" b="0"/>
+      </a:effectRef>
+      <a:fontRef idx="minor"/>
+    </dgm:style>
+  </dgm:styleLbl>
+  <dgm:styleLbl name="callout">
+    <dgm:scene3d>
+      <a:camera prst="orthographicFront"/>
+      <a:lightRig rig="threePt" dir="t"/>
+    </dgm:scene3d>
+    <dgm:sp3d/>
+    <dgm:txPr/>
+    <dgm:style>
+      <a:lnRef idx="2">
+        <a:scrgbClr r="0" g="0" b="0"/>
+      </a:lnRef>
+      <a:fillRef idx="1">
+        <a:scrgbClr r="0" g="0" b="0"/>
+      </a:fillRef>
+      <a:effectRef idx="0">
+        <a:scrgbClr r="0" g="0" b="0"/>
+      </a:effectRef>
+      <a:fontRef idx="minor"/>
+    </dgm:style>
+  </dgm:styleLbl>
+  <dgm:styleLbl name="asst0">
+    <dgm:scene3d>
+      <a:camera prst="orthographicFront"/>
+      <a:lightRig rig="threePt" dir="t"/>
+    </dgm:scene3d>
+    <dgm:sp3d/>
+    <dgm:txPr/>
+    <dgm:style>
+      <a:lnRef idx="2">
+        <a:scrgbClr r="0" g="0" b="0"/>
+      </a:lnRef>
+      <a:fillRef idx="1">
+        <a:scrgbClr r="0" g="0" b="0"/>
+      </a:fillRef>
+      <a:effectRef idx="0">
+        <a:scrgbClr r="0" g="0" b="0"/>
+      </a:effectRef>
+      <a:fontRef idx="minor">
+        <a:schemeClr val="lt1"/>
+      </a:fontRef>
+    </dgm:style>
+  </dgm:styleLbl>
+  <dgm:styleLbl name="asst1">
+    <dgm:scene3d>
+      <a:camera prst="orthographicFront"/>
+      <a:lightRig rig="threePt" dir="t"/>
+    </dgm:scene3d>
+    <dgm:sp3d/>
+    <dgm:txPr/>
+    <dgm:style>
+      <a:lnRef idx="2">
+        <a:scrgbClr r="0" g="0" b="0"/>
+      </a:lnRef>
+      <a:fillRef idx="1">
+        <a:scrgbClr r="0" g="0" b="0"/>
+      </a:fillRef>
+      <a:effectRef idx="0">
+        <a:scrgbClr r="0" g="0" b="0"/>
+      </a:effectRef>
+      <a:fontRef idx="minor">
+        <a:schemeClr val="lt1"/>
+      </a:fontRef>
+    </dgm:style>
+  </dgm:styleLbl>
+  <dgm:styleLbl name="asst2">
+    <dgm:scene3d>
+      <a:camera prst="orthographicFront"/>
+      <a:lightRig rig="threePt" dir="t"/>
+    </dgm:scene3d>
+    <dgm:sp3d/>
+    <dgm:txPr/>
+    <dgm:style>
+      <a:lnRef idx="2">
+        <a:scrgbClr r="0" g="0" b="0"/>
+      </a:lnRef>
+      <a:fillRef idx="1">
+        <a:scrgbClr r="0" g="0" b="0"/>
+      </a:fillRef>
+      <a:effectRef idx="0">
+        <a:scrgbClr r="0" g="0" b="0"/>
+      </a:effectRef>
+      <a:fontRef idx="minor">
+        <a:schemeClr val="lt1"/>
+      </a:fontRef>
+    </dgm:style>
+  </dgm:styleLbl>
+  <dgm:styleLbl name="asst3">
+    <dgm:scene3d>
+      <a:camera prst="orthographicFront"/>
+      <a:lightRig rig="threePt" dir="t"/>
+    </dgm:scene3d>
+    <dgm:sp3d/>
+    <dgm:txPr/>
+    <dgm:style>
+      <a:lnRef idx="2">
+        <a:scrgbClr r="0" g="0" b="0"/>
+      </a:lnRef>
+      <a:fillRef idx="1">
+        <a:scrgbClr r="0" g="0" b="0"/>
+      </a:fillRef>
+      <a:effectRef idx="0">
+        <a:scrgbClr r="0" g="0" b="0"/>
+      </a:effectRef>
+      <a:fontRef idx="minor">
+        <a:schemeClr val="lt1"/>
+      </a:fontRef>
+    </dgm:style>
+  </dgm:styleLbl>
+  <dgm:styleLbl name="asst4">
+    <dgm:scene3d>
+      <a:camera prst="orthographicFront"/>
+      <a:lightRig rig="threePt" dir="t"/>
+    </dgm:scene3d>
+    <dgm:sp3d/>
+    <dgm:txPr/>
+    <dgm:style>
+      <a:lnRef idx="2">
+        <a:scrgbClr r="0" g="0" b="0"/>
+      </a:lnRef>
+      <a:fillRef idx="1">
+        <a:scrgbClr r="0" g="0" b="0"/>
+      </a:fillRef>
+      <a:effectRef idx="0">
+        <a:scrgbClr r="0" g="0" b="0"/>
+      </a:effectRef>
+      <a:fontRef idx="minor">
+        <a:schemeClr val="lt1"/>
+      </a:fontRef>
+    </dgm:style>
+  </dgm:styleLbl>
+  <dgm:styleLbl name="parChTrans2D1">
+    <dgm:scene3d>
+      <a:camera prst="orthographicFront"/>
+      <a:lightRig rig="threePt" dir="t"/>
+    </dgm:scene3d>
+    <dgm:sp3d/>
+    <dgm:txPr/>
+    <dgm:style>
+      <a:lnRef idx="2">
+        <a:scrgbClr r="0" g="0" b="0"/>
+      </a:lnRef>
+      <a:fillRef idx="1">
+        <a:scrgbClr r="0" g="0" b="0"/>
+      </a:fillRef>
+      <a:effectRef idx="0">
+        <a:scrgbClr r="0" g="0" b="0"/>
+      </a:effectRef>
+      <a:fontRef idx="minor">
+        <a:schemeClr val="lt1"/>
+      </a:fontRef>
+    </dgm:style>
+  </dgm:styleLbl>
+  <dgm:styleLbl name="parChTrans2D2">
+    <dgm:scene3d>
+      <a:camera prst="orthographicFront"/>
+      <a:lightRig rig="threePt" dir="t"/>
+    </dgm:scene3d>
+    <dgm:sp3d/>
+    <dgm:txPr/>
+    <dgm:style>
+      <a:lnRef idx="2">
+        <a:scrgbClr r="0" g="0" b="0"/>
+      </a:lnRef>
+      <a:fillRef idx="1">
+        <a:scrgbClr r="0" g="0" b="0"/>
+      </a:fillRef>
+      <a:effectRef idx="0">
+        <a:scrgbClr r="0" g="0" b="0"/>
+      </a:effectRef>
+      <a:fontRef idx="minor">
+        <a:schemeClr val="lt1"/>
+      </a:fontRef>
+    </dgm:style>
+  </dgm:styleLbl>
+  <dgm:styleLbl name="parChTrans2D3">
+    <dgm:scene3d>
+      <a:camera prst="orthographicFront"/>
+      <a:lightRig rig="threePt" dir="t"/>
+    </dgm:scene3d>
+    <dgm:sp3d/>
+    <dgm:txPr/>
+    <dgm:style>
+      <a:lnRef idx="2">
+        <a:scrgbClr r="0" g="0" b="0"/>
+      </a:lnRef>
+      <a:fillRef idx="1">
+        <a:scrgbClr r="0" g="0" b="0"/>
+      </a:fillRef>
+      <a:effectRef idx="0">
+        <a:scrgbClr r="0" g="0" b="0"/>
+      </a:effectRef>
+      <a:fontRef idx="minor">
+        <a:schemeClr val="lt1"/>
+      </a:fontRef>
+    </dgm:style>
+  </dgm:styleLbl>
+  <dgm:styleLbl name="parChTrans2D4">
+    <dgm:scene3d>
+      <a:camera prst="orthographicFront"/>
+      <a:lightRig rig="threePt" dir="t"/>
+    </dgm:scene3d>
+    <dgm:sp3d/>
+    <dgm:txPr/>
+    <dgm:style>
+      <a:lnRef idx="2">
+        <a:scrgbClr r="0" g="0" b="0"/>
+      </a:lnRef>
+      <a:fillRef idx="1">
+        <a:scrgbClr r="0" g="0" b="0"/>
+      </a:fillRef>
+      <a:effectRef idx="0">
+        <a:scrgbClr r="0" g="0" b="0"/>
+      </a:effectRef>
+      <a:fontRef idx="minor">
+        <a:schemeClr val="lt1"/>
+      </a:fontRef>
+    </dgm:style>
+  </dgm:styleLbl>
+  <dgm:styleLbl name="parChTrans1D1">
+    <dgm:scene3d>
+      <a:camera prst="orthographicFront"/>
+      <a:lightRig rig="threePt" dir="t"/>
+    </dgm:scene3d>
+    <dgm:sp3d/>
+    <dgm:txPr/>
+    <dgm:style>
+      <a:lnRef idx="2">
+        <a:scrgbClr r="0" g="0" b="0"/>
+      </a:lnRef>
+      <a:fillRef idx="0">
+        <a:scrgbClr r="0" g="0" b="0"/>
+      </a:fillRef>
+      <a:effectRef idx="0">
+        <a:scrgbClr r="0" g="0" b="0"/>
+      </a:effectRef>
+      <a:fontRef idx="minor"/>
+    </dgm:style>
+  </dgm:styleLbl>
+  <dgm:styleLbl name="parChTrans1D2">
+    <dgm:scene3d>
+      <a:camera prst="orthographicFront"/>
+      <a:lightRig rig="threePt" dir="t"/>
+    </dgm:scene3d>
+    <dgm:sp3d/>
+    <dgm:txPr/>
+    <dgm:style>
+      <a:lnRef idx="2">
+        <a:scrgbClr r="0" g="0" b="0"/>
+      </a:lnRef>
+      <a:fillRef idx="0">
+        <a:scrgbClr r="0" g="0" b="0"/>
+      </a:fillRef>
+      <a:effectRef idx="0">
+        <a:scrgbClr r="0" g="0" b="0"/>
+      </a:effectRef>
+      <a:fontRef idx="minor"/>
+    </dgm:style>
+  </dgm:styleLbl>
+  <dgm:styleLbl name="parChTrans1D3">
+    <dgm:scene3d>
+      <a:camera prst="orthographicFront"/>
+      <a:lightRig rig="threePt" dir="t"/>
+    </dgm:scene3d>
+    <dgm:sp3d/>
+    <dgm:txPr/>
+    <dgm:style>
+      <a:lnRef idx="2">
+        <a:scrgbClr r="0" g="0" b="0"/>
+      </a:lnRef>
+      <a:fillRef idx="0">
+        <a:scrgbClr r="0" g="0" b="0"/>
+      </a:fillRef>
+      <a:effectRef idx="0">
+        <a:scrgbClr r="0" g="0" b="0"/>
+      </a:effectRef>
+      <a:fontRef idx="minor"/>
+    </dgm:style>
+  </dgm:styleLbl>
+  <dgm:styleLbl name="parChTrans1D4">
+    <dgm:scene3d>
+      <a:camera prst="orthographicFront"/>
+      <a:lightRig rig="threePt" dir="t"/>
+    </dgm:scene3d>
+    <dgm:sp3d/>
+    <dgm:txPr/>
+    <dgm:style>
+      <a:lnRef idx="2">
+        <a:scrgbClr r="0" g="0" b="0"/>
+      </a:lnRef>
+      <a:fillRef idx="0">
+        <a:scrgbClr r="0" g="0" b="0"/>
+      </a:fillRef>
+      <a:effectRef idx="0">
+        <a:scrgbClr r="0" g="0" b="0"/>
+      </a:effectRef>
+      <a:fontRef idx="minor"/>
+    </dgm:style>
+  </dgm:styleLbl>
+  <dgm:styleLbl name="fgAcc1">
+    <dgm:scene3d>
+      <a:camera prst="orthographicFront"/>
+      <a:lightRig rig="threePt" dir="t"/>
+    </dgm:scene3d>
+    <dgm:sp3d/>
+    <dgm:txPr/>
+    <dgm:style>
+      <a:lnRef idx="2">
+        <a:scrgbClr r="0" g="0" b="0"/>
+      </a:lnRef>
+      <a:fillRef idx="1">
+        <a:scrgbClr r="0" g="0" b="0"/>
+      </a:fillRef>
+      <a:effectRef idx="0">
+        <a:scrgbClr r="0" g="0" b="0"/>
+      </a:effectRef>
+      <a:fontRef idx="minor"/>
+    </dgm:style>
+  </dgm:styleLbl>
+  <dgm:styleLbl name="conFgAcc1">
+    <dgm:scene3d>
+      <a:camera prst="orthographicFront"/>
+      <a:lightRig rig="threePt" dir="t"/>
+    </dgm:scene3d>
+    <dgm:sp3d/>
+    <dgm:txPr/>
+    <dgm:style>
+      <a:lnRef idx="2">
+        <a:scrgbClr r="0" g="0" b="0"/>
+      </a:lnRef>
+      <a:fillRef idx="1">
+        <a:scrgbClr r="0" g="0" b="0"/>
+      </a:fillRef>
+      <a:effectRef idx="0">
+        <a:scrgbClr r="0" g="0" b="0"/>
+      </a:effectRef>
+      <a:fontRef idx="minor"/>
+    </dgm:style>
+  </dgm:styleLbl>
+  <dgm:styleLbl name="alignAcc1">
+    <dgm:scene3d>
+      <a:camera prst="orthographicFront"/>
+      <a:lightRig rig="threePt" dir="t"/>
+    </dgm:scene3d>
+    <dgm:sp3d/>
+    <dgm:txPr/>
+    <dgm:style>
+      <a:lnRef idx="2">
+        <a:scrgbClr r="0" g="0" b="0"/>
+      </a:lnRef>
+      <a:fillRef idx="1">
+        <a:scrgbClr r="0" g="0" b="0"/>
+      </a:fillRef>
+      <a:effectRef idx="0">
+        <a:scrgbClr r="0" g="0" b="0"/>
+      </a:effectRef>
+      <a:fontRef idx="minor"/>
+    </dgm:style>
+  </dgm:styleLbl>
+  <dgm:styleLbl name="trAlignAcc1">
+    <dgm:scene3d>
+      <a:camera prst="orthographicFront"/>
+      <a:lightRig rig="threePt" dir="t"/>
+    </dgm:scene3d>
+    <dgm:sp3d/>
+    <dgm:txPr/>
+    <dgm:style>
+      <a:lnRef idx="1">
+        <a:scrgbClr r="0" g="0" b="0"/>
+      </a:lnRef>
+      <a:fillRef idx="1">
+        <a:scrgbClr r="0" g="0" b="0"/>
+      </a:fillRef>
+      <a:effectRef idx="0">
+        <a:scrgbClr r="0" g="0" b="0"/>
+      </a:effectRef>
+      <a:fontRef idx="minor"/>
+    </dgm:style>
+  </dgm:styleLbl>
+  <dgm:styleLbl name="bgAcc1">
+    <dgm:scene3d>
+      <a:camera prst="orthographicFront"/>
+      <a:lightRig rig="threePt" dir="t"/>
+    </dgm:scene3d>
+    <dgm:sp3d/>
+    <dgm:txPr/>
+    <dgm:style>
+      <a:lnRef idx="2">
+        <a:scrgbClr r="0" g="0" b="0"/>
+      </a:lnRef>
+      <a:fillRef idx="1">
+        <a:scrgbClr r="0" g="0" b="0"/>
+      </a:fillRef>
+      <a:effectRef idx="0">
+        <a:scrgbClr r="0" g="0" b="0"/>
+      </a:effectRef>
+      <a:fontRef idx="minor"/>
+    </dgm:style>
+  </dgm:styleLbl>
+  <dgm:styleLbl name="solidFgAcc1">
+    <dgm:scene3d>
+      <a:camera prst="orthographicFront"/>
+      <a:lightRig rig="threePt" dir="t"/>
+    </dgm:scene3d>
+    <dgm:sp3d/>
+    <dgm:txPr/>
+    <dgm:style>
+      <a:lnRef idx="2">
+        <a:scrgbClr r="0" g="0" b="0"/>
+      </a:lnRef>
+      <a:fillRef idx="1">
+        <a:scrgbClr r="0" g="0" b="0"/>
+      </a:fillRef>
+      <a:effectRef idx="0">
+        <a:scrgbClr r="0" g="0" b="0"/>
+      </a:effectRef>
+      <a:fontRef idx="minor"/>
+    </dgm:style>
+  </dgm:styleLbl>
+  <dgm:styleLbl name="solidAlignAcc1">
+    <dgm:scene3d>
+      <a:camera prst="orthographicFront"/>
+      <a:lightRig rig="threePt" dir="t"/>
+    </dgm:scene3d>
+    <dgm:sp3d/>
+    <dgm:txPr/>
+    <dgm:style>
+      <a:lnRef idx="2">
+        <a:scrgbClr r="0" g="0" b="0"/>
+      </a:lnRef>
+      <a:fillRef idx="1">
+        <a:scrgbClr r="0" g="0" b="0"/>
+      </a:fillRef>
+      <a:effectRef idx="0">
+        <a:scrgbClr r="0" g="0" b="0"/>
+      </a:effectRef>
+      <a:fontRef idx="minor"/>
+    </dgm:style>
+  </dgm:styleLbl>
+  <dgm:styleLbl name="solidBgAcc1">
+    <dgm:scene3d>
+      <a:camera prst="orthographicFront"/>
+      <a:lightRig rig="threePt" dir="t"/>
+    </dgm:scene3d>
+    <dgm:sp3d/>
+    <dgm:txPr/>
+    <dgm:style>
+      <a:lnRef idx="2">
+        <a:scrgbClr r="0" g="0" b="0"/>
+      </a:lnRef>
+      <a:fillRef idx="1">
+        <a:scrgbClr r="0" g="0" b="0"/>
+      </a:fillRef>
+      <a:effectRef idx="0">
+        <a:scrgbClr r="0" g="0" b="0"/>
+      </a:effectRef>
+      <a:fontRef idx="minor"/>
+    </dgm:style>
+  </dgm:styleLbl>
+  <dgm:styleLbl name="fgAccFollowNode1">
+    <dgm:scene3d>
+      <a:camera prst="orthographicFront"/>
+      <a:lightRig rig="threePt" dir="t"/>
+    </dgm:scene3d>
+    <dgm:sp3d/>
+    <dgm:txPr/>
+    <dgm:style>
+      <a:lnRef idx="2">
+        <a:scrgbClr r="0" g="0" b="0"/>
+      </a:lnRef>
+      <a:fillRef idx="1">
+        <a:scrgbClr r="0" g="0" b="0"/>
+      </a:fillRef>
+      <a:effectRef idx="0">
+        <a:scrgbClr r="0" g="0" b="0"/>
+      </a:effectRef>
+      <a:fontRef idx="minor"/>
+    </dgm:style>
+  </dgm:styleLbl>
+  <dgm:styleLbl name="alignAccFollowNode1">
+    <dgm:scene3d>
+      <a:camera prst="orthographicFront"/>
+      <a:lightRig rig="threePt" dir="t"/>
+    </dgm:scene3d>
+    <dgm:sp3d/>
+    <dgm:txPr/>
+    <dgm:style>
+      <a:lnRef idx="2">
+        <a:scrgbClr r="0" g="0" b="0"/>
+      </a:lnRef>
+      <a:fillRef idx="1">
+        <a:scrgbClr r="0" g="0" b="0"/>
+      </a:fillRef>
+      <a:effectRef idx="0">
+        <a:scrgbClr r="0" g="0" b="0"/>
+      </a:effectRef>
+      <a:fontRef idx="minor"/>
+    </dgm:style>
+  </dgm:styleLbl>
+  <dgm:styleLbl name="bgAccFollowNode1">
+    <dgm:scene3d>
+      <a:camera prst="orthographicFront"/>
+      <a:lightRig rig="threePt" dir="t"/>
+    </dgm:scene3d>
+    <dgm:sp3d/>
+    <dgm:txPr/>
+    <dgm:style>
+      <a:lnRef idx="2">
+        <a:scrgbClr r="0" g="0" b="0"/>
+      </a:lnRef>
+      <a:fillRef idx="1">
+        <a:scrgbClr r="0" g="0" b="0"/>
+      </a:fillRef>
+      <a:effectRef idx="0">
+        <a:scrgbClr r="0" g="0" b="0"/>
+      </a:effectRef>
+      <a:fontRef idx="minor"/>
+    </dgm:style>
+  </dgm:styleLbl>
+  <dgm:styleLbl name="fgAcc0">
+    <dgm:scene3d>
+      <a:camera prst="orthographicFront"/>
+      <a:lightRig rig="threePt" dir="t"/>
+    </dgm:scene3d>
+    <dgm:sp3d/>
+    <dgm:txPr/>
+    <dgm:style>
+      <a:lnRef idx="2">
+        <a:scrgbClr r="0" g="0" b="0"/>
+      </a:lnRef>
+      <a:fillRef idx="1">
+        <a:scrgbClr r="0" g="0" b="0"/>
+      </a:fillRef>
+      <a:effectRef idx="0">
+        <a:scrgbClr r="0" g="0" b="0"/>
+      </a:effectRef>
+      <a:fontRef idx="minor"/>
+    </dgm:style>
+  </dgm:styleLbl>
+  <dgm:styleLbl name="fgAcc2">
+    <dgm:scene3d>
+      <a:camera prst="orthographicFront"/>
+      <a:lightRig rig="threePt" dir="t"/>
+    </dgm:scene3d>
+    <dgm:sp3d/>
+    <dgm:txPr/>
+    <dgm:style>
+      <a:lnRef idx="2">
+        <a:scrgbClr r="0" g="0" b="0"/>
+      </a:lnRef>
+      <a:fillRef idx="1">
+        <a:scrgbClr r="0" g="0" b="0"/>
+      </a:fillRef>
+      <a:effectRef idx="0">
+        <a:scrgbClr r="0" g="0" b="0"/>
+      </a:effectRef>
+      <a:fontRef idx="minor"/>
+    </dgm:style>
+  </dgm:styleLbl>
+  <dgm:styleLbl name="fgAcc3">
+    <dgm:scene3d>
+      <a:camera prst="orthographicFront"/>
+      <a:lightRig rig="threePt" dir="t"/>
+    </dgm:scene3d>
+    <dgm:sp3d/>
+    <dgm:txPr/>
+    <dgm:style>
+      <a:lnRef idx="2">
+        <a:scrgbClr r="0" g="0" b="0"/>
+      </a:lnRef>
+      <a:fillRef idx="1">
+        <a:scrgbClr r="0" g="0" b="0"/>
+      </a:fillRef>
+      <a:effectRef idx="0">
+        <a:scrgbClr r="0" g="0" b="0"/>
+      </a:effectRef>
+      <a:fontRef idx="minor"/>
+    </dgm:style>
+  </dgm:styleLbl>
+  <dgm:styleLbl name="fgAcc4">
+    <dgm:scene3d>
+      <a:camera prst="orthographicFront"/>
+      <a:lightRig rig="threePt" dir="t"/>
+    </dgm:scene3d>
+    <dgm:sp3d/>
+    <dgm:txPr/>
+    <dgm:style>
+      <a:lnRef idx="2">
+        <a:scrgbClr r="0" g="0" b="0"/>
+      </a:lnRef>
+      <a:fillRef idx="1">
+        <a:scrgbClr r="0" g="0" b="0"/>
+      </a:fillRef>
+      <a:effectRef idx="0">
+        <a:scrgbClr r="0" g="0" b="0"/>
+      </a:effectRef>
+      <a:fontRef idx="minor"/>
+    </dgm:style>
+  </dgm:styleLbl>
+  <dgm:styleLbl name="bgShp">
+    <dgm:scene3d>
+      <a:camera prst="orthographicFront"/>
+      <a:lightRig rig="threePt" dir="t"/>
+    </dgm:scene3d>
+    <dgm:sp3d/>
+    <dgm:txPr/>
+    <dgm:style>
+      <a:lnRef idx="0">
+        <a:scrgbClr r="0" g="0" b="0"/>
+      </a:lnRef>
+      <a:fillRef idx="1">
+        <a:scrgbClr r="0" g="0" b="0"/>
+      </a:fillRef>
+      <a:effectRef idx="0">
+        <a:scrgbClr r="0" g="0" b="0"/>
+      </a:effectRef>
+      <a:fontRef idx="minor"/>
+    </dgm:style>
+  </dgm:styleLbl>
+  <dgm:styleLbl name="dkBgShp">
+    <dgm:scene3d>
+      <a:camera prst="orthographicFront"/>
+      <a:lightRig rig="threePt" dir="t"/>
+    </dgm:scene3d>
+    <dgm:sp3d/>
+    <dgm:txPr/>
+    <dgm:style>
+      <a:lnRef idx="0">
+        <a:scrgbClr r="0" g="0" b="0"/>
+      </a:lnRef>
+      <a:fillRef idx="1">
+        <a:scrgbClr r="0" g="0" b="0"/>
+      </a:fillRef>
+      <a:effectRef idx="0">
+        <a:scrgbClr r="0" g="0" b="0"/>
+      </a:effectRef>
+      <a:fontRef idx="minor"/>
+    </dgm:style>
+  </dgm:styleLbl>
+  <dgm:styleLbl name="trBgShp">
+    <dgm:scene3d>
+      <a:camera prst="orthographicFront"/>
+      <a:lightRig rig="threePt" dir="t"/>
+    </dgm:scene3d>
+    <dgm:sp3d/>
+    <dgm:txPr/>
+    <dgm:style>
+      <a:lnRef idx="0">
+        <a:scrgbClr r="0" g="0" b="0"/>
+      </a:lnRef>
+      <a:fillRef idx="1">
+        <a:scrgbClr r="0" g="0" b="0"/>
+      </a:fillRef>
+      <a:effectRef idx="0">
+        <a:scrgbClr r="0" g="0" b="0"/>
+      </a:effectRef>
+      <a:fontRef idx="minor"/>
+    </dgm:style>
+  </dgm:styleLbl>
+  <dgm:styleLbl name="fgShp">
+    <dgm:scene3d>
+      <a:camera prst="orthographicFront"/>
+      <a:lightRig rig="threePt" dir="t"/>
+    </dgm:scene3d>
+    <dgm:sp3d/>
+    <dgm:txPr/>
+    <dgm:style>
+      <a:lnRef idx="2">
+        <a:scrgbClr r="0" g="0" b="0"/>
+      </a:lnRef>
+      <a:fillRef idx="1">
+        <a:scrgbClr r="0" g="0" b="0"/>
+      </a:fillRef>
+      <a:effectRef idx="0">
+        <a:scrgbClr r="0" g="0" b="0"/>
+      </a:effectRef>
+      <a:fontRef idx="minor"/>
+    </dgm:style>
+  </dgm:styleLbl>
+  <dgm:styleLbl name="revTx">
+    <dgm:scene3d>
+      <a:camera prst="orthographicFront"/>
+      <a:lightRig rig="threePt" dir="t"/>
+    </dgm:scene3d>
+    <dgm:sp3d/>
+    <dgm:txPr/>
+    <dgm:style>
+      <a:lnRef idx="0">
+        <a:scrgbClr r="0" g="0" b="0"/>
+      </a:lnRef>
+      <a:fillRef idx="0">
+        <a:scrgbClr r="0" g="0" b="0"/>
+      </a:fillRef>
+      <a:effectRef idx="0">
+        <a:scrgbClr r="0" g="0" b="0"/>
+      </a:effectRef>
+      <a:fontRef idx="minor"/>
+    </dgm:style>
+  </dgm:styleLbl>
+</dgm:styleDef>
+</file>
+
 <file path=ppt/slideLayouts/slideLayout1.xml><?xml version="1.0" encoding="utf-8"?>
 <p:sldLayout xmlns:a="http://schemas.openxmlformats.org/drawingml/2006/main" xmlns:r="http://schemas.openxmlformats.org/officeDocument/2006/relationships" xmlns:p="http://schemas.openxmlformats.org/presentationml/2006/main" type="title" preserve="1">
   <p:cSld name="Title Slide">
@@ -9327,7 +12624,7 @@
           <a:p>
             <a:fld id="{12FD0D3F-8F9E-AB44-9195-F4DAF3BC1932}" type="datetimeFigureOut">
               <a:rPr lang="en-US" smtClean="0"/>
-              <a:t>5/26/22</a:t>
+              <a:t>5/28/22</a:t>
             </a:fld>
             <a:endParaRPr lang="en-US"/>
           </a:p>
@@ -9497,7 +12794,7 @@
           <a:p>
             <a:fld id="{12FD0D3F-8F9E-AB44-9195-F4DAF3BC1932}" type="datetimeFigureOut">
               <a:rPr lang="en-US" smtClean="0"/>
-              <a:t>5/26/22</a:t>
+              <a:t>5/28/22</a:t>
             </a:fld>
             <a:endParaRPr lang="en-US"/>
           </a:p>
@@ -9677,7 +12974,7 @@
           <a:p>
             <a:fld id="{12FD0D3F-8F9E-AB44-9195-F4DAF3BC1932}" type="datetimeFigureOut">
               <a:rPr lang="en-US" smtClean="0"/>
-              <a:t>5/26/22</a:t>
+              <a:t>5/28/22</a:t>
             </a:fld>
             <a:endParaRPr lang="en-US"/>
           </a:p>
@@ -9847,7 +13144,7 @@
           <a:p>
             <a:fld id="{12FD0D3F-8F9E-AB44-9195-F4DAF3BC1932}" type="datetimeFigureOut">
               <a:rPr lang="en-US" smtClean="0"/>
-              <a:t>5/26/22</a:t>
+              <a:t>5/28/22</a:t>
             </a:fld>
             <a:endParaRPr lang="en-US"/>
           </a:p>
@@ -10115,7 +13412,7 @@
           <a:p>
             <a:fld id="{12FD0D3F-8F9E-AB44-9195-F4DAF3BC1932}" type="datetimeFigureOut">
               <a:rPr lang="en-US" smtClean="0"/>
-              <a:t>5/26/22</a:t>
+              <a:t>5/28/22</a:t>
             </a:fld>
             <a:endParaRPr lang="en-US"/>
           </a:p>
@@ -10347,7 +13644,7 @@
           <a:p>
             <a:fld id="{12FD0D3F-8F9E-AB44-9195-F4DAF3BC1932}" type="datetimeFigureOut">
               <a:rPr lang="en-US" smtClean="0"/>
-              <a:t>5/26/22</a:t>
+              <a:t>5/28/22</a:t>
             </a:fld>
             <a:endParaRPr lang="en-US"/>
           </a:p>
@@ -10706,7 +14003,7 @@
           <a:p>
             <a:fld id="{12FD0D3F-8F9E-AB44-9195-F4DAF3BC1932}" type="datetimeFigureOut">
               <a:rPr lang="en-US" smtClean="0"/>
-              <a:t>5/26/22</a:t>
+              <a:t>5/28/22</a:t>
             </a:fld>
             <a:endParaRPr lang="en-US"/>
           </a:p>
@@ -10847,7 +14144,7 @@
           <a:p>
             <a:fld id="{12FD0D3F-8F9E-AB44-9195-F4DAF3BC1932}" type="datetimeFigureOut">
               <a:rPr lang="en-US" smtClean="0"/>
-              <a:t>5/26/22</a:t>
+              <a:t>5/28/22</a:t>
             </a:fld>
             <a:endParaRPr lang="en-US"/>
           </a:p>
@@ -10942,7 +14239,7 @@
           <a:p>
             <a:fld id="{12FD0D3F-8F9E-AB44-9195-F4DAF3BC1932}" type="datetimeFigureOut">
               <a:rPr lang="en-US" smtClean="0"/>
-              <a:t>5/26/22</a:t>
+              <a:t>5/28/22</a:t>
             </a:fld>
             <a:endParaRPr lang="en-US"/>
           </a:p>
@@ -11299,7 +14596,7 @@
           <a:p>
             <a:fld id="{12FD0D3F-8F9E-AB44-9195-F4DAF3BC1932}" type="datetimeFigureOut">
               <a:rPr lang="en-US" smtClean="0"/>
-              <a:t>5/26/22</a:t>
+              <a:t>5/28/22</a:t>
             </a:fld>
             <a:endParaRPr lang="en-US"/>
           </a:p>
@@ -11656,7 +14953,7 @@
           <a:p>
             <a:fld id="{12FD0D3F-8F9E-AB44-9195-F4DAF3BC1932}" type="datetimeFigureOut">
               <a:rPr lang="en-US" smtClean="0"/>
-              <a:t>5/26/22</a:t>
+              <a:t>5/28/22</a:t>
             </a:fld>
             <a:endParaRPr lang="en-US"/>
           </a:p>
@@ -11898,7 +15195,7 @@
           <a:p>
             <a:fld id="{12FD0D3F-8F9E-AB44-9195-F4DAF3BC1932}" type="datetimeFigureOut">
               <a:rPr lang="en-US" smtClean="0"/>
-              <a:t>5/26/22</a:t>
+              <a:t>5/28/22</a:t>
             </a:fld>
             <a:endParaRPr lang="en-US"/>
           </a:p>
@@ -12808,11 +16105,16 @@
           </p:cNvGraphicFramePr>
           <p:nvPr>
             <p:ph idx="1"/>
+            <p:extLst>
+              <p:ext uri="{D42A27DB-BD31-4B8C-83A1-F6EECF244321}">
+                <p14:modId xmlns:p14="http://schemas.microsoft.com/office/powerpoint/2010/main" val="582546714"/>
+              </p:ext>
+            </p:extLst>
           </p:nvPr>
         </p:nvGraphicFramePr>
         <p:xfrm>
-          <a:off x="2231136" y="2638044"/>
-          <a:ext cx="7729728" cy="3101983"/>
+          <a:off x="1970495" y="2704952"/>
+          <a:ext cx="8251010" cy="3506278"/>
         </p:xfrm>
         <a:graphic>
           <a:graphicData uri="http://schemas.openxmlformats.org/drawingml/2006/diagram">
@@ -13611,7 +16913,7 @@
             </a:r>
             <a:r>
               <a:rPr lang="en-US" dirty="0"/>
-              <a:t> model achieved an F1-score of 0.79, the highest and closest to 1.0 of all the evaluated models</a:t>
+              <a:t> model achieved an F1-score of 0.94, the highest and closest to 1.0 of all the evaluated models</a:t>
             </a:r>
           </a:p>
           <a:p>
@@ -13709,6 +17011,14 @@
 <file path=ppt/slides/slide7.xml><?xml version="1.0" encoding="utf-8"?>
 <p:sld xmlns:a="http://schemas.openxmlformats.org/drawingml/2006/main" xmlns:r="http://schemas.openxmlformats.org/officeDocument/2006/relationships" xmlns:p="http://schemas.openxmlformats.org/presentationml/2006/main">
   <p:cSld>
+    <p:bg>
+      <p:bgPr>
+        <a:solidFill>
+          <a:schemeClr val="bg1"/>
+        </a:solidFill>
+        <a:effectLst/>
+      </p:bgPr>
+    </p:bg>
     <p:spTree>
       <p:nvGrpSpPr>
         <p:cNvPr id="1" name=""/>
@@ -13725,6 +17035,72 @@
       </p:grpSpPr>
       <p:sp>
         <p:nvSpPr>
+          <p:cNvPr id="9" name="Rectangle 8">
+            <a:extLst>
+              <a:ext uri="{FF2B5EF4-FFF2-40B4-BE49-F238E27FC236}">
+                <a16:creationId xmlns:a16="http://schemas.microsoft.com/office/drawing/2014/main" id="{4E866FF9-A729-45F0-A163-10E89E871602}"/>
+              </a:ext>
+              <a:ext uri="{C183D7F6-B498-43B3-948B-1728B52AA6E4}">
+                <adec:decorative xmlns:adec="http://schemas.microsoft.com/office/drawing/2017/decorative" val="1"/>
+              </a:ext>
+            </a:extLst>
+          </p:cNvPr>
+          <p:cNvSpPr>
+            <a:spLocks noGrp="1" noRot="1" noChangeAspect="1" noMove="1" noResize="1" noEditPoints="1" noAdjustHandles="1" noChangeArrowheads="1" noChangeShapeType="1" noTextEdit="1"/>
+          </p:cNvSpPr>
+          <p:nvPr>
+            <p:extLst>
+              <p:ext uri="{386F3935-93C4-4BCD-93E2-E3B085C9AB24}">
+                <p16:designElem xmlns:p16="http://schemas.microsoft.com/office/powerpoint/2015/main" val="1"/>
+              </p:ext>
+            </p:extLst>
+          </p:nvPr>
+        </p:nvSpPr>
+        <p:spPr>
+          <a:xfrm>
+            <a:off x="0" y="0"/>
+            <a:ext cx="4738255" cy="6858000"/>
+          </a:xfrm>
+          <a:prstGeom prst="rect">
+            <a:avLst/>
+          </a:prstGeom>
+          <a:solidFill>
+            <a:schemeClr val="accent6">
+              <a:lumMod val="60000"/>
+              <a:lumOff val="40000"/>
+            </a:schemeClr>
+          </a:solidFill>
+          <a:ln>
+            <a:noFill/>
+          </a:ln>
+        </p:spPr>
+        <p:style>
+          <a:lnRef idx="2">
+            <a:schemeClr val="accent1">
+              <a:shade val="50000"/>
+            </a:schemeClr>
+          </a:lnRef>
+          <a:fillRef idx="1">
+            <a:schemeClr val="accent1"/>
+          </a:fillRef>
+          <a:effectRef idx="0">
+            <a:schemeClr val="accent1"/>
+          </a:effectRef>
+          <a:fontRef idx="minor">
+            <a:schemeClr val="lt1"/>
+          </a:fontRef>
+        </p:style>
+        <p:txBody>
+          <a:bodyPr rtlCol="0" anchor="ctr"/>
+          <a:lstStyle/>
+          <a:p>
+            <a:pPr algn="ctr"/>
+            <a:endParaRPr lang="en-US"/>
+          </a:p>
+        </p:txBody>
+      </p:sp>
+      <p:sp>
+        <p:nvSpPr>
           <p:cNvPr id="2" name="Title 1">
             <a:extLst>
               <a:ext uri="{FF2B5EF4-FFF2-40B4-BE49-F238E27FC236}">
@@ -13739,71 +17115,131 @@
             <p:ph type="title"/>
           </p:nvPr>
         </p:nvSpPr>
-        <p:spPr/>
+        <p:spPr>
+          <a:xfrm>
+            <a:off x="640080" y="2681105"/>
+            <a:ext cx="3401568" cy="1495794"/>
+          </a:xfrm>
+          <a:solidFill>
+            <a:srgbClr val="FFFFFF"/>
+          </a:solidFill>
+          <a:ln>
+            <a:solidFill>
+              <a:srgbClr val="262626"/>
+            </a:solidFill>
+          </a:ln>
+        </p:spPr>
         <p:txBody>
-          <a:bodyPr/>
+          <a:bodyPr>
+            <a:normAutofit/>
+          </a:bodyPr>
           <a:lstStyle/>
           <a:p>
             <a:r>
-              <a:rPr lang="en-US" dirty="0"/>
-              <a:t>Recommendations</a:t>
+              <a:rPr lang="en-US" sz="2000"/>
+              <a:t>Recommendations For</a:t>
+            </a:r>
+            <a:br>
+              <a:rPr lang="en-US" sz="2000"/>
+            </a:br>
+            <a:r>
+              <a:rPr lang="en-US" sz="2000"/>
+              <a:t>Future Work</a:t>
             </a:r>
           </a:p>
         </p:txBody>
       </p:sp>
-      <p:sp>
+      <p:sp useBgFill="1">
         <p:nvSpPr>
-          <p:cNvPr id="3" name="Content Placeholder 2">
+          <p:cNvPr id="11" name="Rectangle 10">
             <a:extLst>
               <a:ext uri="{FF2B5EF4-FFF2-40B4-BE49-F238E27FC236}">
-                <a16:creationId xmlns:a16="http://schemas.microsoft.com/office/drawing/2014/main" id="{ED9B19E6-344A-4B9F-8F0A-0C4F3F2C8FA5}"/>
+                <a16:creationId xmlns:a16="http://schemas.microsoft.com/office/drawing/2014/main" id="{A804366F-2366-4688-98E7-B101C7BC6146}"/>
+              </a:ext>
+              <a:ext uri="{C183D7F6-B498-43B3-948B-1728B52AA6E4}">
+                <adec:decorative xmlns:adec="http://schemas.microsoft.com/office/drawing/2017/decorative" val="1"/>
               </a:ext>
             </a:extLst>
           </p:cNvPr>
           <p:cNvSpPr>
-            <a:spLocks noGrp="1"/>
+            <a:spLocks noGrp="1" noRot="1" noChangeAspect="1" noMove="1" noResize="1" noEditPoints="1" noAdjustHandles="1" noChangeArrowheads="1" noChangeShapeType="1" noTextEdit="1"/>
           </p:cNvSpPr>
           <p:nvPr>
-            <p:ph idx="1"/>
+            <p:extLst>
+              <p:ext uri="{386F3935-93C4-4BCD-93E2-E3B085C9AB24}">
+                <p16:designElem xmlns:p16="http://schemas.microsoft.com/office/powerpoint/2015/main" val="1"/>
+              </p:ext>
+            </p:extLst>
           </p:nvPr>
         </p:nvSpPr>
-        <p:spPr/>
+        <p:spPr>
+          <a:xfrm>
+            <a:off x="4753278" y="0"/>
+            <a:ext cx="7438722" cy="6857999"/>
+          </a:xfrm>
+          <a:prstGeom prst="rect">
+            <a:avLst/>
+          </a:prstGeom>
+          <a:ln>
+            <a:noFill/>
+          </a:ln>
+        </p:spPr>
+        <p:style>
+          <a:lnRef idx="2">
+            <a:schemeClr val="accent1">
+              <a:shade val="50000"/>
+            </a:schemeClr>
+          </a:lnRef>
+          <a:fillRef idx="1">
+            <a:schemeClr val="accent1"/>
+          </a:fillRef>
+          <a:effectRef idx="0">
+            <a:schemeClr val="accent1"/>
+          </a:effectRef>
+          <a:fontRef idx="minor">
+            <a:schemeClr val="lt1"/>
+          </a:fontRef>
+        </p:style>
         <p:txBody>
-          <a:bodyPr/>
+          <a:bodyPr rtlCol="0" anchor="ctr"/>
           <a:lstStyle/>
           <a:p>
-            <a:r>
-              <a:rPr lang="en-US" dirty="0"/>
-              <a:t>Utilize the final tuned </a:t>
-            </a:r>
-            <a:r>
-              <a:rPr lang="en-US" dirty="0" err="1"/>
-              <a:t>XGBoost</a:t>
-            </a:r>
-            <a:r>
-              <a:rPr lang="en-US" dirty="0"/>
-              <a:t> model to predict when </a:t>
-            </a:r>
-            <a:r>
-              <a:rPr lang="en-US" dirty="0" err="1"/>
-              <a:t>SyriaTel’s</a:t>
-            </a:r>
-            <a:r>
-              <a:rPr lang="en-US" dirty="0"/>
-              <a:t> customers will soon churn</a:t>
-            </a:r>
-          </a:p>
-          <a:p>
-            <a:pPr marL="0" indent="0">
-              <a:buNone/>
-            </a:pPr>
-            <a:endParaRPr lang="en-US" dirty="0"/>
-          </a:p>
-          <a:p>
-            <a:endParaRPr lang="en-US" dirty="0"/>
+            <a:pPr algn="ctr"/>
+            <a:endParaRPr lang="en-US"/>
           </a:p>
         </p:txBody>
       </p:sp>
+      <p:graphicFrame>
+        <p:nvGraphicFramePr>
+          <p:cNvPr id="5" name="Content Placeholder 2">
+            <a:extLst>
+              <a:ext uri="{FF2B5EF4-FFF2-40B4-BE49-F238E27FC236}">
+                <a16:creationId xmlns:a16="http://schemas.microsoft.com/office/drawing/2014/main" id="{B642CB0E-F9A6-06B2-7DBC-440A902C28BC}"/>
+              </a:ext>
+            </a:extLst>
+          </p:cNvPr>
+          <p:cNvGraphicFramePr>
+            <a:graphicFrameLocks noGrp="1"/>
+          </p:cNvGraphicFramePr>
+          <p:nvPr>
+            <p:ph idx="1"/>
+            <p:extLst>
+              <p:ext uri="{D42A27DB-BD31-4B8C-83A1-F6EECF244321}">
+                <p14:modId xmlns:p14="http://schemas.microsoft.com/office/powerpoint/2010/main" val="139982224"/>
+              </p:ext>
+            </p:extLst>
+          </p:nvPr>
+        </p:nvGraphicFramePr>
+        <p:xfrm>
+          <a:off x="5038971" y="319881"/>
+          <a:ext cx="6867335" cy="6218236"/>
+        </p:xfrm>
+        <a:graphic>
+          <a:graphicData uri="http://schemas.openxmlformats.org/drawingml/2006/diagram">
+            <dgm:relIds xmlns:dgm="http://schemas.openxmlformats.org/drawingml/2006/diagram" xmlns:r="http://schemas.openxmlformats.org/officeDocument/2006/relationships" r:dm="rId2" r:lo="rId3" r:qs="rId4" r:cs="rId5"/>
+          </a:graphicData>
+        </a:graphic>
+      </p:graphicFrame>
     </p:spTree>
     <p:extLst>
       <p:ext uri="{BB962C8B-B14F-4D97-AF65-F5344CB8AC3E}">

--- a/ppt-churn-presentation.pptx
+++ b/ppt-churn-presentation.pptx
@@ -8,12 +8,14 @@
     <p:sldId id="256" r:id="rId2"/>
     <p:sldId id="257" r:id="rId3"/>
     <p:sldId id="258" r:id="rId4"/>
-    <p:sldId id="259" r:id="rId5"/>
-    <p:sldId id="260" r:id="rId6"/>
-    <p:sldId id="264" r:id="rId7"/>
-    <p:sldId id="261" r:id="rId8"/>
-    <p:sldId id="262" r:id="rId9"/>
-    <p:sldId id="263" r:id="rId10"/>
+    <p:sldId id="265" r:id="rId5"/>
+    <p:sldId id="266" r:id="rId6"/>
+    <p:sldId id="267" r:id="rId7"/>
+    <p:sldId id="259" r:id="rId8"/>
+    <p:sldId id="260" r:id="rId9"/>
+    <p:sldId id="264" r:id="rId10"/>
+    <p:sldId id="261" r:id="rId11"/>
+    <p:sldId id="263" r:id="rId12"/>
   </p:sldIdLst>
   <p:sldSz cx="12192000" cy="6858000"/>
   <p:notesSz cx="6858000" cy="9144000"/>
@@ -15808,6 +15810,357 @@
 </p:sld>
 </file>
 
+<file path=ppt/slides/slide10.xml><?xml version="1.0" encoding="utf-8"?>
+<p:sld xmlns:a="http://schemas.openxmlformats.org/drawingml/2006/main" xmlns:r="http://schemas.openxmlformats.org/officeDocument/2006/relationships" xmlns:p="http://schemas.openxmlformats.org/presentationml/2006/main">
+  <p:cSld>
+    <p:bg>
+      <p:bgPr>
+        <a:solidFill>
+          <a:schemeClr val="bg1"/>
+        </a:solidFill>
+        <a:effectLst/>
+      </p:bgPr>
+    </p:bg>
+    <p:spTree>
+      <p:nvGrpSpPr>
+        <p:cNvPr id="1" name=""/>
+        <p:cNvGrpSpPr/>
+        <p:nvPr/>
+      </p:nvGrpSpPr>
+      <p:grpSpPr>
+        <a:xfrm>
+          <a:off x="0" y="0"/>
+          <a:ext cx="0" cy="0"/>
+          <a:chOff x="0" y="0"/>
+          <a:chExt cx="0" cy="0"/>
+        </a:xfrm>
+      </p:grpSpPr>
+      <p:sp>
+        <p:nvSpPr>
+          <p:cNvPr id="9" name="Rectangle 8">
+            <a:extLst>
+              <a:ext uri="{FF2B5EF4-FFF2-40B4-BE49-F238E27FC236}">
+                <a16:creationId xmlns:a16="http://schemas.microsoft.com/office/drawing/2014/main" id="{4E866FF9-A729-45F0-A163-10E89E871602}"/>
+              </a:ext>
+              <a:ext uri="{C183D7F6-B498-43B3-948B-1728B52AA6E4}">
+                <adec:decorative xmlns:adec="http://schemas.microsoft.com/office/drawing/2017/decorative" val="1"/>
+              </a:ext>
+            </a:extLst>
+          </p:cNvPr>
+          <p:cNvSpPr>
+            <a:spLocks noGrp="1" noRot="1" noChangeAspect="1" noMove="1" noResize="1" noEditPoints="1" noAdjustHandles="1" noChangeArrowheads="1" noChangeShapeType="1" noTextEdit="1"/>
+          </p:cNvSpPr>
+          <p:nvPr>
+            <p:extLst>
+              <p:ext uri="{386F3935-93C4-4BCD-93E2-E3B085C9AB24}">
+                <p16:designElem xmlns:p16="http://schemas.microsoft.com/office/powerpoint/2015/main" val="1"/>
+              </p:ext>
+            </p:extLst>
+          </p:nvPr>
+        </p:nvSpPr>
+        <p:spPr>
+          <a:xfrm>
+            <a:off x="0" y="0"/>
+            <a:ext cx="4738255" cy="6858000"/>
+          </a:xfrm>
+          <a:prstGeom prst="rect">
+            <a:avLst/>
+          </a:prstGeom>
+          <a:solidFill>
+            <a:schemeClr val="accent6">
+              <a:lumMod val="60000"/>
+              <a:lumOff val="40000"/>
+            </a:schemeClr>
+          </a:solidFill>
+          <a:ln>
+            <a:noFill/>
+          </a:ln>
+        </p:spPr>
+        <p:style>
+          <a:lnRef idx="2">
+            <a:schemeClr val="accent1">
+              <a:shade val="50000"/>
+            </a:schemeClr>
+          </a:lnRef>
+          <a:fillRef idx="1">
+            <a:schemeClr val="accent1"/>
+          </a:fillRef>
+          <a:effectRef idx="0">
+            <a:schemeClr val="accent1"/>
+          </a:effectRef>
+          <a:fontRef idx="minor">
+            <a:schemeClr val="lt1"/>
+          </a:fontRef>
+        </p:style>
+        <p:txBody>
+          <a:bodyPr rtlCol="0" anchor="ctr"/>
+          <a:lstStyle/>
+          <a:p>
+            <a:pPr algn="ctr"/>
+            <a:endParaRPr lang="en-US"/>
+          </a:p>
+        </p:txBody>
+      </p:sp>
+      <p:sp>
+        <p:nvSpPr>
+          <p:cNvPr id="2" name="Title 1">
+            <a:extLst>
+              <a:ext uri="{FF2B5EF4-FFF2-40B4-BE49-F238E27FC236}">
+                <a16:creationId xmlns:a16="http://schemas.microsoft.com/office/drawing/2014/main" id="{0AEA843D-592C-B51D-0BFF-894E4DF2A486}"/>
+              </a:ext>
+            </a:extLst>
+          </p:cNvPr>
+          <p:cNvSpPr>
+            <a:spLocks noGrp="1"/>
+          </p:cNvSpPr>
+          <p:nvPr>
+            <p:ph type="title"/>
+          </p:nvPr>
+        </p:nvSpPr>
+        <p:spPr>
+          <a:xfrm>
+            <a:off x="640080" y="2681105"/>
+            <a:ext cx="3401568" cy="1495794"/>
+          </a:xfrm>
+          <a:solidFill>
+            <a:srgbClr val="FFFFFF"/>
+          </a:solidFill>
+          <a:ln>
+            <a:solidFill>
+              <a:srgbClr val="262626"/>
+            </a:solidFill>
+          </a:ln>
+        </p:spPr>
+        <p:txBody>
+          <a:bodyPr>
+            <a:normAutofit/>
+          </a:bodyPr>
+          <a:lstStyle/>
+          <a:p>
+            <a:r>
+              <a:rPr lang="en-US" sz="2000"/>
+              <a:t>Recommendations For</a:t>
+            </a:r>
+            <a:br>
+              <a:rPr lang="en-US" sz="2000"/>
+            </a:br>
+            <a:r>
+              <a:rPr lang="en-US" sz="2000"/>
+              <a:t>Future Work</a:t>
+            </a:r>
+          </a:p>
+        </p:txBody>
+      </p:sp>
+      <p:sp useBgFill="1">
+        <p:nvSpPr>
+          <p:cNvPr id="11" name="Rectangle 10">
+            <a:extLst>
+              <a:ext uri="{FF2B5EF4-FFF2-40B4-BE49-F238E27FC236}">
+                <a16:creationId xmlns:a16="http://schemas.microsoft.com/office/drawing/2014/main" id="{A804366F-2366-4688-98E7-B101C7BC6146}"/>
+              </a:ext>
+              <a:ext uri="{C183D7F6-B498-43B3-948B-1728B52AA6E4}">
+                <adec:decorative xmlns:adec="http://schemas.microsoft.com/office/drawing/2017/decorative" val="1"/>
+              </a:ext>
+            </a:extLst>
+          </p:cNvPr>
+          <p:cNvSpPr>
+            <a:spLocks noGrp="1" noRot="1" noChangeAspect="1" noMove="1" noResize="1" noEditPoints="1" noAdjustHandles="1" noChangeArrowheads="1" noChangeShapeType="1" noTextEdit="1"/>
+          </p:cNvSpPr>
+          <p:nvPr>
+            <p:extLst>
+              <p:ext uri="{386F3935-93C4-4BCD-93E2-E3B085C9AB24}">
+                <p16:designElem xmlns:p16="http://schemas.microsoft.com/office/powerpoint/2015/main" val="1"/>
+              </p:ext>
+            </p:extLst>
+          </p:nvPr>
+        </p:nvSpPr>
+        <p:spPr>
+          <a:xfrm>
+            <a:off x="4753278" y="0"/>
+            <a:ext cx="7438722" cy="6857999"/>
+          </a:xfrm>
+          <a:prstGeom prst="rect">
+            <a:avLst/>
+          </a:prstGeom>
+          <a:ln>
+            <a:noFill/>
+          </a:ln>
+        </p:spPr>
+        <p:style>
+          <a:lnRef idx="2">
+            <a:schemeClr val="accent1">
+              <a:shade val="50000"/>
+            </a:schemeClr>
+          </a:lnRef>
+          <a:fillRef idx="1">
+            <a:schemeClr val="accent1"/>
+          </a:fillRef>
+          <a:effectRef idx="0">
+            <a:schemeClr val="accent1"/>
+          </a:effectRef>
+          <a:fontRef idx="minor">
+            <a:schemeClr val="lt1"/>
+          </a:fontRef>
+        </p:style>
+        <p:txBody>
+          <a:bodyPr rtlCol="0" anchor="ctr"/>
+          <a:lstStyle/>
+          <a:p>
+            <a:pPr algn="ctr"/>
+            <a:endParaRPr lang="en-US"/>
+          </a:p>
+        </p:txBody>
+      </p:sp>
+      <p:graphicFrame>
+        <p:nvGraphicFramePr>
+          <p:cNvPr id="5" name="Content Placeholder 2">
+            <a:extLst>
+              <a:ext uri="{FF2B5EF4-FFF2-40B4-BE49-F238E27FC236}">
+                <a16:creationId xmlns:a16="http://schemas.microsoft.com/office/drawing/2014/main" id="{B642CB0E-F9A6-06B2-7DBC-440A902C28BC}"/>
+              </a:ext>
+            </a:extLst>
+          </p:cNvPr>
+          <p:cNvGraphicFramePr>
+            <a:graphicFrameLocks noGrp="1"/>
+          </p:cNvGraphicFramePr>
+          <p:nvPr>
+            <p:ph idx="1"/>
+            <p:extLst>
+              <p:ext uri="{D42A27DB-BD31-4B8C-83A1-F6EECF244321}">
+                <p14:modId xmlns:p14="http://schemas.microsoft.com/office/powerpoint/2010/main" val="139982224"/>
+              </p:ext>
+            </p:extLst>
+          </p:nvPr>
+        </p:nvGraphicFramePr>
+        <p:xfrm>
+          <a:off x="5038971" y="319881"/>
+          <a:ext cx="6867335" cy="6218236"/>
+        </p:xfrm>
+        <a:graphic>
+          <a:graphicData uri="http://schemas.openxmlformats.org/drawingml/2006/diagram">
+            <dgm:relIds xmlns:dgm="http://schemas.openxmlformats.org/drawingml/2006/diagram" xmlns:r="http://schemas.openxmlformats.org/officeDocument/2006/relationships" r:dm="rId2" r:lo="rId3" r:qs="rId4" r:cs="rId5"/>
+          </a:graphicData>
+        </a:graphic>
+      </p:graphicFrame>
+    </p:spTree>
+    <p:extLst>
+      <p:ext uri="{BB962C8B-B14F-4D97-AF65-F5344CB8AC3E}">
+        <p14:creationId xmlns:p14="http://schemas.microsoft.com/office/powerpoint/2010/main" val="1656893775"/>
+      </p:ext>
+    </p:extLst>
+  </p:cSld>
+  <p:clrMapOvr>
+    <a:masterClrMapping/>
+  </p:clrMapOvr>
+</p:sld>
+</file>
+
+<file path=ppt/slides/slide11.xml><?xml version="1.0" encoding="utf-8"?>
+<p:sld xmlns:a="http://schemas.openxmlformats.org/drawingml/2006/main" xmlns:r="http://schemas.openxmlformats.org/officeDocument/2006/relationships" xmlns:p="http://schemas.openxmlformats.org/presentationml/2006/main">
+  <p:cSld>
+    <p:bg>
+      <p:bgPr>
+        <a:solidFill>
+          <a:schemeClr val="bg1">
+            <a:lumMod val="95000"/>
+          </a:schemeClr>
+        </a:solidFill>
+        <a:effectLst/>
+      </p:bgPr>
+    </p:bg>
+    <p:spTree>
+      <p:nvGrpSpPr>
+        <p:cNvPr id="1" name=""/>
+        <p:cNvGrpSpPr/>
+        <p:nvPr/>
+      </p:nvGrpSpPr>
+      <p:grpSpPr>
+        <a:xfrm>
+          <a:off x="0" y="0"/>
+          <a:ext cx="0" cy="0"/>
+          <a:chOff x="0" y="0"/>
+          <a:chExt cx="0" cy="0"/>
+        </a:xfrm>
+      </p:grpSpPr>
+      <p:sp>
+        <p:nvSpPr>
+          <p:cNvPr id="2" name="Title 1">
+            <a:extLst>
+              <a:ext uri="{FF2B5EF4-FFF2-40B4-BE49-F238E27FC236}">
+                <a16:creationId xmlns:a16="http://schemas.microsoft.com/office/drawing/2014/main" id="{9F9B7D0F-4E73-775C-B32C-54FFE08AECB3}"/>
+              </a:ext>
+            </a:extLst>
+          </p:cNvPr>
+          <p:cNvSpPr>
+            <a:spLocks noGrp="1"/>
+          </p:cNvSpPr>
+          <p:nvPr>
+            <p:ph type="title"/>
+          </p:nvPr>
+        </p:nvSpPr>
+        <p:spPr>
+          <a:xfrm>
+            <a:off x="2231136" y="964692"/>
+            <a:ext cx="7729728" cy="1188720"/>
+          </a:xfrm>
+        </p:spPr>
+        <p:txBody>
+          <a:bodyPr>
+            <a:normAutofit/>
+          </a:bodyPr>
+          <a:lstStyle/>
+          <a:p>
+            <a:r>
+              <a:rPr lang="en-US" dirty="0"/>
+              <a:t>Thank You</a:t>
+            </a:r>
+          </a:p>
+        </p:txBody>
+      </p:sp>
+      <p:graphicFrame>
+        <p:nvGraphicFramePr>
+          <p:cNvPr id="5" name="Content Placeholder 2">
+            <a:extLst>
+              <a:ext uri="{FF2B5EF4-FFF2-40B4-BE49-F238E27FC236}">
+                <a16:creationId xmlns:a16="http://schemas.microsoft.com/office/drawing/2014/main" id="{BC51C5F5-2C7D-7251-3C9F-3D7840819799}"/>
+              </a:ext>
+            </a:extLst>
+          </p:cNvPr>
+          <p:cNvGraphicFramePr>
+            <a:graphicFrameLocks noGrp="1"/>
+          </p:cNvGraphicFramePr>
+          <p:nvPr>
+            <p:ph idx="1"/>
+            <p:extLst>
+              <p:ext uri="{D42A27DB-BD31-4B8C-83A1-F6EECF244321}">
+                <p14:modId xmlns:p14="http://schemas.microsoft.com/office/powerpoint/2010/main" val="3503960712"/>
+              </p:ext>
+            </p:extLst>
+          </p:nvPr>
+        </p:nvGraphicFramePr>
+        <p:xfrm>
+          <a:off x="965200" y="2638425"/>
+          <a:ext cx="10261600" cy="3107748"/>
+        </p:xfrm>
+        <a:graphic>
+          <a:graphicData uri="http://schemas.openxmlformats.org/drawingml/2006/diagram">
+            <dgm:relIds xmlns:dgm="http://schemas.openxmlformats.org/drawingml/2006/diagram" xmlns:r="http://schemas.openxmlformats.org/officeDocument/2006/relationships" r:dm="rId2" r:lo="rId3" r:qs="rId4" r:cs="rId5"/>
+          </a:graphicData>
+        </a:graphic>
+      </p:graphicFrame>
+    </p:spTree>
+    <p:extLst>
+      <p:ext uri="{BB962C8B-B14F-4D97-AF65-F5344CB8AC3E}">
+        <p14:creationId xmlns:p14="http://schemas.microsoft.com/office/powerpoint/2010/main" val="3423831415"/>
+      </p:ext>
+    </p:extLst>
+  </p:cSld>
+  <p:clrMapOvr>
+    <a:masterClrMapping/>
+  </p:clrMapOvr>
+</p:sld>
+</file>
+
 <file path=ppt/slides/slide2.xml><?xml version="1.0" encoding="utf-8"?>
 <p:sld xmlns:a="http://schemas.openxmlformats.org/drawingml/2006/main" xmlns:r="http://schemas.openxmlformats.org/officeDocument/2006/relationships" xmlns:p="http://schemas.openxmlformats.org/presentationml/2006/main">
   <p:cSld>
@@ -16138,6 +16491,728 @@
 <file path=ppt/slides/slide4.xml><?xml version="1.0" encoding="utf-8"?>
 <p:sld xmlns:a="http://schemas.openxmlformats.org/drawingml/2006/main" xmlns:r="http://schemas.openxmlformats.org/officeDocument/2006/relationships" xmlns:p="http://schemas.openxmlformats.org/presentationml/2006/main">
   <p:cSld>
+    <p:bg>
+      <p:bgPr>
+        <a:solidFill>
+          <a:schemeClr val="bg1">
+            <a:lumMod val="95000"/>
+          </a:schemeClr>
+        </a:solidFill>
+        <a:effectLst/>
+      </p:bgPr>
+    </p:bg>
+    <p:spTree>
+      <p:nvGrpSpPr>
+        <p:cNvPr id="1" name=""/>
+        <p:cNvGrpSpPr/>
+        <p:nvPr/>
+      </p:nvGrpSpPr>
+      <p:grpSpPr>
+        <a:xfrm>
+          <a:off x="0" y="0"/>
+          <a:ext cx="0" cy="0"/>
+          <a:chOff x="0" y="0"/>
+          <a:chExt cx="0" cy="0"/>
+        </a:xfrm>
+      </p:grpSpPr>
+      <p:sp>
+        <p:nvSpPr>
+          <p:cNvPr id="2" name="Title 1">
+            <a:extLst>
+              <a:ext uri="{FF2B5EF4-FFF2-40B4-BE49-F238E27FC236}">
+                <a16:creationId xmlns:a16="http://schemas.microsoft.com/office/drawing/2014/main" id="{CD69EF1F-A951-1C97-88D3-2B175BFBC3E3}"/>
+              </a:ext>
+            </a:extLst>
+          </p:cNvPr>
+          <p:cNvSpPr>
+            <a:spLocks noGrp="1"/>
+          </p:cNvSpPr>
+          <p:nvPr>
+            <p:ph type="title"/>
+          </p:nvPr>
+        </p:nvSpPr>
+        <p:spPr>
+          <a:xfrm>
+            <a:off x="804672" y="964692"/>
+            <a:ext cx="3066937" cy="1188720"/>
+          </a:xfrm>
+        </p:spPr>
+        <p:txBody>
+          <a:bodyPr>
+            <a:normAutofit fontScale="90000"/>
+          </a:bodyPr>
+          <a:lstStyle/>
+          <a:p>
+            <a:r>
+              <a:rPr lang="en-US" dirty="0"/>
+              <a:t>% of Customer Churn</a:t>
+            </a:r>
+          </a:p>
+        </p:txBody>
+      </p:sp>
+      <p:sp>
+        <p:nvSpPr>
+          <p:cNvPr id="9" name="Content Placeholder 8">
+            <a:extLst>
+              <a:ext uri="{FF2B5EF4-FFF2-40B4-BE49-F238E27FC236}">
+                <a16:creationId xmlns:a16="http://schemas.microsoft.com/office/drawing/2014/main" id="{D5523A97-115B-9BB7-FB58-1B94571F301D}"/>
+              </a:ext>
+            </a:extLst>
+          </p:cNvPr>
+          <p:cNvSpPr>
+            <a:spLocks noGrp="1"/>
+          </p:cNvSpPr>
+          <p:nvPr>
+            <p:ph idx="1"/>
+          </p:nvPr>
+        </p:nvSpPr>
+        <p:spPr>
+          <a:xfrm>
+            <a:off x="803244" y="2638044"/>
+            <a:ext cx="3063765" cy="3263206"/>
+          </a:xfrm>
+        </p:spPr>
+        <p:txBody>
+          <a:bodyPr>
+            <a:normAutofit/>
+          </a:bodyPr>
+          <a:lstStyle/>
+          <a:p>
+            <a:r>
+              <a:rPr lang="en-US" dirty="0"/>
+              <a:t>14.5% of the customers in this dataset have churned</a:t>
+            </a:r>
+          </a:p>
+        </p:txBody>
+      </p:sp>
+      <p:sp>
+        <p:nvSpPr>
+          <p:cNvPr id="15" name="Rectangle 11">
+            <a:extLst>
+              <a:ext uri="{FF2B5EF4-FFF2-40B4-BE49-F238E27FC236}">
+                <a16:creationId xmlns:a16="http://schemas.microsoft.com/office/drawing/2014/main" id="{6515FC82-3453-4CBE-8895-4CCFF339529E}"/>
+              </a:ext>
+              <a:ext uri="{C183D7F6-B498-43B3-948B-1728B52AA6E4}">
+                <adec:decorative xmlns:adec="http://schemas.microsoft.com/office/drawing/2017/decorative" val="1"/>
+              </a:ext>
+            </a:extLst>
+          </p:cNvPr>
+          <p:cNvSpPr>
+            <a:spLocks noGrp="1" noRot="1" noChangeAspect="1" noMove="1" noResize="1" noEditPoints="1" noAdjustHandles="1" noChangeArrowheads="1" noChangeShapeType="1" noTextEdit="1"/>
+          </p:cNvSpPr>
+          <p:nvPr>
+            <p:extLst>
+              <p:ext uri="{386F3935-93C4-4BCD-93E2-E3B085C9AB24}">
+                <p16:designElem xmlns:p16="http://schemas.microsoft.com/office/powerpoint/2015/main" val="1"/>
+              </p:ext>
+            </p:extLst>
+          </p:nvPr>
+        </p:nvSpPr>
+        <p:spPr>
+          <a:xfrm>
+            <a:off x="4494182" y="964692"/>
+            <a:ext cx="6885432" cy="4936558"/>
+          </a:xfrm>
+          <a:prstGeom prst="rect">
+            <a:avLst/>
+          </a:prstGeom>
+          <a:noFill/>
+          <a:ln w="31750" cap="sq">
+            <a:solidFill>
+              <a:srgbClr val="FFFFFF"/>
+            </a:solidFill>
+            <a:miter lim="800000"/>
+          </a:ln>
+        </p:spPr>
+        <p:style>
+          <a:lnRef idx="2">
+            <a:schemeClr val="accent1">
+              <a:shade val="50000"/>
+            </a:schemeClr>
+          </a:lnRef>
+          <a:fillRef idx="1">
+            <a:schemeClr val="accent1"/>
+          </a:fillRef>
+          <a:effectRef idx="0">
+            <a:schemeClr val="accent1"/>
+          </a:effectRef>
+          <a:fontRef idx="minor">
+            <a:schemeClr val="lt1"/>
+          </a:fontRef>
+        </p:style>
+        <p:txBody>
+          <a:bodyPr rtlCol="0" anchor="ctr"/>
+          <a:lstStyle/>
+          <a:p>
+            <a:pPr algn="ctr"/>
+            <a:endParaRPr lang="en-US" dirty="0"/>
+          </a:p>
+        </p:txBody>
+      </p:sp>
+      <p:sp>
+        <p:nvSpPr>
+          <p:cNvPr id="14" name="Rectangle 13">
+            <a:extLst>
+              <a:ext uri="{FF2B5EF4-FFF2-40B4-BE49-F238E27FC236}">
+                <a16:creationId xmlns:a16="http://schemas.microsoft.com/office/drawing/2014/main" id="{C5FD847B-65C0-4027-8DFC-70CB424514F8}"/>
+              </a:ext>
+              <a:ext uri="{C183D7F6-B498-43B3-948B-1728B52AA6E4}">
+                <adec:decorative xmlns:adec="http://schemas.microsoft.com/office/drawing/2017/decorative" val="1"/>
+              </a:ext>
+            </a:extLst>
+          </p:cNvPr>
+          <p:cNvSpPr>
+            <a:spLocks noGrp="1" noRot="1" noChangeAspect="1" noMove="1" noResize="1" noEditPoints="1" noAdjustHandles="1" noChangeArrowheads="1" noChangeShapeType="1" noTextEdit="1"/>
+          </p:cNvSpPr>
+          <p:nvPr>
+            <p:extLst>
+              <p:ext uri="{386F3935-93C4-4BCD-93E2-E3B085C9AB24}">
+                <p16:designElem xmlns:p16="http://schemas.microsoft.com/office/powerpoint/2015/main" val="1"/>
+              </p:ext>
+            </p:extLst>
+          </p:nvPr>
+        </p:nvSpPr>
+        <p:spPr>
+          <a:xfrm>
+            <a:off x="4657802" y="1128683"/>
+            <a:ext cx="6558192" cy="4608576"/>
+          </a:xfrm>
+          <a:prstGeom prst="rect">
+            <a:avLst/>
+          </a:prstGeom>
+          <a:solidFill>
+            <a:srgbClr val="FFFFFF"/>
+          </a:solidFill>
+          <a:ln>
+            <a:noFill/>
+          </a:ln>
+        </p:spPr>
+        <p:style>
+          <a:lnRef idx="2">
+            <a:schemeClr val="accent1">
+              <a:shade val="50000"/>
+            </a:schemeClr>
+          </a:lnRef>
+          <a:fillRef idx="1">
+            <a:schemeClr val="accent1"/>
+          </a:fillRef>
+          <a:effectRef idx="0">
+            <a:schemeClr val="accent1"/>
+          </a:effectRef>
+          <a:fontRef idx="minor">
+            <a:schemeClr val="lt1"/>
+          </a:fontRef>
+        </p:style>
+        <p:txBody>
+          <a:bodyPr rtlCol="0" anchor="ctr"/>
+          <a:lstStyle/>
+          <a:p>
+            <a:pPr algn="ctr"/>
+            <a:endParaRPr lang="en-US"/>
+          </a:p>
+        </p:txBody>
+      </p:sp>
+      <p:pic>
+        <p:nvPicPr>
+          <p:cNvPr id="5" name="Content Placeholder 4" descr="Chart, bar chart&#10;&#10;Description automatically generated">
+            <a:extLst>
+              <a:ext uri="{FF2B5EF4-FFF2-40B4-BE49-F238E27FC236}">
+                <a16:creationId xmlns:a16="http://schemas.microsoft.com/office/drawing/2014/main" id="{9ADFB6DD-98A2-5931-7102-234DA93AC1B1}"/>
+              </a:ext>
+            </a:extLst>
+          </p:cNvPr>
+          <p:cNvPicPr>
+            <a:picLocks noChangeAspect="1"/>
+          </p:cNvPicPr>
+          <p:nvPr/>
+        </p:nvPicPr>
+        <p:blipFill>
+          <a:blip r:embed="rId2"/>
+          <a:stretch>
+            <a:fillRect/>
+          </a:stretch>
+        </p:blipFill>
+        <p:spPr>
+          <a:xfrm>
+            <a:off x="4823366" y="1611556"/>
+            <a:ext cx="6227064" cy="3642830"/>
+          </a:xfrm>
+          <a:prstGeom prst="rect">
+            <a:avLst/>
+          </a:prstGeom>
+        </p:spPr>
+      </p:pic>
+    </p:spTree>
+    <p:extLst>
+      <p:ext uri="{BB962C8B-B14F-4D97-AF65-F5344CB8AC3E}">
+        <p14:creationId xmlns:p14="http://schemas.microsoft.com/office/powerpoint/2010/main" val="3746864925"/>
+      </p:ext>
+    </p:extLst>
+  </p:cSld>
+  <p:clrMapOvr>
+    <a:masterClrMapping/>
+  </p:clrMapOvr>
+</p:sld>
+</file>
+
+<file path=ppt/slides/slide5.xml><?xml version="1.0" encoding="utf-8"?>
+<p:sld xmlns:a="http://schemas.openxmlformats.org/drawingml/2006/main" xmlns:r="http://schemas.openxmlformats.org/officeDocument/2006/relationships" xmlns:p="http://schemas.openxmlformats.org/presentationml/2006/main">
+  <p:cSld>
+    <p:bg>
+      <p:bgPr>
+        <a:solidFill>
+          <a:schemeClr val="bg1">
+            <a:lumMod val="95000"/>
+          </a:schemeClr>
+        </a:solidFill>
+        <a:effectLst/>
+      </p:bgPr>
+    </p:bg>
+    <p:spTree>
+      <p:nvGrpSpPr>
+        <p:cNvPr id="1" name=""/>
+        <p:cNvGrpSpPr/>
+        <p:nvPr/>
+      </p:nvGrpSpPr>
+      <p:grpSpPr>
+        <a:xfrm>
+          <a:off x="0" y="0"/>
+          <a:ext cx="0" cy="0"/>
+          <a:chOff x="0" y="0"/>
+          <a:chExt cx="0" cy="0"/>
+        </a:xfrm>
+      </p:grpSpPr>
+      <p:sp>
+        <p:nvSpPr>
+          <p:cNvPr id="2" name="Title 1">
+            <a:extLst>
+              <a:ext uri="{FF2B5EF4-FFF2-40B4-BE49-F238E27FC236}">
+                <a16:creationId xmlns:a16="http://schemas.microsoft.com/office/drawing/2014/main" id="{24A7C214-E254-3702-947F-77F0EDCCA137}"/>
+              </a:ext>
+            </a:extLst>
+          </p:cNvPr>
+          <p:cNvSpPr>
+            <a:spLocks noGrp="1"/>
+          </p:cNvSpPr>
+          <p:nvPr>
+            <p:ph type="title"/>
+          </p:nvPr>
+        </p:nvSpPr>
+        <p:spPr>
+          <a:xfrm>
+            <a:off x="6096000" y="964692"/>
+            <a:ext cx="5135880" cy="1188720"/>
+          </a:xfrm>
+        </p:spPr>
+        <p:txBody>
+          <a:bodyPr>
+            <a:normAutofit/>
+          </a:bodyPr>
+          <a:lstStyle/>
+          <a:p>
+            <a:r>
+              <a:rPr lang="en-US" dirty="0"/>
+              <a:t>Features</a:t>
+            </a:r>
+          </a:p>
+        </p:txBody>
+      </p:sp>
+      <p:pic>
+        <p:nvPicPr>
+          <p:cNvPr id="5" name="Content Placeholder 4" descr="Chart, bar chart&#10;&#10;Description automatically generated">
+            <a:extLst>
+              <a:ext uri="{FF2B5EF4-FFF2-40B4-BE49-F238E27FC236}">
+                <a16:creationId xmlns:a16="http://schemas.microsoft.com/office/drawing/2014/main" id="{5249FA2C-CD3B-954B-304A-BD149776F6BF}"/>
+              </a:ext>
+            </a:extLst>
+          </p:cNvPr>
+          <p:cNvPicPr>
+            <a:picLocks noChangeAspect="1"/>
+          </p:cNvPicPr>
+          <p:nvPr/>
+        </p:nvPicPr>
+        <p:blipFill>
+          <a:blip r:embed="rId2"/>
+          <a:stretch>
+            <a:fillRect/>
+          </a:stretch>
+        </p:blipFill>
+        <p:spPr>
+          <a:xfrm>
+            <a:off x="413710" y="389788"/>
+            <a:ext cx="5016523" cy="2922123"/>
+          </a:xfrm>
+          <a:prstGeom prst="rect">
+            <a:avLst/>
+          </a:prstGeom>
+          <a:ln w="31750" cap="sq">
+            <a:solidFill>
+              <a:srgbClr val="FFFFFF"/>
+            </a:solidFill>
+            <a:miter lim="800000"/>
+          </a:ln>
+        </p:spPr>
+      </p:pic>
+      <p:sp>
+        <p:nvSpPr>
+          <p:cNvPr id="11" name="Content Placeholder 10">
+            <a:extLst>
+              <a:ext uri="{FF2B5EF4-FFF2-40B4-BE49-F238E27FC236}">
+                <a16:creationId xmlns:a16="http://schemas.microsoft.com/office/drawing/2014/main" id="{03C8115F-B1DE-B262-D18B-9CB4AC74F916}"/>
+              </a:ext>
+            </a:extLst>
+          </p:cNvPr>
+          <p:cNvSpPr>
+            <a:spLocks noGrp="1"/>
+          </p:cNvSpPr>
+          <p:nvPr>
+            <p:ph idx="1"/>
+          </p:nvPr>
+        </p:nvSpPr>
+        <p:spPr>
+          <a:xfrm>
+            <a:off x="6096000" y="2475145"/>
+            <a:ext cx="5135879" cy="3409259"/>
+          </a:xfrm>
+        </p:spPr>
+        <p:txBody>
+          <a:bodyPr>
+            <a:normAutofit/>
+          </a:bodyPr>
+          <a:lstStyle/>
+          <a:p>
+            <a:r>
+              <a:rPr lang="en-US" dirty="0"/>
+              <a:t>42% of customers with an international plan churn</a:t>
+            </a:r>
+          </a:p>
+          <a:p>
+            <a:endParaRPr lang="en-US" dirty="0"/>
+          </a:p>
+          <a:p>
+            <a:endParaRPr lang="en-US" dirty="0"/>
+          </a:p>
+          <a:p>
+            <a:r>
+              <a:rPr lang="en-US" dirty="0"/>
+              <a:t>17% of customers without a voice mail plan churn</a:t>
+            </a:r>
+          </a:p>
+        </p:txBody>
+      </p:sp>
+      <p:pic>
+        <p:nvPicPr>
+          <p:cNvPr id="9" name="Picture 8" descr="Chart, bar chart&#10;&#10;Description automatically generated">
+            <a:extLst>
+              <a:ext uri="{FF2B5EF4-FFF2-40B4-BE49-F238E27FC236}">
+                <a16:creationId xmlns:a16="http://schemas.microsoft.com/office/drawing/2014/main" id="{795E362B-2052-D91B-9909-AAFC64149236}"/>
+              </a:ext>
+            </a:extLst>
+          </p:cNvPr>
+          <p:cNvPicPr>
+            <a:picLocks noChangeAspect="1"/>
+          </p:cNvPicPr>
+          <p:nvPr/>
+        </p:nvPicPr>
+        <p:blipFill>
+          <a:blip r:embed="rId3"/>
+          <a:stretch>
+            <a:fillRect/>
+          </a:stretch>
+        </p:blipFill>
+        <p:spPr>
+          <a:xfrm>
+            <a:off x="413710" y="3546088"/>
+            <a:ext cx="5088174" cy="2922124"/>
+          </a:xfrm>
+          <a:prstGeom prst="rect">
+            <a:avLst/>
+          </a:prstGeom>
+        </p:spPr>
+      </p:pic>
+    </p:spTree>
+    <p:extLst>
+      <p:ext uri="{BB962C8B-B14F-4D97-AF65-F5344CB8AC3E}">
+        <p14:creationId xmlns:p14="http://schemas.microsoft.com/office/powerpoint/2010/main" val="57431817"/>
+      </p:ext>
+    </p:extLst>
+  </p:cSld>
+  <p:clrMapOvr>
+    <a:masterClrMapping/>
+  </p:clrMapOvr>
+</p:sld>
+</file>
+
+<file path=ppt/slides/slide6.xml><?xml version="1.0" encoding="utf-8"?>
+<p:sld xmlns:a="http://schemas.openxmlformats.org/drawingml/2006/main" xmlns:r="http://schemas.openxmlformats.org/officeDocument/2006/relationships" xmlns:p="http://schemas.openxmlformats.org/presentationml/2006/main">
+  <p:cSld>
+    <p:bg>
+      <p:bgPr>
+        <a:solidFill>
+          <a:schemeClr val="bg1">
+            <a:lumMod val="95000"/>
+          </a:schemeClr>
+        </a:solidFill>
+        <a:effectLst/>
+      </p:bgPr>
+    </p:bg>
+    <p:spTree>
+      <p:nvGrpSpPr>
+        <p:cNvPr id="1" name=""/>
+        <p:cNvGrpSpPr/>
+        <p:nvPr/>
+      </p:nvGrpSpPr>
+      <p:grpSpPr>
+        <a:xfrm>
+          <a:off x="0" y="0"/>
+          <a:ext cx="0" cy="0"/>
+          <a:chOff x="0" y="0"/>
+          <a:chExt cx="0" cy="0"/>
+        </a:xfrm>
+      </p:grpSpPr>
+      <p:sp>
+        <p:nvSpPr>
+          <p:cNvPr id="2" name="Title 1">
+            <a:extLst>
+              <a:ext uri="{FF2B5EF4-FFF2-40B4-BE49-F238E27FC236}">
+                <a16:creationId xmlns:a16="http://schemas.microsoft.com/office/drawing/2014/main" id="{82CE00CC-2195-FFCF-E2BC-F883F76FA34B}"/>
+              </a:ext>
+            </a:extLst>
+          </p:cNvPr>
+          <p:cNvSpPr>
+            <a:spLocks noGrp="1"/>
+          </p:cNvSpPr>
+          <p:nvPr>
+            <p:ph type="title"/>
+          </p:nvPr>
+        </p:nvSpPr>
+        <p:spPr>
+          <a:xfrm>
+            <a:off x="804672" y="964692"/>
+            <a:ext cx="3066937" cy="1188720"/>
+          </a:xfrm>
+        </p:spPr>
+        <p:txBody>
+          <a:bodyPr>
+            <a:normAutofit/>
+          </a:bodyPr>
+          <a:lstStyle/>
+          <a:p>
+            <a:r>
+              <a:rPr lang="en-US" dirty="0"/>
+              <a:t>Customer Service</a:t>
+            </a:r>
+          </a:p>
+        </p:txBody>
+      </p:sp>
+      <p:sp>
+        <p:nvSpPr>
+          <p:cNvPr id="9" name="Content Placeholder 8">
+            <a:extLst>
+              <a:ext uri="{FF2B5EF4-FFF2-40B4-BE49-F238E27FC236}">
+                <a16:creationId xmlns:a16="http://schemas.microsoft.com/office/drawing/2014/main" id="{66B746D9-3F76-6263-1FC5-B235C66F6DA5}"/>
+              </a:ext>
+            </a:extLst>
+          </p:cNvPr>
+          <p:cNvSpPr>
+            <a:spLocks noGrp="1"/>
+          </p:cNvSpPr>
+          <p:nvPr>
+            <p:ph idx="1"/>
+          </p:nvPr>
+        </p:nvSpPr>
+        <p:spPr>
+          <a:xfrm>
+            <a:off x="803244" y="2638044"/>
+            <a:ext cx="3063765" cy="3263206"/>
+          </a:xfrm>
+        </p:spPr>
+        <p:txBody>
+          <a:bodyPr>
+            <a:normAutofit/>
+          </a:bodyPr>
+          <a:lstStyle/>
+          <a:p>
+            <a:r>
+              <a:rPr lang="en-US" dirty="0"/>
+              <a:t>Customers who call customer services four or more times have a higher churn rate than those who call fewer than four times</a:t>
+            </a:r>
+          </a:p>
+        </p:txBody>
+      </p:sp>
+      <p:sp>
+        <p:nvSpPr>
+          <p:cNvPr id="12" name="Rectangle 11">
+            <a:extLst>
+              <a:ext uri="{FF2B5EF4-FFF2-40B4-BE49-F238E27FC236}">
+                <a16:creationId xmlns:a16="http://schemas.microsoft.com/office/drawing/2014/main" id="{6515FC82-3453-4CBE-8895-4CCFF339529E}"/>
+              </a:ext>
+              <a:ext uri="{C183D7F6-B498-43B3-948B-1728B52AA6E4}">
+                <adec:decorative xmlns:adec="http://schemas.microsoft.com/office/drawing/2017/decorative" val="1"/>
+              </a:ext>
+            </a:extLst>
+          </p:cNvPr>
+          <p:cNvSpPr>
+            <a:spLocks noGrp="1" noRot="1" noChangeAspect="1" noMove="1" noResize="1" noEditPoints="1" noAdjustHandles="1" noChangeArrowheads="1" noChangeShapeType="1" noTextEdit="1"/>
+          </p:cNvSpPr>
+          <p:nvPr>
+            <p:extLst>
+              <p:ext uri="{386F3935-93C4-4BCD-93E2-E3B085C9AB24}">
+                <p16:designElem xmlns:p16="http://schemas.microsoft.com/office/powerpoint/2015/main" val="1"/>
+              </p:ext>
+            </p:extLst>
+          </p:nvPr>
+        </p:nvSpPr>
+        <p:spPr>
+          <a:xfrm>
+            <a:off x="4494182" y="964692"/>
+            <a:ext cx="6885432" cy="4936558"/>
+          </a:xfrm>
+          <a:prstGeom prst="rect">
+            <a:avLst/>
+          </a:prstGeom>
+          <a:noFill/>
+          <a:ln w="31750" cap="sq">
+            <a:solidFill>
+              <a:srgbClr val="FFFFFF"/>
+            </a:solidFill>
+            <a:miter lim="800000"/>
+          </a:ln>
+        </p:spPr>
+        <p:style>
+          <a:lnRef idx="2">
+            <a:schemeClr val="accent1">
+              <a:shade val="50000"/>
+            </a:schemeClr>
+          </a:lnRef>
+          <a:fillRef idx="1">
+            <a:schemeClr val="accent1"/>
+          </a:fillRef>
+          <a:effectRef idx="0">
+            <a:schemeClr val="accent1"/>
+          </a:effectRef>
+          <a:fontRef idx="minor">
+            <a:schemeClr val="lt1"/>
+          </a:fontRef>
+        </p:style>
+        <p:txBody>
+          <a:bodyPr rtlCol="0" anchor="ctr"/>
+          <a:lstStyle/>
+          <a:p>
+            <a:pPr algn="ctr"/>
+            <a:endParaRPr lang="en-US" dirty="0"/>
+          </a:p>
+        </p:txBody>
+      </p:sp>
+      <p:sp>
+        <p:nvSpPr>
+          <p:cNvPr id="14" name="Rectangle 13">
+            <a:extLst>
+              <a:ext uri="{FF2B5EF4-FFF2-40B4-BE49-F238E27FC236}">
+                <a16:creationId xmlns:a16="http://schemas.microsoft.com/office/drawing/2014/main" id="{C5FD847B-65C0-4027-8DFC-70CB424514F8}"/>
+              </a:ext>
+              <a:ext uri="{C183D7F6-B498-43B3-948B-1728B52AA6E4}">
+                <adec:decorative xmlns:adec="http://schemas.microsoft.com/office/drawing/2017/decorative" val="1"/>
+              </a:ext>
+            </a:extLst>
+          </p:cNvPr>
+          <p:cNvSpPr>
+            <a:spLocks noGrp="1" noRot="1" noChangeAspect="1" noMove="1" noResize="1" noEditPoints="1" noAdjustHandles="1" noChangeArrowheads="1" noChangeShapeType="1" noTextEdit="1"/>
+          </p:cNvSpPr>
+          <p:nvPr>
+            <p:extLst>
+              <p:ext uri="{386F3935-93C4-4BCD-93E2-E3B085C9AB24}">
+                <p16:designElem xmlns:p16="http://schemas.microsoft.com/office/powerpoint/2015/main" val="1"/>
+              </p:ext>
+            </p:extLst>
+          </p:nvPr>
+        </p:nvSpPr>
+        <p:spPr>
+          <a:xfrm>
+            <a:off x="4657802" y="1128683"/>
+            <a:ext cx="6558192" cy="4608576"/>
+          </a:xfrm>
+          <a:prstGeom prst="rect">
+            <a:avLst/>
+          </a:prstGeom>
+          <a:solidFill>
+            <a:srgbClr val="FFFFFF"/>
+          </a:solidFill>
+          <a:ln>
+            <a:noFill/>
+          </a:ln>
+        </p:spPr>
+        <p:style>
+          <a:lnRef idx="2">
+            <a:schemeClr val="accent1">
+              <a:shade val="50000"/>
+            </a:schemeClr>
+          </a:lnRef>
+          <a:fillRef idx="1">
+            <a:schemeClr val="accent1"/>
+          </a:fillRef>
+          <a:effectRef idx="0">
+            <a:schemeClr val="accent1"/>
+          </a:effectRef>
+          <a:fontRef idx="minor">
+            <a:schemeClr val="lt1"/>
+          </a:fontRef>
+        </p:style>
+        <p:txBody>
+          <a:bodyPr rtlCol="0" anchor="ctr"/>
+          <a:lstStyle/>
+          <a:p>
+            <a:pPr algn="ctr"/>
+            <a:endParaRPr lang="en-US"/>
+          </a:p>
+        </p:txBody>
+      </p:sp>
+      <p:pic>
+        <p:nvPicPr>
+          <p:cNvPr id="5" name="Content Placeholder 4" descr="Chart, bar chart&#10;&#10;Description automatically generated">
+            <a:extLst>
+              <a:ext uri="{FF2B5EF4-FFF2-40B4-BE49-F238E27FC236}">
+                <a16:creationId xmlns:a16="http://schemas.microsoft.com/office/drawing/2014/main" id="{96AC0242-A0C2-2459-29AE-0DC9700CD84A}"/>
+              </a:ext>
+            </a:extLst>
+          </p:cNvPr>
+          <p:cNvPicPr>
+            <a:picLocks noChangeAspect="1"/>
+          </p:cNvPicPr>
+          <p:nvPr/>
+        </p:nvPicPr>
+        <p:blipFill>
+          <a:blip r:embed="rId2"/>
+          <a:stretch>
+            <a:fillRect/>
+          </a:stretch>
+        </p:blipFill>
+        <p:spPr>
+          <a:xfrm>
+            <a:off x="4823366" y="1627122"/>
+            <a:ext cx="6227064" cy="3611697"/>
+          </a:xfrm>
+          <a:prstGeom prst="rect">
+            <a:avLst/>
+          </a:prstGeom>
+        </p:spPr>
+      </p:pic>
+    </p:spTree>
+    <p:extLst>
+      <p:ext uri="{BB962C8B-B14F-4D97-AF65-F5344CB8AC3E}">
+        <p14:creationId xmlns:p14="http://schemas.microsoft.com/office/powerpoint/2010/main" val="4207177150"/>
+      </p:ext>
+    </p:extLst>
+  </p:cSld>
+  <p:clrMapOvr>
+    <a:masterClrMapping/>
+  </p:clrMapOvr>
+</p:sld>
+</file>
+
+<file path=ppt/slides/slide7.xml><?xml version="1.0" encoding="utf-8"?>
+<p:sld xmlns:a="http://schemas.openxmlformats.org/drawingml/2006/main" xmlns:r="http://schemas.openxmlformats.org/officeDocument/2006/relationships" xmlns:p="http://schemas.openxmlformats.org/presentationml/2006/main">
+  <p:cSld>
     <p:spTree>
       <p:nvGrpSpPr>
         <p:cNvPr id="1" name=""/>
@@ -16258,7 +17333,7 @@
 </p:sld>
 </file>
 
-<file path=ppt/slides/slide5.xml><?xml version="1.0" encoding="utf-8"?>
+<file path=ppt/slides/slide8.xml><?xml version="1.0" encoding="utf-8"?>
 <p:sld xmlns:a="http://schemas.openxmlformats.org/drawingml/2006/main" xmlns:r="http://schemas.openxmlformats.org/officeDocument/2006/relationships" xmlns:p="http://schemas.openxmlformats.org/presentationml/2006/main">
   <p:cSld>
     <p:bg>
@@ -16605,7 +17680,7 @@
 </p:sld>
 </file>
 
-<file path=ppt/slides/slide6.xml><?xml version="1.0" encoding="utf-8"?>
+<file path=ppt/slides/slide9.xml><?xml version="1.0" encoding="utf-8"?>
 <p:sld xmlns:a="http://schemas.openxmlformats.org/drawingml/2006/main" xmlns:r="http://schemas.openxmlformats.org/officeDocument/2006/relationships" xmlns:p="http://schemas.openxmlformats.org/presentationml/2006/main">
   <p:cSld>
     <p:bg>
@@ -16913,7 +17988,7 @@
             </a:r>
             <a:r>
               <a:rPr lang="en-US" dirty="0"/>
-              <a:t> model achieved an F1-score of 0.94, the highest and closest to 1.0 of all the evaluated models</a:t>
+              <a:t> model achieved an F1-score of 0.94</a:t>
             </a:r>
           </a:p>
           <a:p>
@@ -16924,7 +17999,7 @@
             </a:pPr>
             <a:r>
               <a:rPr lang="en-US" dirty="0"/>
-              <a:t>Further analysis indicated that the most important features influencing the model are:</a:t>
+              <a:t>The most important features influencing the model:</a:t>
             </a:r>
           </a:p>
           <a:p>
@@ -16990,7 +18065,7 @@
             </a:pPr>
             <a:r>
               <a:rPr lang="en-US" dirty="0"/>
-              <a:t>Both of these features were also influential in other models evaluated</a:t>
+              <a:t>Both bolded features were also influential in other models evaluated</a:t>
             </a:r>
           </a:p>
         </p:txBody>
@@ -16999,704 +18074,6 @@
     <p:extLst>
       <p:ext uri="{BB962C8B-B14F-4D97-AF65-F5344CB8AC3E}">
         <p14:creationId xmlns:p14="http://schemas.microsoft.com/office/powerpoint/2010/main" val="1746109797"/>
-      </p:ext>
-    </p:extLst>
-  </p:cSld>
-  <p:clrMapOvr>
-    <a:masterClrMapping/>
-  </p:clrMapOvr>
-</p:sld>
-</file>
-
-<file path=ppt/slides/slide7.xml><?xml version="1.0" encoding="utf-8"?>
-<p:sld xmlns:a="http://schemas.openxmlformats.org/drawingml/2006/main" xmlns:r="http://schemas.openxmlformats.org/officeDocument/2006/relationships" xmlns:p="http://schemas.openxmlformats.org/presentationml/2006/main">
-  <p:cSld>
-    <p:bg>
-      <p:bgPr>
-        <a:solidFill>
-          <a:schemeClr val="bg1"/>
-        </a:solidFill>
-        <a:effectLst/>
-      </p:bgPr>
-    </p:bg>
-    <p:spTree>
-      <p:nvGrpSpPr>
-        <p:cNvPr id="1" name=""/>
-        <p:cNvGrpSpPr/>
-        <p:nvPr/>
-      </p:nvGrpSpPr>
-      <p:grpSpPr>
-        <a:xfrm>
-          <a:off x="0" y="0"/>
-          <a:ext cx="0" cy="0"/>
-          <a:chOff x="0" y="0"/>
-          <a:chExt cx="0" cy="0"/>
-        </a:xfrm>
-      </p:grpSpPr>
-      <p:sp>
-        <p:nvSpPr>
-          <p:cNvPr id="9" name="Rectangle 8">
-            <a:extLst>
-              <a:ext uri="{FF2B5EF4-FFF2-40B4-BE49-F238E27FC236}">
-                <a16:creationId xmlns:a16="http://schemas.microsoft.com/office/drawing/2014/main" id="{4E866FF9-A729-45F0-A163-10E89E871602}"/>
-              </a:ext>
-              <a:ext uri="{C183D7F6-B498-43B3-948B-1728B52AA6E4}">
-                <adec:decorative xmlns:adec="http://schemas.microsoft.com/office/drawing/2017/decorative" val="1"/>
-              </a:ext>
-            </a:extLst>
-          </p:cNvPr>
-          <p:cNvSpPr>
-            <a:spLocks noGrp="1" noRot="1" noChangeAspect="1" noMove="1" noResize="1" noEditPoints="1" noAdjustHandles="1" noChangeArrowheads="1" noChangeShapeType="1" noTextEdit="1"/>
-          </p:cNvSpPr>
-          <p:nvPr>
-            <p:extLst>
-              <p:ext uri="{386F3935-93C4-4BCD-93E2-E3B085C9AB24}">
-                <p16:designElem xmlns:p16="http://schemas.microsoft.com/office/powerpoint/2015/main" val="1"/>
-              </p:ext>
-            </p:extLst>
-          </p:nvPr>
-        </p:nvSpPr>
-        <p:spPr>
-          <a:xfrm>
-            <a:off x="0" y="0"/>
-            <a:ext cx="4738255" cy="6858000"/>
-          </a:xfrm>
-          <a:prstGeom prst="rect">
-            <a:avLst/>
-          </a:prstGeom>
-          <a:solidFill>
-            <a:schemeClr val="accent6">
-              <a:lumMod val="60000"/>
-              <a:lumOff val="40000"/>
-            </a:schemeClr>
-          </a:solidFill>
-          <a:ln>
-            <a:noFill/>
-          </a:ln>
-        </p:spPr>
-        <p:style>
-          <a:lnRef idx="2">
-            <a:schemeClr val="accent1">
-              <a:shade val="50000"/>
-            </a:schemeClr>
-          </a:lnRef>
-          <a:fillRef idx="1">
-            <a:schemeClr val="accent1"/>
-          </a:fillRef>
-          <a:effectRef idx="0">
-            <a:schemeClr val="accent1"/>
-          </a:effectRef>
-          <a:fontRef idx="minor">
-            <a:schemeClr val="lt1"/>
-          </a:fontRef>
-        </p:style>
-        <p:txBody>
-          <a:bodyPr rtlCol="0" anchor="ctr"/>
-          <a:lstStyle/>
-          <a:p>
-            <a:pPr algn="ctr"/>
-            <a:endParaRPr lang="en-US"/>
-          </a:p>
-        </p:txBody>
-      </p:sp>
-      <p:sp>
-        <p:nvSpPr>
-          <p:cNvPr id="2" name="Title 1">
-            <a:extLst>
-              <a:ext uri="{FF2B5EF4-FFF2-40B4-BE49-F238E27FC236}">
-                <a16:creationId xmlns:a16="http://schemas.microsoft.com/office/drawing/2014/main" id="{0AEA843D-592C-B51D-0BFF-894E4DF2A486}"/>
-              </a:ext>
-            </a:extLst>
-          </p:cNvPr>
-          <p:cNvSpPr>
-            <a:spLocks noGrp="1"/>
-          </p:cNvSpPr>
-          <p:nvPr>
-            <p:ph type="title"/>
-          </p:nvPr>
-        </p:nvSpPr>
-        <p:spPr>
-          <a:xfrm>
-            <a:off x="640080" y="2681105"/>
-            <a:ext cx="3401568" cy="1495794"/>
-          </a:xfrm>
-          <a:solidFill>
-            <a:srgbClr val="FFFFFF"/>
-          </a:solidFill>
-          <a:ln>
-            <a:solidFill>
-              <a:srgbClr val="262626"/>
-            </a:solidFill>
-          </a:ln>
-        </p:spPr>
-        <p:txBody>
-          <a:bodyPr>
-            <a:normAutofit/>
-          </a:bodyPr>
-          <a:lstStyle/>
-          <a:p>
-            <a:r>
-              <a:rPr lang="en-US" sz="2000"/>
-              <a:t>Recommendations For</a:t>
-            </a:r>
-            <a:br>
-              <a:rPr lang="en-US" sz="2000"/>
-            </a:br>
-            <a:r>
-              <a:rPr lang="en-US" sz="2000"/>
-              <a:t>Future Work</a:t>
-            </a:r>
-          </a:p>
-        </p:txBody>
-      </p:sp>
-      <p:sp useBgFill="1">
-        <p:nvSpPr>
-          <p:cNvPr id="11" name="Rectangle 10">
-            <a:extLst>
-              <a:ext uri="{FF2B5EF4-FFF2-40B4-BE49-F238E27FC236}">
-                <a16:creationId xmlns:a16="http://schemas.microsoft.com/office/drawing/2014/main" id="{A804366F-2366-4688-98E7-B101C7BC6146}"/>
-              </a:ext>
-              <a:ext uri="{C183D7F6-B498-43B3-948B-1728B52AA6E4}">
-                <adec:decorative xmlns:adec="http://schemas.microsoft.com/office/drawing/2017/decorative" val="1"/>
-              </a:ext>
-            </a:extLst>
-          </p:cNvPr>
-          <p:cNvSpPr>
-            <a:spLocks noGrp="1" noRot="1" noChangeAspect="1" noMove="1" noResize="1" noEditPoints="1" noAdjustHandles="1" noChangeArrowheads="1" noChangeShapeType="1" noTextEdit="1"/>
-          </p:cNvSpPr>
-          <p:nvPr>
-            <p:extLst>
-              <p:ext uri="{386F3935-93C4-4BCD-93E2-E3B085C9AB24}">
-                <p16:designElem xmlns:p16="http://schemas.microsoft.com/office/powerpoint/2015/main" val="1"/>
-              </p:ext>
-            </p:extLst>
-          </p:nvPr>
-        </p:nvSpPr>
-        <p:spPr>
-          <a:xfrm>
-            <a:off x="4753278" y="0"/>
-            <a:ext cx="7438722" cy="6857999"/>
-          </a:xfrm>
-          <a:prstGeom prst="rect">
-            <a:avLst/>
-          </a:prstGeom>
-          <a:ln>
-            <a:noFill/>
-          </a:ln>
-        </p:spPr>
-        <p:style>
-          <a:lnRef idx="2">
-            <a:schemeClr val="accent1">
-              <a:shade val="50000"/>
-            </a:schemeClr>
-          </a:lnRef>
-          <a:fillRef idx="1">
-            <a:schemeClr val="accent1"/>
-          </a:fillRef>
-          <a:effectRef idx="0">
-            <a:schemeClr val="accent1"/>
-          </a:effectRef>
-          <a:fontRef idx="minor">
-            <a:schemeClr val="lt1"/>
-          </a:fontRef>
-        </p:style>
-        <p:txBody>
-          <a:bodyPr rtlCol="0" anchor="ctr"/>
-          <a:lstStyle/>
-          <a:p>
-            <a:pPr algn="ctr"/>
-            <a:endParaRPr lang="en-US"/>
-          </a:p>
-        </p:txBody>
-      </p:sp>
-      <p:graphicFrame>
-        <p:nvGraphicFramePr>
-          <p:cNvPr id="5" name="Content Placeholder 2">
-            <a:extLst>
-              <a:ext uri="{FF2B5EF4-FFF2-40B4-BE49-F238E27FC236}">
-                <a16:creationId xmlns:a16="http://schemas.microsoft.com/office/drawing/2014/main" id="{B642CB0E-F9A6-06B2-7DBC-440A902C28BC}"/>
-              </a:ext>
-            </a:extLst>
-          </p:cNvPr>
-          <p:cNvGraphicFramePr>
-            <a:graphicFrameLocks noGrp="1"/>
-          </p:cNvGraphicFramePr>
-          <p:nvPr>
-            <p:ph idx="1"/>
-            <p:extLst>
-              <p:ext uri="{D42A27DB-BD31-4B8C-83A1-F6EECF244321}">
-                <p14:modId xmlns:p14="http://schemas.microsoft.com/office/powerpoint/2010/main" val="139982224"/>
-              </p:ext>
-            </p:extLst>
-          </p:nvPr>
-        </p:nvGraphicFramePr>
-        <p:xfrm>
-          <a:off x="5038971" y="319881"/>
-          <a:ext cx="6867335" cy="6218236"/>
-        </p:xfrm>
-        <a:graphic>
-          <a:graphicData uri="http://schemas.openxmlformats.org/drawingml/2006/diagram">
-            <dgm:relIds xmlns:dgm="http://schemas.openxmlformats.org/drawingml/2006/diagram" xmlns:r="http://schemas.openxmlformats.org/officeDocument/2006/relationships" r:dm="rId2" r:lo="rId3" r:qs="rId4" r:cs="rId5"/>
-          </a:graphicData>
-        </a:graphic>
-      </p:graphicFrame>
-    </p:spTree>
-    <p:extLst>
-      <p:ext uri="{BB962C8B-B14F-4D97-AF65-F5344CB8AC3E}">
-        <p14:creationId xmlns:p14="http://schemas.microsoft.com/office/powerpoint/2010/main" val="1656893775"/>
-      </p:ext>
-    </p:extLst>
-  </p:cSld>
-  <p:clrMapOvr>
-    <a:masterClrMapping/>
-  </p:clrMapOvr>
-</p:sld>
-</file>
-
-<file path=ppt/slides/slide8.xml><?xml version="1.0" encoding="utf-8"?>
-<p:sld xmlns:a="http://schemas.openxmlformats.org/drawingml/2006/main" xmlns:r="http://schemas.openxmlformats.org/officeDocument/2006/relationships" xmlns:p="http://schemas.openxmlformats.org/presentationml/2006/main">
-  <p:cSld>
-    <p:bg>
-      <p:bgPr>
-        <a:solidFill>
-          <a:schemeClr val="bg1"/>
-        </a:solidFill>
-        <a:effectLst/>
-      </p:bgPr>
-    </p:bg>
-    <p:spTree>
-      <p:nvGrpSpPr>
-        <p:cNvPr id="1" name=""/>
-        <p:cNvGrpSpPr/>
-        <p:nvPr/>
-      </p:nvGrpSpPr>
-      <p:grpSpPr>
-        <a:xfrm>
-          <a:off x="0" y="0"/>
-          <a:ext cx="0" cy="0"/>
-          <a:chOff x="0" y="0"/>
-          <a:chExt cx="0" cy="0"/>
-        </a:xfrm>
-      </p:grpSpPr>
-      <p:sp>
-        <p:nvSpPr>
-          <p:cNvPr id="8" name="Rectangle 7">
-            <a:extLst>
-              <a:ext uri="{FF2B5EF4-FFF2-40B4-BE49-F238E27FC236}">
-                <a16:creationId xmlns:a16="http://schemas.microsoft.com/office/drawing/2014/main" id="{C33976D1-3430-450C-A978-87A9A6E8E71F}"/>
-              </a:ext>
-              <a:ext uri="{C183D7F6-B498-43B3-948B-1728B52AA6E4}">
-                <adec:decorative xmlns:adec="http://schemas.microsoft.com/office/drawing/2017/decorative" val="1"/>
-              </a:ext>
-            </a:extLst>
-          </p:cNvPr>
-          <p:cNvSpPr>
-            <a:spLocks noGrp="1" noRot="1" noChangeAspect="1" noMove="1" noResize="1" noEditPoints="1" noAdjustHandles="1" noChangeArrowheads="1" noChangeShapeType="1" noTextEdit="1"/>
-          </p:cNvSpPr>
-          <p:nvPr>
-            <p:extLst>
-              <p:ext uri="{386F3935-93C4-4BCD-93E2-E3B085C9AB24}">
-                <p16:designElem xmlns:p16="http://schemas.microsoft.com/office/powerpoint/2015/main" val="1"/>
-              </p:ext>
-            </p:extLst>
-          </p:nvPr>
-        </p:nvSpPr>
-        <p:spPr>
-          <a:xfrm>
-            <a:off x="0" y="0"/>
-            <a:ext cx="12192000" cy="6858000"/>
-          </a:xfrm>
-          <a:prstGeom prst="rect">
-            <a:avLst/>
-          </a:prstGeom>
-          <a:solidFill>
-            <a:schemeClr val="accent2"/>
-          </a:solidFill>
-          <a:ln>
-            <a:noFill/>
-          </a:ln>
-        </p:spPr>
-        <p:style>
-          <a:lnRef idx="2">
-            <a:schemeClr val="accent1">
-              <a:shade val="50000"/>
-            </a:schemeClr>
-          </a:lnRef>
-          <a:fillRef idx="1">
-            <a:schemeClr val="accent1"/>
-          </a:fillRef>
-          <a:effectRef idx="0">
-            <a:schemeClr val="accent1"/>
-          </a:effectRef>
-          <a:fontRef idx="minor">
-            <a:schemeClr val="lt1"/>
-          </a:fontRef>
-        </p:style>
-        <p:txBody>
-          <a:bodyPr rtlCol="0" anchor="ctr"/>
-          <a:lstStyle/>
-          <a:p>
-            <a:pPr algn="ctr"/>
-            <a:endParaRPr lang="en-US"/>
-          </a:p>
-        </p:txBody>
-      </p:sp>
-      <p:sp>
-        <p:nvSpPr>
-          <p:cNvPr id="10" name="Rectangle 9">
-            <a:extLst>
-              <a:ext uri="{FF2B5EF4-FFF2-40B4-BE49-F238E27FC236}">
-                <a16:creationId xmlns:a16="http://schemas.microsoft.com/office/drawing/2014/main" id="{7D6AAC78-7D86-415A-ADC1-2B474807960C}"/>
-              </a:ext>
-              <a:ext uri="{C183D7F6-B498-43B3-948B-1728B52AA6E4}">
-                <adec:decorative xmlns:adec="http://schemas.microsoft.com/office/drawing/2017/decorative" val="1"/>
-              </a:ext>
-            </a:extLst>
-          </p:cNvPr>
-          <p:cNvSpPr>
-            <a:spLocks noGrp="1" noRot="1" noChangeAspect="1" noMove="1" noResize="1" noEditPoints="1" noAdjustHandles="1" noChangeArrowheads="1" noChangeShapeType="1" noTextEdit="1"/>
-          </p:cNvSpPr>
-          <p:nvPr>
-            <p:extLst>
-              <p:ext uri="{386F3935-93C4-4BCD-93E2-E3B085C9AB24}">
-                <p16:designElem xmlns:p16="http://schemas.microsoft.com/office/powerpoint/2015/main" val="1"/>
-              </p:ext>
-            </p:extLst>
-          </p:nvPr>
-        </p:nvSpPr>
-        <p:spPr>
-          <a:xfrm>
-            <a:off x="1249680" y="1248156"/>
-            <a:ext cx="9692640" cy="4361688"/>
-          </a:xfrm>
-          <a:prstGeom prst="rect">
-            <a:avLst/>
-          </a:prstGeom>
-          <a:solidFill>
-            <a:srgbClr val="FFFFFF"/>
-          </a:solidFill>
-          <a:ln>
-            <a:noFill/>
-          </a:ln>
-        </p:spPr>
-        <p:style>
-          <a:lnRef idx="2">
-            <a:schemeClr val="accent1">
-              <a:shade val="50000"/>
-            </a:schemeClr>
-          </a:lnRef>
-          <a:fillRef idx="1">
-            <a:schemeClr val="accent1"/>
-          </a:fillRef>
-          <a:effectRef idx="0">
-            <a:schemeClr val="accent1"/>
-          </a:effectRef>
-          <a:fontRef idx="minor">
-            <a:schemeClr val="lt1"/>
-          </a:fontRef>
-        </p:style>
-        <p:txBody>
-          <a:bodyPr rtlCol="0" anchor="ctr"/>
-          <a:lstStyle/>
-          <a:p>
-            <a:pPr algn="ctr"/>
-            <a:endParaRPr lang="en-US"/>
-          </a:p>
-        </p:txBody>
-      </p:sp>
-      <p:sp>
-        <p:nvSpPr>
-          <p:cNvPr id="12" name="Rectangle 11">
-            <a:extLst>
-              <a:ext uri="{FF2B5EF4-FFF2-40B4-BE49-F238E27FC236}">
-                <a16:creationId xmlns:a16="http://schemas.microsoft.com/office/drawing/2014/main" id="{F2A658D9-F185-44F1-BA33-D50320D1D078}"/>
-              </a:ext>
-              <a:ext uri="{C183D7F6-B498-43B3-948B-1728B52AA6E4}">
-                <adec:decorative xmlns:adec="http://schemas.microsoft.com/office/drawing/2017/decorative" val="1"/>
-              </a:ext>
-            </a:extLst>
-          </p:cNvPr>
-          <p:cNvSpPr>
-            <a:spLocks noGrp="1" noRot="1" noChangeAspect="1" noMove="1" noResize="1" noEditPoints="1" noAdjustHandles="1" noChangeArrowheads="1" noChangeShapeType="1" noTextEdit="1"/>
-          </p:cNvSpPr>
-          <p:nvPr>
-            <p:extLst>
-              <p:ext uri="{386F3935-93C4-4BCD-93E2-E3B085C9AB24}">
-                <p16:designElem xmlns:p16="http://schemas.microsoft.com/office/powerpoint/2015/main" val="1"/>
-              </p:ext>
-            </p:extLst>
-          </p:nvPr>
-        </p:nvSpPr>
-        <p:spPr>
-          <a:xfrm>
-            <a:off x="1062228" y="1060704"/>
-            <a:ext cx="10067544" cy="4736592"/>
-          </a:xfrm>
-          <a:prstGeom prst="rect">
-            <a:avLst/>
-          </a:prstGeom>
-          <a:noFill/>
-          <a:ln w="31750" cap="sq">
-            <a:solidFill>
-              <a:srgbClr val="FFFFFF"/>
-            </a:solidFill>
-            <a:miter lim="800000"/>
-          </a:ln>
-        </p:spPr>
-        <p:style>
-          <a:lnRef idx="2">
-            <a:schemeClr val="accent1">
-              <a:shade val="50000"/>
-            </a:schemeClr>
-          </a:lnRef>
-          <a:fillRef idx="1">
-            <a:schemeClr val="accent1"/>
-          </a:fillRef>
-          <a:effectRef idx="0">
-            <a:schemeClr val="accent1"/>
-          </a:effectRef>
-          <a:fontRef idx="minor">
-            <a:schemeClr val="lt1"/>
-          </a:fontRef>
-        </p:style>
-        <p:txBody>
-          <a:bodyPr rtlCol="0" anchor="ctr"/>
-          <a:lstStyle/>
-          <a:p>
-            <a:pPr algn="ctr"/>
-            <a:endParaRPr lang="en-US"/>
-          </a:p>
-        </p:txBody>
-      </p:sp>
-      <p:sp>
-        <p:nvSpPr>
-          <p:cNvPr id="2" name="Title 1">
-            <a:extLst>
-              <a:ext uri="{FF2B5EF4-FFF2-40B4-BE49-F238E27FC236}">
-                <a16:creationId xmlns:a16="http://schemas.microsoft.com/office/drawing/2014/main" id="{FFE884CB-9A84-EC7F-1089-EE8735D245CD}"/>
-              </a:ext>
-            </a:extLst>
-          </p:cNvPr>
-          <p:cNvSpPr>
-            <a:spLocks noGrp="1"/>
-          </p:cNvSpPr>
-          <p:nvPr>
-            <p:ph type="title"/>
-          </p:nvPr>
-        </p:nvSpPr>
-        <p:spPr>
-          <a:xfrm>
-            <a:off x="2231136" y="467418"/>
-            <a:ext cx="7729728" cy="1188720"/>
-          </a:xfrm>
-          <a:solidFill>
-            <a:srgbClr val="FFFFFF"/>
-          </a:solidFill>
-        </p:spPr>
-        <p:txBody>
-          <a:bodyPr>
-            <a:normAutofit/>
-          </a:bodyPr>
-          <a:lstStyle/>
-          <a:p>
-            <a:r>
-              <a:rPr lang="en-US" dirty="0"/>
-              <a:t>Next Steps</a:t>
-            </a:r>
-          </a:p>
-        </p:txBody>
-      </p:sp>
-      <p:sp>
-        <p:nvSpPr>
-          <p:cNvPr id="13" name="Content Placeholder 2">
-            <a:extLst>
-              <a:ext uri="{FF2B5EF4-FFF2-40B4-BE49-F238E27FC236}">
-                <a16:creationId xmlns:a16="http://schemas.microsoft.com/office/drawing/2014/main" id="{8504942F-C286-4B5B-1988-D4A788D5B0E3}"/>
-              </a:ext>
-            </a:extLst>
-          </p:cNvPr>
-          <p:cNvSpPr>
-            <a:spLocks noGrp="1"/>
-          </p:cNvSpPr>
-          <p:nvPr>
-            <p:ph idx="1"/>
-          </p:nvPr>
-        </p:nvSpPr>
-        <p:spPr>
-          <a:xfrm>
-            <a:off x="1706062" y="2291262"/>
-            <a:ext cx="8779512" cy="2879256"/>
-          </a:xfrm>
-        </p:spPr>
-        <p:txBody>
-          <a:bodyPr>
-            <a:normAutofit/>
-          </a:bodyPr>
-          <a:lstStyle/>
-          <a:p>
-            <a:r>
-              <a:rPr lang="en-US" dirty="0">
-                <a:solidFill>
-                  <a:srgbClr val="404040"/>
-                </a:solidFill>
-              </a:rPr>
-              <a:t>Most influential features:</a:t>
-            </a:r>
-          </a:p>
-          <a:p>
-            <a:pPr lvl="1"/>
-            <a:r>
-              <a:rPr lang="en-US" dirty="0">
-                <a:solidFill>
-                  <a:srgbClr val="404040"/>
-                </a:solidFill>
-              </a:rPr>
-              <a:t>the number of calls the customer made to customer service</a:t>
-            </a:r>
-          </a:p>
-          <a:p>
-            <a:pPr lvl="1"/>
-            <a:r>
-              <a:rPr lang="en-US" dirty="0">
-                <a:solidFill>
-                  <a:srgbClr val="404040"/>
-                </a:solidFill>
-              </a:rPr>
-              <a:t>whether the customer has an international plan</a:t>
-            </a:r>
-          </a:p>
-          <a:p>
-            <a:r>
-              <a:rPr lang="en-US" dirty="0">
-                <a:solidFill>
-                  <a:srgbClr val="404040"/>
-                </a:solidFill>
-              </a:rPr>
-              <a:t>Conduct further customer analysis to identify trends regarding calls to customer service – issues, volume, customer service rating</a:t>
-            </a:r>
-          </a:p>
-          <a:p>
-            <a:r>
-              <a:rPr lang="en-US" dirty="0">
-                <a:solidFill>
-                  <a:srgbClr val="404040"/>
-                </a:solidFill>
-              </a:rPr>
-              <a:t>Based on exploratory analysis, customers with an international plan are more likely to churn than those without an international plan – what about the international plan may be influencing churn? </a:t>
-            </a:r>
-          </a:p>
-        </p:txBody>
-      </p:sp>
-    </p:spTree>
-    <p:extLst>
-      <p:ext uri="{BB962C8B-B14F-4D97-AF65-F5344CB8AC3E}">
-        <p14:creationId xmlns:p14="http://schemas.microsoft.com/office/powerpoint/2010/main" val="3732128790"/>
-      </p:ext>
-    </p:extLst>
-  </p:cSld>
-  <p:clrMapOvr>
-    <a:masterClrMapping/>
-  </p:clrMapOvr>
-</p:sld>
-</file>
-
-<file path=ppt/slides/slide9.xml><?xml version="1.0" encoding="utf-8"?>
-<p:sld xmlns:a="http://schemas.openxmlformats.org/drawingml/2006/main" xmlns:r="http://schemas.openxmlformats.org/officeDocument/2006/relationships" xmlns:p="http://schemas.openxmlformats.org/presentationml/2006/main">
-  <p:cSld>
-    <p:bg>
-      <p:bgPr>
-        <a:solidFill>
-          <a:schemeClr val="bg1">
-            <a:lumMod val="95000"/>
-          </a:schemeClr>
-        </a:solidFill>
-        <a:effectLst/>
-      </p:bgPr>
-    </p:bg>
-    <p:spTree>
-      <p:nvGrpSpPr>
-        <p:cNvPr id="1" name=""/>
-        <p:cNvGrpSpPr/>
-        <p:nvPr/>
-      </p:nvGrpSpPr>
-      <p:grpSpPr>
-        <a:xfrm>
-          <a:off x="0" y="0"/>
-          <a:ext cx="0" cy="0"/>
-          <a:chOff x="0" y="0"/>
-          <a:chExt cx="0" cy="0"/>
-        </a:xfrm>
-      </p:grpSpPr>
-      <p:sp>
-        <p:nvSpPr>
-          <p:cNvPr id="2" name="Title 1">
-            <a:extLst>
-              <a:ext uri="{FF2B5EF4-FFF2-40B4-BE49-F238E27FC236}">
-                <a16:creationId xmlns:a16="http://schemas.microsoft.com/office/drawing/2014/main" id="{9F9B7D0F-4E73-775C-B32C-54FFE08AECB3}"/>
-              </a:ext>
-            </a:extLst>
-          </p:cNvPr>
-          <p:cNvSpPr>
-            <a:spLocks noGrp="1"/>
-          </p:cNvSpPr>
-          <p:nvPr>
-            <p:ph type="title"/>
-          </p:nvPr>
-        </p:nvSpPr>
-        <p:spPr>
-          <a:xfrm>
-            <a:off x="2231136" y="964692"/>
-            <a:ext cx="7729728" cy="1188720"/>
-          </a:xfrm>
-        </p:spPr>
-        <p:txBody>
-          <a:bodyPr>
-            <a:normAutofit/>
-          </a:bodyPr>
-          <a:lstStyle/>
-          <a:p>
-            <a:r>
-              <a:rPr lang="en-US" dirty="0"/>
-              <a:t>Thank You</a:t>
-            </a:r>
-          </a:p>
-        </p:txBody>
-      </p:sp>
-      <p:graphicFrame>
-        <p:nvGraphicFramePr>
-          <p:cNvPr id="5" name="Content Placeholder 2">
-            <a:extLst>
-              <a:ext uri="{FF2B5EF4-FFF2-40B4-BE49-F238E27FC236}">
-                <a16:creationId xmlns:a16="http://schemas.microsoft.com/office/drawing/2014/main" id="{BC51C5F5-2C7D-7251-3C9F-3D7840819799}"/>
-              </a:ext>
-            </a:extLst>
-          </p:cNvPr>
-          <p:cNvGraphicFramePr>
-            <a:graphicFrameLocks noGrp="1"/>
-          </p:cNvGraphicFramePr>
-          <p:nvPr>
-            <p:ph idx="1"/>
-            <p:extLst>
-              <p:ext uri="{D42A27DB-BD31-4B8C-83A1-F6EECF244321}">
-                <p14:modId xmlns:p14="http://schemas.microsoft.com/office/powerpoint/2010/main" val="3503960712"/>
-              </p:ext>
-            </p:extLst>
-          </p:nvPr>
-        </p:nvGraphicFramePr>
-        <p:xfrm>
-          <a:off x="965200" y="2638425"/>
-          <a:ext cx="10261600" cy="3107748"/>
-        </p:xfrm>
-        <a:graphic>
-          <a:graphicData uri="http://schemas.openxmlformats.org/drawingml/2006/diagram">
-            <dgm:relIds xmlns:dgm="http://schemas.openxmlformats.org/drawingml/2006/diagram" xmlns:r="http://schemas.openxmlformats.org/officeDocument/2006/relationships" r:dm="rId2" r:lo="rId3" r:qs="rId4" r:cs="rId5"/>
-          </a:graphicData>
-        </a:graphic>
-      </p:graphicFrame>
-    </p:spTree>
-    <p:extLst>
-      <p:ext uri="{BB962C8B-B14F-4D97-AF65-F5344CB8AC3E}">
-        <p14:creationId xmlns:p14="http://schemas.microsoft.com/office/powerpoint/2010/main" val="3423831415"/>
       </p:ext>
     </p:extLst>
   </p:cSld>
